--- a/SimpleCloud.pptx
+++ b/SimpleCloud.pptx
@@ -7,6 +7,9 @@
   <p:sldIdLst>
     <p:sldId id="256" r:id="rId2"/>
     <p:sldId id="257" r:id="rId3"/>
+    <p:sldId id="258" r:id="rId4"/>
+    <p:sldId id="259" r:id="rId5"/>
+    <p:sldId id="260" r:id="rId6"/>
   </p:sldIdLst>
   <p:sldSz cx="12192000" cy="6858000"/>
   <p:notesSz cx="6858000" cy="9144000"/>
@@ -301,7 +304,7 @@
               <a:rPr lang="ru-UA" smtClean="0"/>
               <a:t>10.03.2022</a:t>
             </a:fld>
-            <a:endParaRPr lang="ru-UA"/>
+            <a:endParaRPr lang="ru-UA" dirty="0"/>
           </a:p>
         </p:txBody>
       </p:sp>
@@ -320,7 +323,7 @@
           <a:bodyPr/>
           <a:lstStyle/>
           <a:p>
-            <a:endParaRPr lang="ru-UA"/>
+            <a:endParaRPr lang="ru-UA" dirty="0"/>
           </a:p>
         </p:txBody>
       </p:sp>
@@ -343,7 +346,7 @@
               <a:rPr lang="ru-UA" smtClean="0"/>
               <a:t>‹#›</a:t>
             </a:fld>
-            <a:endParaRPr lang="ru-UA"/>
+            <a:endParaRPr lang="ru-UA" dirty="0"/>
           </a:p>
         </p:txBody>
       </p:sp>
@@ -483,7 +486,7 @@
           </a:lstStyle>
           <a:p>
             <a:r>
-              <a:rPr lang="ru-RU"/>
+              <a:rPr lang="ru-RU" dirty="0"/>
               <a:t>Вставка рисунка</a:t>
             </a:r>
             <a:endParaRPr lang="en-US" dirty="0"/>
@@ -576,7 +579,7 @@
               <a:rPr lang="ru-UA" smtClean="0"/>
               <a:t>10.03.2022</a:t>
             </a:fld>
-            <a:endParaRPr lang="ru-UA"/>
+            <a:endParaRPr lang="ru-UA" dirty="0"/>
           </a:p>
         </p:txBody>
       </p:sp>
@@ -595,7 +598,7 @@
           <a:bodyPr/>
           <a:lstStyle/>
           <a:p>
-            <a:endParaRPr lang="ru-UA"/>
+            <a:endParaRPr lang="ru-UA" dirty="0"/>
           </a:p>
         </p:txBody>
       </p:sp>
@@ -618,7 +621,7 @@
               <a:rPr lang="ru-UA" smtClean="0"/>
               <a:t>‹#›</a:t>
             </a:fld>
-            <a:endParaRPr lang="ru-UA"/>
+            <a:endParaRPr lang="ru-UA" dirty="0"/>
           </a:p>
         </p:txBody>
       </p:sp>
@@ -770,7 +773,7 @@
               <a:rPr lang="ru-UA" smtClean="0"/>
               <a:t>10.03.2022</a:t>
             </a:fld>
-            <a:endParaRPr lang="ru-UA"/>
+            <a:endParaRPr lang="ru-UA" dirty="0"/>
           </a:p>
         </p:txBody>
       </p:sp>
@@ -789,7 +792,7 @@
           <a:bodyPr/>
           <a:lstStyle/>
           <a:p>
-            <a:endParaRPr lang="ru-UA"/>
+            <a:endParaRPr lang="ru-UA" dirty="0"/>
           </a:p>
         </p:txBody>
       </p:sp>
@@ -812,7 +815,7 @@
               <a:rPr lang="ru-UA" smtClean="0"/>
               <a:t>‹#›</a:t>
             </a:fld>
-            <a:endParaRPr lang="ru-UA"/>
+            <a:endParaRPr lang="ru-UA" dirty="0"/>
           </a:p>
         </p:txBody>
       </p:sp>
@@ -1043,7 +1046,7 @@
               <a:rPr lang="ru-UA" smtClean="0"/>
               <a:t>10.03.2022</a:t>
             </a:fld>
-            <a:endParaRPr lang="ru-UA"/>
+            <a:endParaRPr lang="ru-UA" dirty="0"/>
           </a:p>
         </p:txBody>
       </p:sp>
@@ -1062,7 +1065,7 @@
           <a:bodyPr/>
           <a:lstStyle/>
           <a:p>
-            <a:endParaRPr lang="ru-UA"/>
+            <a:endParaRPr lang="ru-UA" dirty="0"/>
           </a:p>
         </p:txBody>
       </p:sp>
@@ -1085,7 +1088,7 @@
               <a:rPr lang="ru-UA" smtClean="0"/>
               <a:t>‹#›</a:t>
             </a:fld>
-            <a:endParaRPr lang="ru-UA"/>
+            <a:endParaRPr lang="ru-UA" dirty="0"/>
           </a:p>
         </p:txBody>
       </p:sp>
@@ -1384,7 +1387,7 @@
               <a:rPr lang="ru-UA" smtClean="0"/>
               <a:t>10.03.2022</a:t>
             </a:fld>
-            <a:endParaRPr lang="ru-UA"/>
+            <a:endParaRPr lang="ru-UA" dirty="0"/>
           </a:p>
         </p:txBody>
       </p:sp>
@@ -1403,7 +1406,7 @@
           <a:bodyPr/>
           <a:lstStyle/>
           <a:p>
-            <a:endParaRPr lang="ru-UA"/>
+            <a:endParaRPr lang="ru-UA" dirty="0"/>
           </a:p>
         </p:txBody>
       </p:sp>
@@ -1426,7 +1429,7 @@
               <a:rPr lang="ru-UA" smtClean="0"/>
               <a:t>‹#›</a:t>
             </a:fld>
-            <a:endParaRPr lang="ru-UA"/>
+            <a:endParaRPr lang="ru-UA" dirty="0"/>
           </a:p>
         </p:txBody>
       </p:sp>
@@ -2007,7 +2010,7 @@
               <a:rPr lang="ru-UA" smtClean="0"/>
               <a:t>10.03.2022</a:t>
             </a:fld>
-            <a:endParaRPr lang="ru-UA"/>
+            <a:endParaRPr lang="ru-UA" dirty="0"/>
           </a:p>
         </p:txBody>
       </p:sp>
@@ -2026,7 +2029,7 @@
           <a:bodyPr/>
           <a:lstStyle/>
           <a:p>
-            <a:endParaRPr lang="ru-UA"/>
+            <a:endParaRPr lang="ru-UA" dirty="0"/>
           </a:p>
         </p:txBody>
       </p:sp>
@@ -2049,7 +2052,7 @@
               <a:rPr lang="ru-UA" smtClean="0"/>
               <a:t>‹#›</a:t>
             </a:fld>
-            <a:endParaRPr lang="ru-UA"/>
+            <a:endParaRPr lang="ru-UA" dirty="0"/>
           </a:p>
         </p:txBody>
       </p:sp>
@@ -2256,7 +2259,7 @@
           </a:lstStyle>
           <a:p>
             <a:r>
-              <a:rPr lang="ru-RU"/>
+              <a:rPr lang="ru-RU" dirty="0"/>
               <a:t>Вставка рисунка</a:t>
             </a:r>
             <a:endParaRPr lang="en-US" dirty="0"/>
@@ -2476,7 +2479,7 @@
           </a:lstStyle>
           <a:p>
             <a:r>
-              <a:rPr lang="ru-RU"/>
+              <a:rPr lang="ru-RU" dirty="0"/>
               <a:t>Вставка рисунка</a:t>
             </a:r>
             <a:endParaRPr lang="en-US" dirty="0"/>
@@ -2696,7 +2699,7 @@
           </a:lstStyle>
           <a:p>
             <a:r>
-              <a:rPr lang="ru-RU"/>
+              <a:rPr lang="ru-RU" dirty="0"/>
               <a:t>Вставка рисунка</a:t>
             </a:r>
             <a:endParaRPr lang="en-US" dirty="0"/>
@@ -2867,7 +2870,7 @@
               <a:rPr lang="ru-UA" smtClean="0"/>
               <a:t>10.03.2022</a:t>
             </a:fld>
-            <a:endParaRPr lang="ru-UA"/>
+            <a:endParaRPr lang="ru-UA" dirty="0"/>
           </a:p>
         </p:txBody>
       </p:sp>
@@ -2886,7 +2889,7 @@
           <a:bodyPr/>
           <a:lstStyle/>
           <a:p>
-            <a:endParaRPr lang="ru-UA"/>
+            <a:endParaRPr lang="ru-UA" dirty="0"/>
           </a:p>
         </p:txBody>
       </p:sp>
@@ -2909,7 +2912,7 @@
               <a:rPr lang="ru-UA" smtClean="0"/>
               <a:t>‹#›</a:t>
             </a:fld>
-            <a:endParaRPr lang="ru-UA"/>
+            <a:endParaRPr lang="ru-UA" dirty="0"/>
           </a:p>
         </p:txBody>
       </p:sp>
@@ -3037,7 +3040,7 @@
               <a:rPr lang="ru-UA" smtClean="0"/>
               <a:t>10.03.2022</a:t>
             </a:fld>
-            <a:endParaRPr lang="ru-UA"/>
+            <a:endParaRPr lang="ru-UA" dirty="0"/>
           </a:p>
         </p:txBody>
       </p:sp>
@@ -3056,7 +3059,7 @@
           <a:bodyPr/>
           <a:lstStyle/>
           <a:p>
-            <a:endParaRPr lang="ru-UA"/>
+            <a:endParaRPr lang="ru-UA" dirty="0"/>
           </a:p>
         </p:txBody>
       </p:sp>
@@ -3079,7 +3082,7 @@
               <a:rPr lang="ru-UA" smtClean="0"/>
               <a:t>‹#›</a:t>
             </a:fld>
-            <a:endParaRPr lang="ru-UA"/>
+            <a:endParaRPr lang="ru-UA" dirty="0"/>
           </a:p>
         </p:txBody>
       </p:sp>
@@ -3217,7 +3220,7 @@
               <a:rPr lang="ru-UA" smtClean="0"/>
               <a:t>10.03.2022</a:t>
             </a:fld>
-            <a:endParaRPr lang="ru-UA"/>
+            <a:endParaRPr lang="ru-UA" dirty="0"/>
           </a:p>
         </p:txBody>
       </p:sp>
@@ -3236,7 +3239,7 @@
           <a:bodyPr/>
           <a:lstStyle/>
           <a:p>
-            <a:endParaRPr lang="ru-UA"/>
+            <a:endParaRPr lang="ru-UA" dirty="0"/>
           </a:p>
         </p:txBody>
       </p:sp>
@@ -3259,7 +3262,7 @@
               <a:rPr lang="ru-UA" smtClean="0"/>
               <a:t>‹#›</a:t>
             </a:fld>
-            <a:endParaRPr lang="ru-UA"/>
+            <a:endParaRPr lang="ru-UA" dirty="0"/>
           </a:p>
         </p:txBody>
       </p:sp>
@@ -3387,7 +3390,7 @@
               <a:rPr lang="ru-UA" smtClean="0"/>
               <a:t>10.03.2022</a:t>
             </a:fld>
-            <a:endParaRPr lang="ru-UA"/>
+            <a:endParaRPr lang="ru-UA" dirty="0"/>
           </a:p>
         </p:txBody>
       </p:sp>
@@ -3406,7 +3409,7 @@
           <a:bodyPr/>
           <a:lstStyle/>
           <a:p>
-            <a:endParaRPr lang="ru-UA"/>
+            <a:endParaRPr lang="ru-UA" dirty="0"/>
           </a:p>
         </p:txBody>
       </p:sp>
@@ -3429,7 +3432,7 @@
               <a:rPr lang="ru-UA" smtClean="0"/>
               <a:t>‹#›</a:t>
             </a:fld>
-            <a:endParaRPr lang="ru-UA"/>
+            <a:endParaRPr lang="ru-UA" dirty="0"/>
           </a:p>
         </p:txBody>
       </p:sp>
@@ -3634,7 +3637,7 @@
               <a:rPr lang="ru-UA" smtClean="0"/>
               <a:t>10.03.2022</a:t>
             </a:fld>
-            <a:endParaRPr lang="ru-UA"/>
+            <a:endParaRPr lang="ru-UA" dirty="0"/>
           </a:p>
         </p:txBody>
       </p:sp>
@@ -3653,7 +3656,7 @@
           <a:bodyPr/>
           <a:lstStyle/>
           <a:p>
-            <a:endParaRPr lang="ru-UA"/>
+            <a:endParaRPr lang="ru-UA" dirty="0"/>
           </a:p>
         </p:txBody>
       </p:sp>
@@ -3676,7 +3679,7 @@
               <a:rPr lang="ru-UA" smtClean="0"/>
               <a:t>‹#›</a:t>
             </a:fld>
-            <a:endParaRPr lang="ru-UA"/>
+            <a:endParaRPr lang="ru-UA" dirty="0"/>
           </a:p>
         </p:txBody>
       </p:sp>
@@ -3926,7 +3929,7 @@
               <a:rPr lang="ru-UA" smtClean="0"/>
               <a:t>10.03.2022</a:t>
             </a:fld>
-            <a:endParaRPr lang="ru-UA"/>
+            <a:endParaRPr lang="ru-UA" dirty="0"/>
           </a:p>
         </p:txBody>
       </p:sp>
@@ -3945,7 +3948,7 @@
           <a:bodyPr/>
           <a:lstStyle/>
           <a:p>
-            <a:endParaRPr lang="ru-UA"/>
+            <a:endParaRPr lang="ru-UA" dirty="0"/>
           </a:p>
         </p:txBody>
       </p:sp>
@@ -3968,7 +3971,7 @@
               <a:rPr lang="ru-UA" smtClean="0"/>
               <a:t>‹#›</a:t>
             </a:fld>
-            <a:endParaRPr lang="ru-UA"/>
+            <a:endParaRPr lang="ru-UA" dirty="0"/>
           </a:p>
         </p:txBody>
       </p:sp>
@@ -4370,7 +4373,7 @@
               <a:rPr lang="ru-UA" smtClean="0"/>
               <a:t>10.03.2022</a:t>
             </a:fld>
-            <a:endParaRPr lang="ru-UA"/>
+            <a:endParaRPr lang="ru-UA" dirty="0"/>
           </a:p>
         </p:txBody>
       </p:sp>
@@ -4389,7 +4392,7 @@
           <a:bodyPr/>
           <a:lstStyle/>
           <a:p>
-            <a:endParaRPr lang="ru-UA"/>
+            <a:endParaRPr lang="ru-UA" dirty="0"/>
           </a:p>
         </p:txBody>
       </p:sp>
@@ -4412,7 +4415,7 @@
               <a:rPr lang="ru-UA" smtClean="0"/>
               <a:t>‹#›</a:t>
             </a:fld>
-            <a:endParaRPr lang="ru-UA"/>
+            <a:endParaRPr lang="ru-UA" dirty="0"/>
           </a:p>
         </p:txBody>
       </p:sp>
@@ -4488,7 +4491,7 @@
               <a:rPr lang="ru-UA" smtClean="0"/>
               <a:t>10.03.2022</a:t>
             </a:fld>
-            <a:endParaRPr lang="ru-UA"/>
+            <a:endParaRPr lang="ru-UA" dirty="0"/>
           </a:p>
         </p:txBody>
       </p:sp>
@@ -4507,7 +4510,7 @@
           <a:bodyPr/>
           <a:lstStyle/>
           <a:p>
-            <a:endParaRPr lang="ru-UA"/>
+            <a:endParaRPr lang="ru-UA" dirty="0"/>
           </a:p>
         </p:txBody>
       </p:sp>
@@ -4530,7 +4533,7 @@
               <a:rPr lang="ru-UA" smtClean="0"/>
               <a:t>‹#›</a:t>
             </a:fld>
-            <a:endParaRPr lang="ru-UA"/>
+            <a:endParaRPr lang="ru-UA" dirty="0"/>
           </a:p>
         </p:txBody>
       </p:sp>
@@ -4583,7 +4586,7 @@
               <a:rPr lang="ru-UA" smtClean="0"/>
               <a:t>10.03.2022</a:t>
             </a:fld>
-            <a:endParaRPr lang="ru-UA"/>
+            <a:endParaRPr lang="ru-UA" dirty="0"/>
           </a:p>
         </p:txBody>
       </p:sp>
@@ -4602,7 +4605,7 @@
           <a:bodyPr/>
           <a:lstStyle/>
           <a:p>
-            <a:endParaRPr lang="ru-UA"/>
+            <a:endParaRPr lang="ru-UA" dirty="0"/>
           </a:p>
         </p:txBody>
       </p:sp>
@@ -4625,7 +4628,7 @@
               <a:rPr lang="ru-UA" smtClean="0"/>
               <a:t>‹#›</a:t>
             </a:fld>
-            <a:endParaRPr lang="ru-UA"/>
+            <a:endParaRPr lang="ru-UA" dirty="0"/>
           </a:p>
         </p:txBody>
       </p:sp>
@@ -4862,7 +4865,7 @@
               <a:rPr lang="ru-UA" smtClean="0"/>
               <a:t>10.03.2022</a:t>
             </a:fld>
-            <a:endParaRPr lang="ru-UA"/>
+            <a:endParaRPr lang="ru-UA" dirty="0"/>
           </a:p>
         </p:txBody>
       </p:sp>
@@ -4881,7 +4884,7 @@
           <a:bodyPr/>
           <a:lstStyle/>
           <a:p>
-            <a:endParaRPr lang="ru-UA"/>
+            <a:endParaRPr lang="ru-UA" dirty="0"/>
           </a:p>
         </p:txBody>
       </p:sp>
@@ -4904,7 +4907,7 @@
               <a:rPr lang="ru-UA" smtClean="0"/>
               <a:t>‹#›</a:t>
             </a:fld>
-            <a:endParaRPr lang="ru-UA"/>
+            <a:endParaRPr lang="ru-UA" dirty="0"/>
           </a:p>
         </p:txBody>
       </p:sp>
@@ -5044,7 +5047,7 @@
           </a:lstStyle>
           <a:p>
             <a:r>
-              <a:rPr lang="ru-RU"/>
+              <a:rPr lang="ru-RU" dirty="0"/>
               <a:t>Вставка рисунка</a:t>
             </a:r>
             <a:endParaRPr lang="en-US" dirty="0"/>
@@ -5137,7 +5140,7 @@
               <a:rPr lang="ru-UA" smtClean="0"/>
               <a:t>10.03.2022</a:t>
             </a:fld>
-            <a:endParaRPr lang="ru-UA"/>
+            <a:endParaRPr lang="ru-UA" dirty="0"/>
           </a:p>
         </p:txBody>
       </p:sp>
@@ -5156,7 +5159,7 @@
           <a:bodyPr/>
           <a:lstStyle/>
           <a:p>
-            <a:endParaRPr lang="ru-UA"/>
+            <a:endParaRPr lang="ru-UA" dirty="0"/>
           </a:p>
         </p:txBody>
       </p:sp>
@@ -5179,7 +5182,7 @@
               <a:rPr lang="ru-UA" smtClean="0"/>
               <a:t>‹#›</a:t>
             </a:fld>
-            <a:endParaRPr lang="ru-UA"/>
+            <a:endParaRPr lang="ru-UA" dirty="0"/>
           </a:p>
         </p:txBody>
       </p:sp>
@@ -5566,7 +5569,7 @@
               <a:rPr lang="ru-UA" smtClean="0"/>
               <a:t>10.03.2022</a:t>
             </a:fld>
-            <a:endParaRPr lang="ru-UA"/>
+            <a:endParaRPr lang="ru-UA" dirty="0"/>
           </a:p>
         </p:txBody>
       </p:sp>
@@ -5604,7 +5607,7 @@
             </a:lvl1pPr>
           </a:lstStyle>
           <a:p>
-            <a:endParaRPr lang="ru-UA"/>
+            <a:endParaRPr lang="ru-UA" dirty="0"/>
           </a:p>
         </p:txBody>
       </p:sp>
@@ -5645,7 +5648,7 @@
               <a:rPr lang="ru-UA" smtClean="0"/>
               <a:t>‹#›</a:t>
             </a:fld>
-            <a:endParaRPr lang="ru-UA"/>
+            <a:endParaRPr lang="ru-UA" dirty="0"/>
           </a:p>
         </p:txBody>
       </p:sp>
@@ -6172,6 +6175,14 @@
 <file path=ppt/slides/slide2.xml><?xml version="1.0" encoding="utf-8"?>
 <p:sld xmlns:a="http://schemas.openxmlformats.org/drawingml/2006/main" xmlns:r="http://schemas.openxmlformats.org/officeDocument/2006/relationships" xmlns:p="http://schemas.openxmlformats.org/presentationml/2006/main">
   <p:cSld>
+    <p:bg>
+      <p:bgPr>
+        <a:solidFill>
+          <a:schemeClr val="bg1"/>
+        </a:solidFill>
+        <a:effectLst/>
+      </p:bgPr>
+    </p:bg>
     <p:spTree>
       <p:nvGrpSpPr>
         <p:cNvPr id="1" name=""/>
@@ -6188,6 +6199,66 @@
       </p:grpSpPr>
       <p:sp>
         <p:nvSpPr>
+          <p:cNvPr id="73" name="Rectangle 72">
+            <a:extLst>
+              <a:ext uri="{FF2B5EF4-FFF2-40B4-BE49-F238E27FC236}">
+                <a16:creationId xmlns:a16="http://schemas.microsoft.com/office/drawing/2014/main" id="{61515115-95FB-41E0-86F3-8744438C09D0}"/>
+              </a:ext>
+              <a:ext uri="{C183D7F6-B498-43B3-948B-1728B52AA6E4}">
+                <adec:decorative xmlns:adec="http://schemas.microsoft.com/office/drawing/2017/decorative" val="1"/>
+              </a:ext>
+            </a:extLst>
+          </p:cNvPr>
+          <p:cNvSpPr>
+            <a:spLocks noGrp="1" noRot="1" noChangeAspect="1" noMove="1" noResize="1" noEditPoints="1" noAdjustHandles="1" noChangeArrowheads="1" noChangeShapeType="1" noTextEdit="1"/>
+          </p:cNvSpPr>
+          <p:nvPr>
+            <p:extLst>
+              <p:ext uri="{386F3935-93C4-4BCD-93E2-E3B085C9AB24}">
+                <p16:designElem xmlns:p16="http://schemas.microsoft.com/office/powerpoint/2015/main" val="1"/>
+              </p:ext>
+            </p:extLst>
+          </p:nvPr>
+        </p:nvSpPr>
+        <p:spPr>
+          <a:xfrm>
+            <a:off x="0" y="0"/>
+            <a:ext cx="12192000" cy="6858000"/>
+          </a:xfrm>
+          <a:prstGeom prst="rect">
+            <a:avLst/>
+          </a:prstGeom>
+          <a:ln>
+            <a:noFill/>
+          </a:ln>
+        </p:spPr>
+        <p:style>
+          <a:lnRef idx="2">
+            <a:schemeClr val="accent1">
+              <a:shade val="50000"/>
+            </a:schemeClr>
+          </a:lnRef>
+          <a:fillRef idx="1003">
+            <a:schemeClr val="dk2"/>
+          </a:fillRef>
+          <a:effectRef idx="0">
+            <a:schemeClr val="accent1"/>
+          </a:effectRef>
+          <a:fontRef idx="minor">
+            <a:schemeClr val="lt1"/>
+          </a:fontRef>
+        </p:style>
+        <p:txBody>
+          <a:bodyPr rtlCol="0" anchor="ctr"/>
+          <a:lstStyle/>
+          <a:p>
+            <a:pPr algn="ctr"/>
+            <a:endParaRPr lang="en-US"/>
+          </a:p>
+        </p:txBody>
+      </p:sp>
+      <p:sp>
+        <p:nvSpPr>
           <p:cNvPr id="2" name="Заголовок 1">
             <a:extLst>
               <a:ext uri="{FF2B5EF4-FFF2-40B4-BE49-F238E27FC236}">
@@ -6202,14 +6273,960 @@
             <p:ph type="title"/>
           </p:nvPr>
         </p:nvSpPr>
-        <p:spPr/>
-        <p:txBody>
-          <a:bodyPr/>
+        <p:spPr>
+          <a:xfrm>
+            <a:off x="648930" y="629266"/>
+            <a:ext cx="5616217" cy="1622321"/>
+          </a:xfrm>
+        </p:spPr>
+        <p:txBody>
+          <a:bodyPr>
+            <a:normAutofit/>
+          </a:bodyPr>
           <a:lstStyle/>
           <a:p>
-            <a:endParaRPr lang="ru-UA" dirty="0"/>
-          </a:p>
-        </p:txBody>
+            <a:r>
+              <a:rPr lang="pl-PL">
+                <a:solidFill>
+                  <a:srgbClr val="EBEBEB"/>
+                </a:solidFill>
+              </a:rPr>
+              <a:t>Główna</a:t>
+            </a:r>
+            <a:r>
+              <a:rPr lang="en-US">
+                <a:solidFill>
+                  <a:srgbClr val="EBEBEB"/>
+                </a:solidFill>
+              </a:rPr>
+              <a:t> idea projektu</a:t>
+            </a:r>
+            <a:endParaRPr lang="ru-UA">
+              <a:solidFill>
+                <a:srgbClr val="EBEBEB"/>
+              </a:solidFill>
+            </a:endParaRPr>
+          </a:p>
+        </p:txBody>
+      </p:sp>
+      <p:sp>
+        <p:nvSpPr>
+          <p:cNvPr id="75" name="Freeform 31">
+            <a:extLst>
+              <a:ext uri="{FF2B5EF4-FFF2-40B4-BE49-F238E27FC236}">
+                <a16:creationId xmlns:a16="http://schemas.microsoft.com/office/drawing/2014/main" id="{8222A33F-BE2D-4D69-92A0-5DF8B17BAACA}"/>
+              </a:ext>
+              <a:ext uri="{C183D7F6-B498-43B3-948B-1728B52AA6E4}">
+                <adec:decorative xmlns:adec="http://schemas.microsoft.com/office/drawing/2017/decorative" val="1"/>
+              </a:ext>
+            </a:extLst>
+          </p:cNvPr>
+          <p:cNvSpPr>
+            <a:spLocks noGrp="1" noRot="1" noChangeAspect="1" noMove="1" noResize="1" noEditPoints="1" noAdjustHandles="1" noChangeArrowheads="1" noChangeShapeType="1" noTextEdit="1"/>
+          </p:cNvSpPr>
+          <p:nvPr>
+            <p:extLst>
+              <p:ext uri="{386F3935-93C4-4BCD-93E2-E3B085C9AB24}">
+                <p16:designElem xmlns:p16="http://schemas.microsoft.com/office/powerpoint/2015/main" val="1"/>
+              </p:ext>
+            </p:extLst>
+          </p:nvPr>
+        </p:nvSpPr>
+        <p:spPr>
+          <a:xfrm>
+            <a:off x="6449843" y="-1"/>
+            <a:ext cx="559472" cy="3709642"/>
+          </a:xfrm>
+          <a:custGeom>
+            <a:avLst/>
+            <a:gdLst>
+              <a:gd name="connsiteX0" fmla="*/ 0 w 559472"/>
+              <a:gd name="connsiteY0" fmla="*/ 0 h 3709642"/>
+              <a:gd name="connsiteX1" fmla="*/ 473952 w 559472"/>
+              <a:gd name="connsiteY1" fmla="*/ 0 h 3709642"/>
+              <a:gd name="connsiteX2" fmla="*/ 485840 w 559472"/>
+              <a:gd name="connsiteY2" fmla="*/ 161194 h 3709642"/>
+              <a:gd name="connsiteX3" fmla="*/ 523949 w 559472"/>
+              <a:gd name="connsiteY3" fmla="*/ 3672197 h 3709642"/>
+              <a:gd name="connsiteX4" fmla="*/ 454748 w 559472"/>
+              <a:gd name="connsiteY4" fmla="*/ 3709642 h 3709642"/>
+              <a:gd name="connsiteX5" fmla="*/ 448224 w 559472"/>
+              <a:gd name="connsiteY5" fmla="*/ 3510471 h 3709642"/>
+              <a:gd name="connsiteX6" fmla="*/ 443564 w 559472"/>
+              <a:gd name="connsiteY6" fmla="*/ 3408563 h 3709642"/>
+              <a:gd name="connsiteX7" fmla="*/ 438902 w 559472"/>
+              <a:gd name="connsiteY7" fmla="*/ 3304407 h 3709642"/>
+              <a:gd name="connsiteX8" fmla="*/ 433941 w 559472"/>
+              <a:gd name="connsiteY8" fmla="*/ 3198777 h 3709642"/>
+              <a:gd name="connsiteX9" fmla="*/ 427584 w 559472"/>
+              <a:gd name="connsiteY9" fmla="*/ 3092510 h 3709642"/>
+              <a:gd name="connsiteX10" fmla="*/ 420988 w 559472"/>
+              <a:gd name="connsiteY10" fmla="*/ 2984390 h 3709642"/>
+              <a:gd name="connsiteX11" fmla="*/ 414330 w 559472"/>
+              <a:gd name="connsiteY11" fmla="*/ 2874401 h 3709642"/>
+              <a:gd name="connsiteX12" fmla="*/ 406840 w 559472"/>
+              <a:gd name="connsiteY12" fmla="*/ 2762980 h 3709642"/>
+              <a:gd name="connsiteX13" fmla="*/ 397745 w 559472"/>
+              <a:gd name="connsiteY13" fmla="*/ 2650566 h 3709642"/>
+              <a:gd name="connsiteX14" fmla="*/ 389154 w 559472"/>
+              <a:gd name="connsiteY14" fmla="*/ 2536612 h 3709642"/>
+              <a:gd name="connsiteX15" fmla="*/ 379225 w 559472"/>
+              <a:gd name="connsiteY15" fmla="*/ 2421642 h 3709642"/>
+              <a:gd name="connsiteX16" fmla="*/ 368316 w 559472"/>
+              <a:gd name="connsiteY16" fmla="*/ 2305627 h 3709642"/>
+              <a:gd name="connsiteX17" fmla="*/ 357466 w 559472"/>
+              <a:gd name="connsiteY17" fmla="*/ 2189233 h 3709642"/>
+              <a:gd name="connsiteX18" fmla="*/ 344982 w 559472"/>
+              <a:gd name="connsiteY18" fmla="*/ 2071473 h 3709642"/>
+              <a:gd name="connsiteX19" fmla="*/ 332466 w 559472"/>
+              <a:gd name="connsiteY19" fmla="*/ 1952216 h 3709642"/>
+              <a:gd name="connsiteX20" fmla="*/ 319121 w 559472"/>
+              <a:gd name="connsiteY20" fmla="*/ 1833776 h 3709642"/>
+              <a:gd name="connsiteX21" fmla="*/ 304408 w 559472"/>
+              <a:gd name="connsiteY21" fmla="*/ 1713948 h 3709642"/>
+              <a:gd name="connsiteX22" fmla="*/ 288685 w 559472"/>
+              <a:gd name="connsiteY22" fmla="*/ 1592703 h 3709642"/>
+              <a:gd name="connsiteX23" fmla="*/ 273050 w 559472"/>
+              <a:gd name="connsiteY23" fmla="*/ 1471451 h 3709642"/>
+              <a:gd name="connsiteX24" fmla="*/ 255813 w 559472"/>
+              <a:gd name="connsiteY24" fmla="*/ 1350328 h 3709642"/>
+              <a:gd name="connsiteX25" fmla="*/ 237060 w 559472"/>
+              <a:gd name="connsiteY25" fmla="*/ 1227080 h 3709642"/>
+              <a:gd name="connsiteX26" fmla="*/ 218488 w 559472"/>
+              <a:gd name="connsiteY26" fmla="*/ 1106065 h 3709642"/>
+              <a:gd name="connsiteX27" fmla="*/ 198221 w 559472"/>
+              <a:gd name="connsiteY27" fmla="*/ 982940 h 3709642"/>
+              <a:gd name="connsiteX28" fmla="*/ 177152 w 559472"/>
+              <a:gd name="connsiteY28" fmla="*/ 858755 h 3709642"/>
+              <a:gd name="connsiteX29" fmla="*/ 155551 w 559472"/>
+              <a:gd name="connsiteY29" fmla="*/ 736861 h 3709642"/>
+              <a:gd name="connsiteX30" fmla="*/ 131782 w 559472"/>
+              <a:gd name="connsiteY30" fmla="*/ 613645 h 3709642"/>
+              <a:gd name="connsiteX31" fmla="*/ 107123 w 559472"/>
+              <a:gd name="connsiteY31" fmla="*/ 490500 h 3709642"/>
+              <a:gd name="connsiteX32" fmla="*/ 82552 w 559472"/>
+              <a:gd name="connsiteY32" fmla="*/ 367348 h 3709642"/>
+              <a:gd name="connsiteX33" fmla="*/ 55608 w 559472"/>
+              <a:gd name="connsiteY33" fmla="*/ 244762 h 3709642"/>
+              <a:gd name="connsiteX34" fmla="*/ 28130 w 559472"/>
+              <a:gd name="connsiteY34" fmla="*/ 122220 h 3709642"/>
+              <a:gd name="connsiteX35" fmla="*/ 0 w 559472"/>
+              <a:gd name="connsiteY35" fmla="*/ 0 h 3709642"/>
+            </a:gdLst>
+            <a:ahLst/>
+            <a:cxnLst>
+              <a:cxn ang="0">
+                <a:pos x="connsiteX0" y="connsiteY0"/>
+              </a:cxn>
+              <a:cxn ang="0">
+                <a:pos x="connsiteX1" y="connsiteY1"/>
+              </a:cxn>
+              <a:cxn ang="0">
+                <a:pos x="connsiteX2" y="connsiteY2"/>
+              </a:cxn>
+              <a:cxn ang="0">
+                <a:pos x="connsiteX3" y="connsiteY3"/>
+              </a:cxn>
+              <a:cxn ang="0">
+                <a:pos x="connsiteX4" y="connsiteY4"/>
+              </a:cxn>
+              <a:cxn ang="0">
+                <a:pos x="connsiteX5" y="connsiteY5"/>
+              </a:cxn>
+              <a:cxn ang="0">
+                <a:pos x="connsiteX6" y="connsiteY6"/>
+              </a:cxn>
+              <a:cxn ang="0">
+                <a:pos x="connsiteX7" y="connsiteY7"/>
+              </a:cxn>
+              <a:cxn ang="0">
+                <a:pos x="connsiteX8" y="connsiteY8"/>
+              </a:cxn>
+              <a:cxn ang="0">
+                <a:pos x="connsiteX9" y="connsiteY9"/>
+              </a:cxn>
+              <a:cxn ang="0">
+                <a:pos x="connsiteX10" y="connsiteY10"/>
+              </a:cxn>
+              <a:cxn ang="0">
+                <a:pos x="connsiteX11" y="connsiteY11"/>
+              </a:cxn>
+              <a:cxn ang="0">
+                <a:pos x="connsiteX12" y="connsiteY12"/>
+              </a:cxn>
+              <a:cxn ang="0">
+                <a:pos x="connsiteX13" y="connsiteY13"/>
+              </a:cxn>
+              <a:cxn ang="0">
+                <a:pos x="connsiteX14" y="connsiteY14"/>
+              </a:cxn>
+              <a:cxn ang="0">
+                <a:pos x="connsiteX15" y="connsiteY15"/>
+              </a:cxn>
+              <a:cxn ang="0">
+                <a:pos x="connsiteX16" y="connsiteY16"/>
+              </a:cxn>
+              <a:cxn ang="0">
+                <a:pos x="connsiteX17" y="connsiteY17"/>
+              </a:cxn>
+              <a:cxn ang="0">
+                <a:pos x="connsiteX18" y="connsiteY18"/>
+              </a:cxn>
+              <a:cxn ang="0">
+                <a:pos x="connsiteX19" y="connsiteY19"/>
+              </a:cxn>
+              <a:cxn ang="0">
+                <a:pos x="connsiteX20" y="connsiteY20"/>
+              </a:cxn>
+              <a:cxn ang="0">
+                <a:pos x="connsiteX21" y="connsiteY21"/>
+              </a:cxn>
+              <a:cxn ang="0">
+                <a:pos x="connsiteX22" y="connsiteY22"/>
+              </a:cxn>
+              <a:cxn ang="0">
+                <a:pos x="connsiteX23" y="connsiteY23"/>
+              </a:cxn>
+              <a:cxn ang="0">
+                <a:pos x="connsiteX24" y="connsiteY24"/>
+              </a:cxn>
+              <a:cxn ang="0">
+                <a:pos x="connsiteX25" y="connsiteY25"/>
+              </a:cxn>
+              <a:cxn ang="0">
+                <a:pos x="connsiteX26" y="connsiteY26"/>
+              </a:cxn>
+              <a:cxn ang="0">
+                <a:pos x="connsiteX27" y="connsiteY27"/>
+              </a:cxn>
+              <a:cxn ang="0">
+                <a:pos x="connsiteX28" y="connsiteY28"/>
+              </a:cxn>
+              <a:cxn ang="0">
+                <a:pos x="connsiteX29" y="connsiteY29"/>
+              </a:cxn>
+              <a:cxn ang="0">
+                <a:pos x="connsiteX30" y="connsiteY30"/>
+              </a:cxn>
+              <a:cxn ang="0">
+                <a:pos x="connsiteX31" y="connsiteY31"/>
+              </a:cxn>
+              <a:cxn ang="0">
+                <a:pos x="connsiteX32" y="connsiteY32"/>
+              </a:cxn>
+              <a:cxn ang="0">
+                <a:pos x="connsiteX33" y="connsiteY33"/>
+              </a:cxn>
+              <a:cxn ang="0">
+                <a:pos x="connsiteX34" y="connsiteY34"/>
+              </a:cxn>
+              <a:cxn ang="0">
+                <a:pos x="connsiteX35" y="connsiteY35"/>
+              </a:cxn>
+            </a:cxnLst>
+            <a:rect l="l" t="t" r="r" b="b"/>
+            <a:pathLst>
+              <a:path w="559472" h="3709642">
+                <a:moveTo>
+                  <a:pt x="0" y="0"/>
+                </a:moveTo>
+                <a:lnTo>
+                  <a:pt x="473952" y="0"/>
+                </a:lnTo>
+                <a:lnTo>
+                  <a:pt x="485840" y="161194"/>
+                </a:lnTo>
+                <a:cubicBezTo>
+                  <a:pt x="552063" y="1147770"/>
+                  <a:pt x="592441" y="3086737"/>
+                  <a:pt x="523949" y="3672197"/>
+                </a:cubicBezTo>
+                <a:cubicBezTo>
+                  <a:pt x="500842" y="3684557"/>
+                  <a:pt x="477855" y="3697282"/>
+                  <a:pt x="454748" y="3709642"/>
+                </a:cubicBezTo>
+                <a:lnTo>
+                  <a:pt x="448224" y="3510471"/>
+                </a:lnTo>
+                <a:lnTo>
+                  <a:pt x="443564" y="3408563"/>
+                </a:lnTo>
+                <a:lnTo>
+                  <a:pt x="438902" y="3304407"/>
+                </a:lnTo>
+                <a:lnTo>
+                  <a:pt x="433941" y="3198777"/>
+                </a:lnTo>
+                <a:lnTo>
+                  <a:pt x="427584" y="3092510"/>
+                </a:lnTo>
+                <a:lnTo>
+                  <a:pt x="420988" y="2984390"/>
+                </a:lnTo>
+                <a:lnTo>
+                  <a:pt x="414330" y="2874401"/>
+                </a:lnTo>
+                <a:lnTo>
+                  <a:pt x="406840" y="2762980"/>
+                </a:lnTo>
+                <a:lnTo>
+                  <a:pt x="397745" y="2650566"/>
+                </a:lnTo>
+                <a:lnTo>
+                  <a:pt x="389154" y="2536612"/>
+                </a:lnTo>
+                <a:lnTo>
+                  <a:pt x="379225" y="2421642"/>
+                </a:lnTo>
+                <a:lnTo>
+                  <a:pt x="368316" y="2305627"/>
+                </a:lnTo>
+                <a:lnTo>
+                  <a:pt x="357466" y="2189233"/>
+                </a:lnTo>
+                <a:lnTo>
+                  <a:pt x="344982" y="2071473"/>
+                </a:lnTo>
+                <a:lnTo>
+                  <a:pt x="332466" y="1952216"/>
+                </a:lnTo>
+                <a:lnTo>
+                  <a:pt x="319121" y="1833776"/>
+                </a:lnTo>
+                <a:lnTo>
+                  <a:pt x="304408" y="1713948"/>
+                </a:lnTo>
+                <a:lnTo>
+                  <a:pt x="288685" y="1592703"/>
+                </a:lnTo>
+                <a:lnTo>
+                  <a:pt x="273050" y="1471451"/>
+                </a:lnTo>
+                <a:lnTo>
+                  <a:pt x="255813" y="1350328"/>
+                </a:lnTo>
+                <a:lnTo>
+                  <a:pt x="237060" y="1227080"/>
+                </a:lnTo>
+                <a:lnTo>
+                  <a:pt x="218488" y="1106065"/>
+                </a:lnTo>
+                <a:lnTo>
+                  <a:pt x="198221" y="982940"/>
+                </a:lnTo>
+                <a:lnTo>
+                  <a:pt x="177152" y="858755"/>
+                </a:lnTo>
+                <a:lnTo>
+                  <a:pt x="155551" y="736861"/>
+                </a:lnTo>
+                <a:lnTo>
+                  <a:pt x="131782" y="613645"/>
+                </a:lnTo>
+                <a:lnTo>
+                  <a:pt x="107123" y="490500"/>
+                </a:lnTo>
+                <a:lnTo>
+                  <a:pt x="82552" y="367348"/>
+                </a:lnTo>
+                <a:lnTo>
+                  <a:pt x="55608" y="244762"/>
+                </a:lnTo>
+                <a:lnTo>
+                  <a:pt x="28130" y="122220"/>
+                </a:lnTo>
+                <a:lnTo>
+                  <a:pt x="0" y="0"/>
+                </a:lnTo>
+                <a:close/>
+              </a:path>
+            </a:pathLst>
+          </a:custGeom>
+          <a:solidFill>
+            <a:schemeClr val="bg1">
+              <a:alpha val="20000"/>
+            </a:schemeClr>
+          </a:solidFill>
+          <a:ln>
+            <a:noFill/>
+          </a:ln>
+        </p:spPr>
+        <p:txBody>
+          <a:bodyPr rtlCol="0" anchor="ctr"/>
+          <a:lstStyle/>
+          <a:p>
+            <a:pPr algn="ctr"/>
+            <a:endParaRPr lang="en-US">
+              <a:solidFill>
+                <a:srgbClr val="FFFFFF"/>
+              </a:solidFill>
+            </a:endParaRPr>
+          </a:p>
+        </p:txBody>
+      </p:sp>
+      <p:sp useBgFill="1">
+        <p:nvSpPr>
+          <p:cNvPr id="77" name="Freeform: Shape 76">
+            <a:extLst>
+              <a:ext uri="{FF2B5EF4-FFF2-40B4-BE49-F238E27FC236}">
+                <a16:creationId xmlns:a16="http://schemas.microsoft.com/office/drawing/2014/main" id="{CE1C74D0-9609-468A-9597-5D87C8A42B58}"/>
+              </a:ext>
+              <a:ext uri="{C183D7F6-B498-43B3-948B-1728B52AA6E4}">
+                <adec:decorative xmlns:adec="http://schemas.microsoft.com/office/drawing/2017/decorative" val="1"/>
+              </a:ext>
+            </a:extLst>
+          </p:cNvPr>
+          <p:cNvSpPr>
+            <a:spLocks noGrp="1" noRot="1" noChangeAspect="1" noMove="1" noResize="1" noEditPoints="1" noAdjustHandles="1" noChangeArrowheads="1" noChangeShapeType="1" noTextEdit="1"/>
+          </p:cNvSpPr>
+          <p:nvPr>
+            <p:extLst>
+              <p:ext uri="{386F3935-93C4-4BCD-93E2-E3B085C9AB24}">
+                <p16:designElem xmlns:p16="http://schemas.microsoft.com/office/powerpoint/2015/main" val="1"/>
+              </p:ext>
+            </p:extLst>
+          </p:nvPr>
+        </p:nvSpPr>
+        <p:spPr bwMode="gray">
+          <a:xfrm rot="16200000">
+            <a:off x="5998731" y="664312"/>
+            <a:ext cx="6858001" cy="5529377"/>
+          </a:xfrm>
+          <a:custGeom>
+            <a:avLst/>
+            <a:gdLst>
+              <a:gd name="connsiteX0" fmla="*/ 6858001 w 6858001"/>
+              <a:gd name="connsiteY0" fmla="*/ 1177 h 5529377"/>
+              <a:gd name="connsiteX1" fmla="*/ 6858001 w 6858001"/>
+              <a:gd name="connsiteY1" fmla="*/ 1344715 h 5529377"/>
+              <a:gd name="connsiteX2" fmla="*/ 6858000 w 6858001"/>
+              <a:gd name="connsiteY2" fmla="*/ 1344715 h 5529377"/>
+              <a:gd name="connsiteX3" fmla="*/ 6858000 w 6858001"/>
+              <a:gd name="connsiteY3" fmla="*/ 5529377 h 5529377"/>
+              <a:gd name="connsiteX4" fmla="*/ 0 w 6858001"/>
+              <a:gd name="connsiteY4" fmla="*/ 5529376 h 5529377"/>
+              <a:gd name="connsiteX5" fmla="*/ 0 w 6858001"/>
+              <a:gd name="connsiteY5" fmla="*/ 891096 h 5529377"/>
+              <a:gd name="connsiteX6" fmla="*/ 1 w 6858001"/>
+              <a:gd name="connsiteY6" fmla="*/ 891096 h 5529377"/>
+              <a:gd name="connsiteX7" fmla="*/ 1 w 6858001"/>
+              <a:gd name="connsiteY7" fmla="*/ 0 h 5529377"/>
+              <a:gd name="connsiteX8" fmla="*/ 40463 w 6858001"/>
+              <a:gd name="connsiteY8" fmla="*/ 5883 h 5529377"/>
+              <a:gd name="connsiteX9" fmla="*/ 159107 w 6858001"/>
+              <a:gd name="connsiteY9" fmla="*/ 23196 h 5529377"/>
+              <a:gd name="connsiteX10" fmla="*/ 245518 w 6858001"/>
+              <a:gd name="connsiteY10" fmla="*/ 35299 h 5529377"/>
+              <a:gd name="connsiteX11" fmla="*/ 348388 w 6858001"/>
+              <a:gd name="connsiteY11" fmla="*/ 48073 h 5529377"/>
+              <a:gd name="connsiteX12" fmla="*/ 470460 w 6858001"/>
+              <a:gd name="connsiteY12" fmla="*/ 63369 h 5529377"/>
+              <a:gd name="connsiteX13" fmla="*/ 605563 w 6858001"/>
+              <a:gd name="connsiteY13" fmla="*/ 79506 h 5529377"/>
+              <a:gd name="connsiteX14" fmla="*/ 757810 w 6858001"/>
+              <a:gd name="connsiteY14" fmla="*/ 96483 h 5529377"/>
+              <a:gd name="connsiteX15" fmla="*/ 923774 w 6858001"/>
+              <a:gd name="connsiteY15" fmla="*/ 114469 h 5529377"/>
+              <a:gd name="connsiteX16" fmla="*/ 1104139 w 6858001"/>
+              <a:gd name="connsiteY16" fmla="*/ 132454 h 5529377"/>
+              <a:gd name="connsiteX17" fmla="*/ 1296163 w 6858001"/>
+              <a:gd name="connsiteY17" fmla="*/ 150776 h 5529377"/>
+              <a:gd name="connsiteX18" fmla="*/ 1503275 w 6858001"/>
+              <a:gd name="connsiteY18" fmla="*/ 167753 h 5529377"/>
+              <a:gd name="connsiteX19" fmla="*/ 1719988 w 6858001"/>
+              <a:gd name="connsiteY19" fmla="*/ 184058 h 5529377"/>
+              <a:gd name="connsiteX20" fmla="*/ 1949045 w 6858001"/>
+              <a:gd name="connsiteY20" fmla="*/ 198849 h 5529377"/>
+              <a:gd name="connsiteX21" fmla="*/ 2187703 w 6858001"/>
+              <a:gd name="connsiteY21" fmla="*/ 212969 h 5529377"/>
+              <a:gd name="connsiteX22" fmla="*/ 2436649 w 6858001"/>
+              <a:gd name="connsiteY22" fmla="*/ 226248 h 5529377"/>
+              <a:gd name="connsiteX23" fmla="*/ 2564208 w 6858001"/>
+              <a:gd name="connsiteY23" fmla="*/ 230955 h 5529377"/>
+              <a:gd name="connsiteX24" fmla="*/ 2694509 w 6858001"/>
+              <a:gd name="connsiteY24" fmla="*/ 236165 h 5529377"/>
+              <a:gd name="connsiteX25" fmla="*/ 2826868 w 6858001"/>
+              <a:gd name="connsiteY25" fmla="*/ 241040 h 5529377"/>
+              <a:gd name="connsiteX26" fmla="*/ 2959914 w 6858001"/>
+              <a:gd name="connsiteY26" fmla="*/ 244234 h 5529377"/>
+              <a:gd name="connsiteX27" fmla="*/ 3095702 w 6858001"/>
+              <a:gd name="connsiteY27" fmla="*/ 247091 h 5529377"/>
+              <a:gd name="connsiteX28" fmla="*/ 3232862 w 6858001"/>
+              <a:gd name="connsiteY28" fmla="*/ 250117 h 5529377"/>
+              <a:gd name="connsiteX29" fmla="*/ 3372765 w 6858001"/>
+              <a:gd name="connsiteY29" fmla="*/ 252134 h 5529377"/>
+              <a:gd name="connsiteX30" fmla="*/ 3514040 w 6858001"/>
+              <a:gd name="connsiteY30" fmla="*/ 252134 h 5529377"/>
+              <a:gd name="connsiteX31" fmla="*/ 3656686 w 6858001"/>
+              <a:gd name="connsiteY31" fmla="*/ 253142 h 5529377"/>
+              <a:gd name="connsiteX32" fmla="*/ 3800704 w 6858001"/>
+              <a:gd name="connsiteY32" fmla="*/ 252134 h 5529377"/>
+              <a:gd name="connsiteX33" fmla="*/ 3946780 w 6858001"/>
+              <a:gd name="connsiteY33" fmla="*/ 250117 h 5529377"/>
+              <a:gd name="connsiteX34" fmla="*/ 4092855 w 6858001"/>
+              <a:gd name="connsiteY34" fmla="*/ 248268 h 5529377"/>
+              <a:gd name="connsiteX35" fmla="*/ 4240988 w 6858001"/>
+              <a:gd name="connsiteY35" fmla="*/ 244234 h 5529377"/>
+              <a:gd name="connsiteX36" fmla="*/ 4390492 w 6858001"/>
+              <a:gd name="connsiteY36" fmla="*/ 240032 h 5529377"/>
+              <a:gd name="connsiteX37" fmla="*/ 4539997 w 6858001"/>
+              <a:gd name="connsiteY37" fmla="*/ 235157 h 5529377"/>
+              <a:gd name="connsiteX38" fmla="*/ 4690873 w 6858001"/>
+              <a:gd name="connsiteY38" fmla="*/ 228266 h 5529377"/>
+              <a:gd name="connsiteX39" fmla="*/ 4843120 w 6858001"/>
+              <a:gd name="connsiteY39" fmla="*/ 220029 h 5529377"/>
+              <a:gd name="connsiteX40" fmla="*/ 4996054 w 6858001"/>
+              <a:gd name="connsiteY40" fmla="*/ 212129 h 5529377"/>
+              <a:gd name="connsiteX41" fmla="*/ 5148987 w 6858001"/>
+              <a:gd name="connsiteY41" fmla="*/ 202044 h 5529377"/>
+              <a:gd name="connsiteX42" fmla="*/ 5303978 w 6858001"/>
+              <a:gd name="connsiteY42" fmla="*/ 189941 h 5529377"/>
+              <a:gd name="connsiteX43" fmla="*/ 5456911 w 6858001"/>
+              <a:gd name="connsiteY43" fmla="*/ 177839 h 5529377"/>
+              <a:gd name="connsiteX44" fmla="*/ 5612588 w 6858001"/>
+              <a:gd name="connsiteY44" fmla="*/ 163887 h 5529377"/>
+              <a:gd name="connsiteX45" fmla="*/ 5768950 w 6858001"/>
+              <a:gd name="connsiteY45" fmla="*/ 148591 h 5529377"/>
+              <a:gd name="connsiteX46" fmla="*/ 5923255 w 6858001"/>
+              <a:gd name="connsiteY46" fmla="*/ 132455 h 5529377"/>
+              <a:gd name="connsiteX47" fmla="*/ 6079618 w 6858001"/>
+              <a:gd name="connsiteY47" fmla="*/ 113629 h 5529377"/>
+              <a:gd name="connsiteX48" fmla="*/ 6235294 w 6858001"/>
+              <a:gd name="connsiteY48" fmla="*/ 93458 h 5529377"/>
+              <a:gd name="connsiteX49" fmla="*/ 6391657 w 6858001"/>
+              <a:gd name="connsiteY49" fmla="*/ 73455 h 5529377"/>
+              <a:gd name="connsiteX50" fmla="*/ 6547333 w 6858001"/>
+              <a:gd name="connsiteY50" fmla="*/ 50091 h 5529377"/>
+              <a:gd name="connsiteX51" fmla="*/ 6702324 w 6858001"/>
+              <a:gd name="connsiteY51" fmla="*/ 26222 h 5529377"/>
+            </a:gdLst>
+            <a:ahLst/>
+            <a:cxnLst>
+              <a:cxn ang="0">
+                <a:pos x="connsiteX0" y="connsiteY0"/>
+              </a:cxn>
+              <a:cxn ang="0">
+                <a:pos x="connsiteX1" y="connsiteY1"/>
+              </a:cxn>
+              <a:cxn ang="0">
+                <a:pos x="connsiteX2" y="connsiteY2"/>
+              </a:cxn>
+              <a:cxn ang="0">
+                <a:pos x="connsiteX3" y="connsiteY3"/>
+              </a:cxn>
+              <a:cxn ang="0">
+                <a:pos x="connsiteX4" y="connsiteY4"/>
+              </a:cxn>
+              <a:cxn ang="0">
+                <a:pos x="connsiteX5" y="connsiteY5"/>
+              </a:cxn>
+              <a:cxn ang="0">
+                <a:pos x="connsiteX6" y="connsiteY6"/>
+              </a:cxn>
+              <a:cxn ang="0">
+                <a:pos x="connsiteX7" y="connsiteY7"/>
+              </a:cxn>
+              <a:cxn ang="0">
+                <a:pos x="connsiteX8" y="connsiteY8"/>
+              </a:cxn>
+              <a:cxn ang="0">
+                <a:pos x="connsiteX9" y="connsiteY9"/>
+              </a:cxn>
+              <a:cxn ang="0">
+                <a:pos x="connsiteX10" y="connsiteY10"/>
+              </a:cxn>
+              <a:cxn ang="0">
+                <a:pos x="connsiteX11" y="connsiteY11"/>
+              </a:cxn>
+              <a:cxn ang="0">
+                <a:pos x="connsiteX12" y="connsiteY12"/>
+              </a:cxn>
+              <a:cxn ang="0">
+                <a:pos x="connsiteX13" y="connsiteY13"/>
+              </a:cxn>
+              <a:cxn ang="0">
+                <a:pos x="connsiteX14" y="connsiteY14"/>
+              </a:cxn>
+              <a:cxn ang="0">
+                <a:pos x="connsiteX15" y="connsiteY15"/>
+              </a:cxn>
+              <a:cxn ang="0">
+                <a:pos x="connsiteX16" y="connsiteY16"/>
+              </a:cxn>
+              <a:cxn ang="0">
+                <a:pos x="connsiteX17" y="connsiteY17"/>
+              </a:cxn>
+              <a:cxn ang="0">
+                <a:pos x="connsiteX18" y="connsiteY18"/>
+              </a:cxn>
+              <a:cxn ang="0">
+                <a:pos x="connsiteX19" y="connsiteY19"/>
+              </a:cxn>
+              <a:cxn ang="0">
+                <a:pos x="connsiteX20" y="connsiteY20"/>
+              </a:cxn>
+              <a:cxn ang="0">
+                <a:pos x="connsiteX21" y="connsiteY21"/>
+              </a:cxn>
+              <a:cxn ang="0">
+                <a:pos x="connsiteX22" y="connsiteY22"/>
+              </a:cxn>
+              <a:cxn ang="0">
+                <a:pos x="connsiteX23" y="connsiteY23"/>
+              </a:cxn>
+              <a:cxn ang="0">
+                <a:pos x="connsiteX24" y="connsiteY24"/>
+              </a:cxn>
+              <a:cxn ang="0">
+                <a:pos x="connsiteX25" y="connsiteY25"/>
+              </a:cxn>
+              <a:cxn ang="0">
+                <a:pos x="connsiteX26" y="connsiteY26"/>
+              </a:cxn>
+              <a:cxn ang="0">
+                <a:pos x="connsiteX27" y="connsiteY27"/>
+              </a:cxn>
+              <a:cxn ang="0">
+                <a:pos x="connsiteX28" y="connsiteY28"/>
+              </a:cxn>
+              <a:cxn ang="0">
+                <a:pos x="connsiteX29" y="connsiteY29"/>
+              </a:cxn>
+              <a:cxn ang="0">
+                <a:pos x="connsiteX30" y="connsiteY30"/>
+              </a:cxn>
+              <a:cxn ang="0">
+                <a:pos x="connsiteX31" y="connsiteY31"/>
+              </a:cxn>
+              <a:cxn ang="0">
+                <a:pos x="connsiteX32" y="connsiteY32"/>
+              </a:cxn>
+              <a:cxn ang="0">
+                <a:pos x="connsiteX33" y="connsiteY33"/>
+              </a:cxn>
+              <a:cxn ang="0">
+                <a:pos x="connsiteX34" y="connsiteY34"/>
+              </a:cxn>
+              <a:cxn ang="0">
+                <a:pos x="connsiteX35" y="connsiteY35"/>
+              </a:cxn>
+              <a:cxn ang="0">
+                <a:pos x="connsiteX36" y="connsiteY36"/>
+              </a:cxn>
+              <a:cxn ang="0">
+                <a:pos x="connsiteX37" y="connsiteY37"/>
+              </a:cxn>
+              <a:cxn ang="0">
+                <a:pos x="connsiteX38" y="connsiteY38"/>
+              </a:cxn>
+              <a:cxn ang="0">
+                <a:pos x="connsiteX39" y="connsiteY39"/>
+              </a:cxn>
+              <a:cxn ang="0">
+                <a:pos x="connsiteX40" y="connsiteY40"/>
+              </a:cxn>
+              <a:cxn ang="0">
+                <a:pos x="connsiteX41" y="connsiteY41"/>
+              </a:cxn>
+              <a:cxn ang="0">
+                <a:pos x="connsiteX42" y="connsiteY42"/>
+              </a:cxn>
+              <a:cxn ang="0">
+                <a:pos x="connsiteX43" y="connsiteY43"/>
+              </a:cxn>
+              <a:cxn ang="0">
+                <a:pos x="connsiteX44" y="connsiteY44"/>
+              </a:cxn>
+              <a:cxn ang="0">
+                <a:pos x="connsiteX45" y="connsiteY45"/>
+              </a:cxn>
+              <a:cxn ang="0">
+                <a:pos x="connsiteX46" y="connsiteY46"/>
+              </a:cxn>
+              <a:cxn ang="0">
+                <a:pos x="connsiteX47" y="connsiteY47"/>
+              </a:cxn>
+              <a:cxn ang="0">
+                <a:pos x="connsiteX48" y="connsiteY48"/>
+              </a:cxn>
+              <a:cxn ang="0">
+                <a:pos x="connsiteX49" y="connsiteY49"/>
+              </a:cxn>
+              <a:cxn ang="0">
+                <a:pos x="connsiteX50" y="connsiteY50"/>
+              </a:cxn>
+              <a:cxn ang="0">
+                <a:pos x="connsiteX51" y="connsiteY51"/>
+              </a:cxn>
+            </a:cxnLst>
+            <a:rect l="l" t="t" r="r" b="b"/>
+            <a:pathLst>
+              <a:path w="6858001" h="5529377">
+                <a:moveTo>
+                  <a:pt x="6858001" y="1177"/>
+                </a:moveTo>
+                <a:lnTo>
+                  <a:pt x="6858001" y="1344715"/>
+                </a:lnTo>
+                <a:lnTo>
+                  <a:pt x="6858000" y="1344715"/>
+                </a:lnTo>
+                <a:lnTo>
+                  <a:pt x="6858000" y="5529377"/>
+                </a:lnTo>
+                <a:lnTo>
+                  <a:pt x="0" y="5529376"/>
+                </a:lnTo>
+                <a:lnTo>
+                  <a:pt x="0" y="891096"/>
+                </a:lnTo>
+                <a:lnTo>
+                  <a:pt x="1" y="891096"/>
+                </a:lnTo>
+                <a:lnTo>
+                  <a:pt x="1" y="0"/>
+                </a:lnTo>
+                <a:lnTo>
+                  <a:pt x="40463" y="5883"/>
+                </a:lnTo>
+                <a:lnTo>
+                  <a:pt x="159107" y="23196"/>
+                </a:lnTo>
+                <a:lnTo>
+                  <a:pt x="245518" y="35299"/>
+                </a:lnTo>
+                <a:lnTo>
+                  <a:pt x="348388" y="48073"/>
+                </a:lnTo>
+                <a:lnTo>
+                  <a:pt x="470460" y="63369"/>
+                </a:lnTo>
+                <a:lnTo>
+                  <a:pt x="605563" y="79506"/>
+                </a:lnTo>
+                <a:lnTo>
+                  <a:pt x="757810" y="96483"/>
+                </a:lnTo>
+                <a:lnTo>
+                  <a:pt x="923774" y="114469"/>
+                </a:lnTo>
+                <a:lnTo>
+                  <a:pt x="1104139" y="132454"/>
+                </a:lnTo>
+                <a:lnTo>
+                  <a:pt x="1296163" y="150776"/>
+                </a:lnTo>
+                <a:lnTo>
+                  <a:pt x="1503275" y="167753"/>
+                </a:lnTo>
+                <a:lnTo>
+                  <a:pt x="1719988" y="184058"/>
+                </a:lnTo>
+                <a:lnTo>
+                  <a:pt x="1949045" y="198849"/>
+                </a:lnTo>
+                <a:lnTo>
+                  <a:pt x="2187703" y="212969"/>
+                </a:lnTo>
+                <a:lnTo>
+                  <a:pt x="2436649" y="226248"/>
+                </a:lnTo>
+                <a:lnTo>
+                  <a:pt x="2564208" y="230955"/>
+                </a:lnTo>
+                <a:lnTo>
+                  <a:pt x="2694509" y="236165"/>
+                </a:lnTo>
+                <a:lnTo>
+                  <a:pt x="2826868" y="241040"/>
+                </a:lnTo>
+                <a:lnTo>
+                  <a:pt x="2959914" y="244234"/>
+                </a:lnTo>
+                <a:lnTo>
+                  <a:pt x="3095702" y="247091"/>
+                </a:lnTo>
+                <a:lnTo>
+                  <a:pt x="3232862" y="250117"/>
+                </a:lnTo>
+                <a:lnTo>
+                  <a:pt x="3372765" y="252134"/>
+                </a:lnTo>
+                <a:lnTo>
+                  <a:pt x="3514040" y="252134"/>
+                </a:lnTo>
+                <a:lnTo>
+                  <a:pt x="3656686" y="253142"/>
+                </a:lnTo>
+                <a:lnTo>
+                  <a:pt x="3800704" y="252134"/>
+                </a:lnTo>
+                <a:lnTo>
+                  <a:pt x="3946780" y="250117"/>
+                </a:lnTo>
+                <a:lnTo>
+                  <a:pt x="4092855" y="248268"/>
+                </a:lnTo>
+                <a:lnTo>
+                  <a:pt x="4240988" y="244234"/>
+                </a:lnTo>
+                <a:lnTo>
+                  <a:pt x="4390492" y="240032"/>
+                </a:lnTo>
+                <a:lnTo>
+                  <a:pt x="4539997" y="235157"/>
+                </a:lnTo>
+                <a:lnTo>
+                  <a:pt x="4690873" y="228266"/>
+                </a:lnTo>
+                <a:lnTo>
+                  <a:pt x="4843120" y="220029"/>
+                </a:lnTo>
+                <a:lnTo>
+                  <a:pt x="4996054" y="212129"/>
+                </a:lnTo>
+                <a:lnTo>
+                  <a:pt x="5148987" y="202044"/>
+                </a:lnTo>
+                <a:lnTo>
+                  <a:pt x="5303978" y="189941"/>
+                </a:lnTo>
+                <a:lnTo>
+                  <a:pt x="5456911" y="177839"/>
+                </a:lnTo>
+                <a:lnTo>
+                  <a:pt x="5612588" y="163887"/>
+                </a:lnTo>
+                <a:lnTo>
+                  <a:pt x="5768950" y="148591"/>
+                </a:lnTo>
+                <a:lnTo>
+                  <a:pt x="5923255" y="132455"/>
+                </a:lnTo>
+                <a:lnTo>
+                  <a:pt x="6079618" y="113629"/>
+                </a:lnTo>
+                <a:lnTo>
+                  <a:pt x="6235294" y="93458"/>
+                </a:lnTo>
+                <a:lnTo>
+                  <a:pt x="6391657" y="73455"/>
+                </a:lnTo>
+                <a:lnTo>
+                  <a:pt x="6547333" y="50091"/>
+                </a:lnTo>
+                <a:lnTo>
+                  <a:pt x="6702324" y="26222"/>
+                </a:lnTo>
+                <a:close/>
+              </a:path>
+            </a:pathLst>
+          </a:custGeom>
+          <a:ln>
+            <a:noFill/>
+          </a:ln>
+        </p:spPr>
+      </p:sp>
+      <p:pic>
+        <p:nvPicPr>
+          <p:cNvPr id="2052" name="Picture 4">
+            <a:extLst>
+              <a:ext uri="{FF2B5EF4-FFF2-40B4-BE49-F238E27FC236}">
+                <a16:creationId xmlns:a16="http://schemas.microsoft.com/office/drawing/2014/main" id="{3A749D4D-5F8B-4B12-B267-C95EB649BCF7}"/>
+              </a:ext>
+            </a:extLst>
+          </p:cNvPr>
+          <p:cNvPicPr>
+            <a:picLocks noChangeAspect="1" noChangeArrowheads="1"/>
+          </p:cNvPicPr>
+          <p:nvPr/>
+        </p:nvPicPr>
+        <p:blipFill>
+          <a:blip r:embed="rId2">
+            <a:extLst>
+              <a:ext uri="{28A0092B-C50C-407E-A947-70E740481C1C}">
+                <a14:useLocalDpi xmlns:a14="http://schemas.microsoft.com/office/drawing/2010/main" val="0"/>
+              </a:ext>
+            </a:extLst>
+          </a:blip>
+          <a:stretch>
+            <a:fillRect/>
+          </a:stretch>
+        </p:blipFill>
+        <p:spPr bwMode="auto">
+          <a:xfrm>
+            <a:off x="7563742" y="2140429"/>
+            <a:ext cx="3980139" cy="2577139"/>
+          </a:xfrm>
+          <a:prstGeom prst="rect">
+            <a:avLst/>
+          </a:prstGeom>
+          <a:noFill/>
+          <a:effectLst/>
+          <a:extLst>
+            <a:ext uri="{909E8E84-426E-40DD-AFC4-6F175D3DCCD1}">
+              <a14:hiddenFill xmlns:a14="http://schemas.microsoft.com/office/drawing/2010/main">
+                <a:solidFill>
+                  <a:srgbClr val="FFFFFF"/>
+                </a:solidFill>
+              </a14:hiddenFill>
+            </a:ext>
+          </a:extLst>
+        </p:spPr>
+      </p:pic>
+      <p:sp>
+        <p:nvSpPr>
+          <p:cNvPr id="79" name="Rectangle 78">
+            <a:extLst>
+              <a:ext uri="{FF2B5EF4-FFF2-40B4-BE49-F238E27FC236}">
+                <a16:creationId xmlns:a16="http://schemas.microsoft.com/office/drawing/2014/main" id="{C137128D-E594-4905-9F76-E385F0831D60}"/>
+              </a:ext>
+              <a:ext uri="{C183D7F6-B498-43B3-948B-1728B52AA6E4}">
+                <adec:decorative xmlns:adec="http://schemas.microsoft.com/office/drawing/2017/decorative" val="1"/>
+              </a:ext>
+            </a:extLst>
+          </p:cNvPr>
+          <p:cNvSpPr>
+            <a:spLocks noGrp="1" noRot="1" noChangeAspect="1" noMove="1" noResize="1" noEditPoints="1" noAdjustHandles="1" noChangeArrowheads="1" noChangeShapeType="1" noTextEdit="1"/>
+          </p:cNvSpPr>
+          <p:nvPr>
+            <p:extLst>
+              <p:ext uri="{386F3935-93C4-4BCD-93E2-E3B085C9AB24}">
+                <p16:designElem xmlns:p16="http://schemas.microsoft.com/office/powerpoint/2015/main" val="1"/>
+              </p:ext>
+            </p:extLst>
+          </p:nvPr>
+        </p:nvSpPr>
+        <p:spPr>
+          <a:xfrm>
+            <a:off x="10442448" y="0"/>
+            <a:ext cx="685800" cy="1143000"/>
+          </a:xfrm>
+          <a:prstGeom prst="rect">
+            <a:avLst/>
+          </a:prstGeom>
+          <a:solidFill>
+            <a:schemeClr val="accent1"/>
+          </a:solidFill>
+          <a:ln>
+            <a:noFill/>
+          </a:ln>
+        </p:spPr>
+        <p:style>
+          <a:lnRef idx="1">
+            <a:schemeClr val="accent1"/>
+          </a:lnRef>
+          <a:fillRef idx="3">
+            <a:schemeClr val="accent1"/>
+          </a:fillRef>
+          <a:effectRef idx="2">
+            <a:schemeClr val="accent1"/>
+          </a:effectRef>
+          <a:fontRef idx="minor">
+            <a:schemeClr val="lt1"/>
+          </a:fontRef>
+        </p:style>
       </p:sp>
       <p:sp>
         <p:nvSpPr>
@@ -6227,22 +7244,113 @@
             <p:ph idx="1"/>
           </p:nvPr>
         </p:nvSpPr>
-        <p:spPr/>
-        <p:txBody>
-          <a:bodyPr/>
+        <p:spPr>
+          <a:xfrm>
+            <a:off x="648931" y="2438400"/>
+            <a:ext cx="5616216" cy="3785419"/>
+          </a:xfrm>
+        </p:spPr>
+        <p:txBody>
+          <a:bodyPr>
+            <a:normAutofit/>
+          </a:bodyPr>
           <a:lstStyle/>
           <a:p>
             <a:r>
-              <a:rPr lang="pl-PL" dirty="0"/>
-              <a:t>Przykład prostej implementacji cloud storage (klon Google Drive lub Dropbox)</a:t>
-            </a:r>
-          </a:p>
-          <a:p>
-            <a:r>
-              <a:rPr lang="pl-PL" dirty="0"/>
-              <a:t>Gdzie można przechowywać pliki i być w stanie sortować je według folderów, a także dać każdemu plikowi różne ustawienia dostępu (dostępne przez link, tylko dla niektórych użytkowników lub prywatnych)</a:t>
-            </a:r>
-            <a:endParaRPr lang="ru-UA" dirty="0"/>
+              <a:rPr lang="pl-PL">
+                <a:solidFill>
+                  <a:srgbClr val="FFFFFF"/>
+                </a:solidFill>
+              </a:rPr>
+              <a:t>Przykład prostej implementacji cloud storage (klon </a:t>
+            </a:r>
+            <a:r>
+              <a:rPr lang="pl-PL" b="1">
+                <a:solidFill>
+                  <a:srgbClr val="FFFFFF"/>
+                </a:solidFill>
+              </a:rPr>
+              <a:t>Google Drive </a:t>
+            </a:r>
+            <a:r>
+              <a:rPr lang="pl-PL">
+                <a:solidFill>
+                  <a:srgbClr val="FFFFFF"/>
+                </a:solidFill>
+              </a:rPr>
+              <a:t>lub </a:t>
+            </a:r>
+            <a:r>
+              <a:rPr lang="pl-PL" b="1">
+                <a:solidFill>
+                  <a:srgbClr val="FFFFFF"/>
+                </a:solidFill>
+              </a:rPr>
+              <a:t>Dropbox</a:t>
+            </a:r>
+            <a:r>
+              <a:rPr lang="pl-PL">
+                <a:solidFill>
+                  <a:srgbClr val="FFFFFF"/>
+                </a:solidFill>
+              </a:rPr>
+              <a:t>)</a:t>
+            </a:r>
+          </a:p>
+          <a:p>
+            <a:r>
+              <a:rPr lang="en-US">
+                <a:solidFill>
+                  <a:srgbClr val="FFFFFF"/>
+                </a:solidFill>
+              </a:rPr>
+              <a:t>M</a:t>
+            </a:r>
+            <a:r>
+              <a:rPr lang="pl-PL">
+                <a:solidFill>
+                  <a:srgbClr val="FFFFFF"/>
+                </a:solidFill>
+              </a:rPr>
+              <a:t>ożliwość</a:t>
+            </a:r>
+            <a:r>
+              <a:rPr lang="ru-RU">
+                <a:solidFill>
+                  <a:srgbClr val="FFFFFF"/>
+                </a:solidFill>
+              </a:rPr>
+              <a:t> </a:t>
+            </a:r>
+            <a:r>
+              <a:rPr lang="pl-PL">
+                <a:solidFill>
+                  <a:srgbClr val="FFFFFF"/>
+                </a:solidFill>
+              </a:rPr>
+              <a:t>przechowywać pliki i być w stanie sortować je według folderów, a także dać każdemu plikowi różne ustawienia dostępu (dostępne przez link, tylko dla niektórych użytkowników lub prywatn</a:t>
+            </a:r>
+            <a:r>
+              <a:rPr lang="en-US">
+                <a:solidFill>
+                  <a:srgbClr val="FFFFFF"/>
+                </a:solidFill>
+              </a:rPr>
+              <a:t>e</a:t>
+            </a:r>
+            <a:r>
+              <a:rPr lang="pl-PL">
+                <a:solidFill>
+                  <a:srgbClr val="FFFFFF"/>
+                </a:solidFill>
+              </a:rPr>
+              <a:t>)</a:t>
+            </a:r>
+            <a:endParaRPr lang="ru-UA">
+              <a:solidFill>
+                <a:srgbClr val="FFFFFF"/>
+              </a:solidFill>
+            </a:endParaRPr>
           </a:p>
         </p:txBody>
       </p:sp>
@@ -6250,6 +7358,1752 @@
     <p:extLst>
       <p:ext uri="{BB962C8B-B14F-4D97-AF65-F5344CB8AC3E}">
         <p14:creationId xmlns:p14="http://schemas.microsoft.com/office/powerpoint/2010/main" val="376410959"/>
+      </p:ext>
+    </p:extLst>
+  </p:cSld>
+  <p:clrMapOvr>
+    <a:overrideClrMapping bg1="lt1" tx1="dk1" bg2="lt2" tx2="dk2" accent1="accent1" accent2="accent2" accent3="accent3" accent4="accent4" accent5="accent5" accent6="accent6" hlink="hlink" folHlink="folHlink"/>
+  </p:clrMapOvr>
+</p:sld>
+</file>
+
+<file path=ppt/slides/slide3.xml><?xml version="1.0" encoding="utf-8"?>
+<p:sld xmlns:a="http://schemas.openxmlformats.org/drawingml/2006/main" xmlns:r="http://schemas.openxmlformats.org/officeDocument/2006/relationships" xmlns:p="http://schemas.openxmlformats.org/presentationml/2006/main">
+  <p:cSld>
+    <p:bg>
+      <p:bgPr>
+        <a:blipFill rotWithShape="1">
+          <a:blip r:embed="rId2">
+            <a:duotone>
+              <a:schemeClr val="bg2">
+                <a:shade val="69000"/>
+                <a:hueMod val="108000"/>
+                <a:satMod val="164000"/>
+                <a:lumMod val="74000"/>
+              </a:schemeClr>
+              <a:schemeClr val="bg2">
+                <a:tint val="96000"/>
+                <a:hueMod val="88000"/>
+                <a:satMod val="140000"/>
+                <a:lumMod val="132000"/>
+              </a:schemeClr>
+            </a:duotone>
+          </a:blip>
+          <a:stretch/>
+        </a:blipFill>
+        <a:effectLst/>
+      </p:bgPr>
+    </p:bg>
+    <p:spTree>
+      <p:nvGrpSpPr>
+        <p:cNvPr id="1" name=""/>
+        <p:cNvGrpSpPr/>
+        <p:nvPr/>
+      </p:nvGrpSpPr>
+      <p:grpSpPr>
+        <a:xfrm>
+          <a:off x="0" y="0"/>
+          <a:ext cx="0" cy="0"/>
+          <a:chOff x="0" y="0"/>
+          <a:chExt cx="0" cy="0"/>
+        </a:xfrm>
+      </p:grpSpPr>
+      <p:sp>
+        <p:nvSpPr>
+          <p:cNvPr id="2" name="Заголовок 1">
+            <a:extLst>
+              <a:ext uri="{FF2B5EF4-FFF2-40B4-BE49-F238E27FC236}">
+                <a16:creationId xmlns:a16="http://schemas.microsoft.com/office/drawing/2014/main" id="{D9C01370-7EE5-4990-A5AB-056035E3CBEF}"/>
+              </a:ext>
+            </a:extLst>
+          </p:cNvPr>
+          <p:cNvSpPr>
+            <a:spLocks noGrp="1"/>
+          </p:cNvSpPr>
+          <p:nvPr>
+            <p:ph type="title"/>
+          </p:nvPr>
+        </p:nvSpPr>
+        <p:spPr>
+          <a:xfrm>
+            <a:off x="648930" y="629266"/>
+            <a:ext cx="9252154" cy="1223983"/>
+          </a:xfrm>
+        </p:spPr>
+        <p:txBody>
+          <a:bodyPr>
+            <a:normAutofit/>
+          </a:bodyPr>
+          <a:lstStyle/>
+          <a:p>
+            <a:r>
+              <a:rPr lang="pl-PL"/>
+              <a:t>Wymagania użytkownika</a:t>
+            </a:r>
+            <a:endParaRPr lang="ru-UA" dirty="0"/>
+          </a:p>
+        </p:txBody>
+      </p:sp>
+      <p:sp>
+        <p:nvSpPr>
+          <p:cNvPr id="3" name="Объект 2">
+            <a:extLst>
+              <a:ext uri="{FF2B5EF4-FFF2-40B4-BE49-F238E27FC236}">
+                <a16:creationId xmlns:a16="http://schemas.microsoft.com/office/drawing/2014/main" id="{ED1FBAC6-E70C-44D0-A3D7-200F5DCD5ED8}"/>
+              </a:ext>
+            </a:extLst>
+          </p:cNvPr>
+          <p:cNvSpPr>
+            <a:spLocks noGrp="1"/>
+          </p:cNvSpPr>
+          <p:nvPr>
+            <p:ph idx="1"/>
+          </p:nvPr>
+        </p:nvSpPr>
+        <p:spPr>
+          <a:xfrm>
+            <a:off x="1069733" y="2032549"/>
+            <a:ext cx="10342093" cy="4196185"/>
+          </a:xfrm>
+        </p:spPr>
+        <p:txBody>
+          <a:bodyPr>
+            <a:normAutofit/>
+          </a:bodyPr>
+          <a:lstStyle/>
+          <a:p>
+            <a:pPr>
+              <a:lnSpc>
+                <a:spcPct val="90000"/>
+              </a:lnSpc>
+            </a:pPr>
+            <a:r>
+              <a:rPr lang="pl-PL" dirty="0"/>
+              <a:t>Szybkie przesyłanie na serwer i podgląd plików</a:t>
+            </a:r>
+            <a:endParaRPr lang="ru-RU" dirty="0"/>
+          </a:p>
+          <a:p>
+            <a:pPr>
+              <a:lnSpc>
+                <a:spcPct val="90000"/>
+              </a:lnSpc>
+            </a:pPr>
+            <a:r>
+              <a:rPr lang="pl-PL" dirty="0"/>
+              <a:t>Możliwość usuwania, przemieszczania się między folderami i udostępniania innym użytkownikom</a:t>
+            </a:r>
+            <a:endParaRPr lang="ru-RU" dirty="0"/>
+          </a:p>
+          <a:p>
+            <a:pPr>
+              <a:lnSpc>
+                <a:spcPct val="90000"/>
+              </a:lnSpc>
+            </a:pPr>
+            <a:r>
+              <a:rPr lang="en-US" dirty="0"/>
+              <a:t>M</a:t>
+            </a:r>
+            <a:r>
+              <a:rPr lang="pl-PL" dirty="0"/>
+              <a:t>ożliwość przesyłania dużej ilości plików</a:t>
+            </a:r>
+            <a:endParaRPr lang="en-US" dirty="0"/>
+          </a:p>
+          <a:p>
+            <a:pPr>
+              <a:lnSpc>
+                <a:spcPct val="90000"/>
+              </a:lnSpc>
+            </a:pPr>
+            <a:r>
+              <a:rPr lang="en-US" dirty="0" err="1"/>
+              <a:t>Prosty</a:t>
+            </a:r>
+            <a:r>
+              <a:rPr lang="en-US" dirty="0"/>
+              <a:t> I p</a:t>
+            </a:r>
+            <a:r>
+              <a:rPr lang="pl-PL" dirty="0" err="1"/>
+              <a:t>rzyjazny</a:t>
+            </a:r>
+            <a:r>
+              <a:rPr lang="pl-PL" dirty="0"/>
+              <a:t> dla użytkownika</a:t>
+            </a:r>
+            <a:r>
+              <a:rPr lang="en-US" dirty="0"/>
+              <a:t> </a:t>
+            </a:r>
+            <a:r>
+              <a:rPr lang="en-US" dirty="0" err="1"/>
+              <a:t>interfejs</a:t>
+            </a:r>
+            <a:endParaRPr lang="en-US" dirty="0"/>
+          </a:p>
+          <a:p>
+            <a:pPr>
+              <a:lnSpc>
+                <a:spcPct val="90000"/>
+              </a:lnSpc>
+            </a:pPr>
+            <a:r>
+              <a:rPr lang="pl-PL" dirty="0"/>
+              <a:t>Możliwość sortowania plików (według rozmiaru, daty, nazwy)</a:t>
+            </a:r>
+            <a:endParaRPr lang="en-US" dirty="0"/>
+          </a:p>
+          <a:p>
+            <a:pPr>
+              <a:lnSpc>
+                <a:spcPct val="90000"/>
+              </a:lnSpc>
+            </a:pPr>
+            <a:endParaRPr lang="ru-UA" dirty="0"/>
+          </a:p>
+        </p:txBody>
+      </p:sp>
+    </p:spTree>
+    <p:extLst>
+      <p:ext uri="{BB962C8B-B14F-4D97-AF65-F5344CB8AC3E}">
+        <p14:creationId xmlns:p14="http://schemas.microsoft.com/office/powerpoint/2010/main" val="1386959550"/>
+      </p:ext>
+    </p:extLst>
+  </p:cSld>
+  <p:clrMapOvr>
+    <a:masterClrMapping/>
+  </p:clrMapOvr>
+</p:sld>
+</file>
+
+<file path=ppt/slides/slide4.xml><?xml version="1.0" encoding="utf-8"?>
+<p:sld xmlns:a="http://schemas.openxmlformats.org/drawingml/2006/main" xmlns:r="http://schemas.openxmlformats.org/officeDocument/2006/relationships" xmlns:p="http://schemas.openxmlformats.org/presentationml/2006/main" showMasterSp="0">
+  <p:cSld>
+    <p:bg>
+      <p:bgPr>
+        <a:solidFill>
+          <a:srgbClr val="FEFEFE">
+            <a:alpha val="95000"/>
+          </a:srgbClr>
+        </a:solidFill>
+        <a:effectLst/>
+      </p:bgPr>
+    </p:bg>
+    <p:spTree>
+      <p:nvGrpSpPr>
+        <p:cNvPr id="1" name=""/>
+        <p:cNvGrpSpPr/>
+        <p:nvPr/>
+      </p:nvGrpSpPr>
+      <p:grpSpPr>
+        <a:xfrm>
+          <a:off x="0" y="0"/>
+          <a:ext cx="0" cy="0"/>
+          <a:chOff x="0" y="0"/>
+          <a:chExt cx="0" cy="0"/>
+        </a:xfrm>
+      </p:grpSpPr>
+      <p:sp>
+        <p:nvSpPr>
+          <p:cNvPr id="18" name="Rectangle 17">
+            <a:extLst>
+              <a:ext uri="{FF2B5EF4-FFF2-40B4-BE49-F238E27FC236}">
+                <a16:creationId xmlns:a16="http://schemas.microsoft.com/office/drawing/2014/main" id="{9362849A-570D-49DB-954C-63F144E88A4A}"/>
+              </a:ext>
+              <a:ext uri="{C183D7F6-B498-43B3-948B-1728B52AA6E4}">
+                <adec:decorative xmlns:adec="http://schemas.microsoft.com/office/drawing/2017/decorative" val="1"/>
+              </a:ext>
+            </a:extLst>
+          </p:cNvPr>
+          <p:cNvSpPr>
+            <a:spLocks noGrp="1" noRot="1" noChangeAspect="1" noMove="1" noResize="1" noEditPoints="1" noAdjustHandles="1" noChangeArrowheads="1" noChangeShapeType="1" noTextEdit="1"/>
+          </p:cNvSpPr>
+          <p:nvPr>
+            <p:extLst>
+              <p:ext uri="{386F3935-93C4-4BCD-93E2-E3B085C9AB24}">
+                <p16:designElem xmlns:p16="http://schemas.microsoft.com/office/powerpoint/2015/main" val="1"/>
+              </p:ext>
+            </p:extLst>
+          </p:nvPr>
+        </p:nvSpPr>
+        <p:spPr>
+          <a:xfrm>
+            <a:off x="0" y="0"/>
+            <a:ext cx="12192000" cy="6858000"/>
+          </a:xfrm>
+          <a:prstGeom prst="rect">
+            <a:avLst/>
+          </a:prstGeom>
+          <a:ln>
+            <a:noFill/>
+          </a:ln>
+        </p:spPr>
+        <p:style>
+          <a:lnRef idx="2">
+            <a:schemeClr val="accent1">
+              <a:shade val="50000"/>
+            </a:schemeClr>
+          </a:lnRef>
+          <a:fillRef idx="1003">
+            <a:schemeClr val="dk2"/>
+          </a:fillRef>
+          <a:effectRef idx="0">
+            <a:schemeClr val="accent1"/>
+          </a:effectRef>
+          <a:fontRef idx="minor">
+            <a:schemeClr val="lt1"/>
+          </a:fontRef>
+        </p:style>
+        <p:txBody>
+          <a:bodyPr rtlCol="0" anchor="ctr"/>
+          <a:lstStyle/>
+          <a:p>
+            <a:pPr algn="ctr"/>
+            <a:endParaRPr lang="en-US"/>
+          </a:p>
+        </p:txBody>
+      </p:sp>
+      <p:sp>
+        <p:nvSpPr>
+          <p:cNvPr id="20" name="Rectangle 19">
+            <a:extLst>
+              <a:ext uri="{FF2B5EF4-FFF2-40B4-BE49-F238E27FC236}">
+                <a16:creationId xmlns:a16="http://schemas.microsoft.com/office/drawing/2014/main" id="{1CA42011-E478-428B-9D15-A98E338BF8C1}"/>
+              </a:ext>
+              <a:ext uri="{C183D7F6-B498-43B3-948B-1728B52AA6E4}">
+                <adec:decorative xmlns:adec="http://schemas.microsoft.com/office/drawing/2017/decorative" val="1"/>
+              </a:ext>
+            </a:extLst>
+          </p:cNvPr>
+          <p:cNvSpPr>
+            <a:spLocks noGrp="1" noRot="1" noChangeAspect="1" noMove="1" noResize="1" noEditPoints="1" noAdjustHandles="1" noChangeArrowheads="1" noChangeShapeType="1" noTextEdit="1"/>
+          </p:cNvSpPr>
+          <p:nvPr>
+            <p:extLst>
+              <p:ext uri="{386F3935-93C4-4BCD-93E2-E3B085C9AB24}">
+                <p16:designElem xmlns:p16="http://schemas.microsoft.com/office/powerpoint/2015/main" val="1"/>
+              </p:ext>
+            </p:extLst>
+          </p:nvPr>
+        </p:nvSpPr>
+        <p:spPr>
+          <a:xfrm>
+            <a:off x="10437812" y="0"/>
+            <a:ext cx="685800" cy="1143000"/>
+          </a:xfrm>
+          <a:prstGeom prst="rect">
+            <a:avLst/>
+          </a:prstGeom>
+          <a:solidFill>
+            <a:schemeClr val="accent1"/>
+          </a:solidFill>
+          <a:ln>
+            <a:noFill/>
+          </a:ln>
+        </p:spPr>
+        <p:style>
+          <a:lnRef idx="1">
+            <a:schemeClr val="accent1"/>
+          </a:lnRef>
+          <a:fillRef idx="3">
+            <a:schemeClr val="accent1"/>
+          </a:fillRef>
+          <a:effectRef idx="2">
+            <a:schemeClr val="accent1"/>
+          </a:effectRef>
+          <a:fontRef idx="minor">
+            <a:schemeClr val="lt1"/>
+          </a:fontRef>
+        </p:style>
+      </p:sp>
+      <p:sp>
+        <p:nvSpPr>
+          <p:cNvPr id="22" name="Freeform 7">
+            <a:extLst>
+              <a:ext uri="{FF2B5EF4-FFF2-40B4-BE49-F238E27FC236}">
+                <a16:creationId xmlns:a16="http://schemas.microsoft.com/office/drawing/2014/main" id="{9ED2773C-FE51-4632-BA46-036BDCDA6E5C}"/>
+              </a:ext>
+              <a:ext uri="{C183D7F6-B498-43B3-948B-1728B52AA6E4}">
+                <adec:decorative xmlns:adec="http://schemas.microsoft.com/office/drawing/2017/decorative" val="1"/>
+              </a:ext>
+            </a:extLst>
+          </p:cNvPr>
+          <p:cNvSpPr>
+            <a:spLocks noGrp="1" noRot="1" noChangeAspect="1" noMove="1" noResize="1" noEditPoints="1" noAdjustHandles="1" noChangeArrowheads="1" noChangeShapeType="1" noTextEdit="1"/>
+          </p:cNvSpPr>
+          <p:nvPr>
+            <p:extLst>
+              <p:ext uri="{386F3935-93C4-4BCD-93E2-E3B085C9AB24}">
+                <p16:designElem xmlns:p16="http://schemas.microsoft.com/office/powerpoint/2015/main" val="1"/>
+              </p:ext>
+            </p:extLst>
+          </p:nvPr>
+        </p:nvSpPr>
+        <p:spPr>
+          <a:xfrm>
+            <a:off x="8719939" y="1460230"/>
+            <a:ext cx="3472060" cy="825932"/>
+          </a:xfrm>
+          <a:custGeom>
+            <a:avLst/>
+            <a:gdLst>
+              <a:gd name="connsiteX0" fmla="*/ 3470310 w 3472060"/>
+              <a:gd name="connsiteY0" fmla="*/ 0 h 825932"/>
+              <a:gd name="connsiteX1" fmla="*/ 3472060 w 3472060"/>
+              <a:gd name="connsiteY1" fmla="*/ 12850 h 825932"/>
+              <a:gd name="connsiteX2" fmla="*/ 3472060 w 3472060"/>
+              <a:gd name="connsiteY2" fmla="*/ 480529 h 825932"/>
+              <a:gd name="connsiteX3" fmla="*/ 3363699 w 3472060"/>
+              <a:gd name="connsiteY3" fmla="*/ 498471 h 825932"/>
+              <a:gd name="connsiteX4" fmla="*/ 42060 w 3472060"/>
+              <a:gd name="connsiteY4" fmla="*/ 824486 h 825932"/>
+              <a:gd name="connsiteX5" fmla="*/ 0 w 3472060"/>
+              <a:gd name="connsiteY5" fmla="*/ 758452 h 825932"/>
+              <a:gd name="connsiteX6" fmla="*/ 188014 w 3472060"/>
+              <a:gd name="connsiteY6" fmla="*/ 735602 h 825932"/>
+              <a:gd name="connsiteX7" fmla="*/ 284087 w 3472060"/>
+              <a:gd name="connsiteY7" fmla="*/ 722590 h 825932"/>
+              <a:gd name="connsiteX8" fmla="*/ 382288 w 3472060"/>
+              <a:gd name="connsiteY8" fmla="*/ 709392 h 825932"/>
+              <a:gd name="connsiteX9" fmla="*/ 481858 w 3472060"/>
+              <a:gd name="connsiteY9" fmla="*/ 695774 h 825932"/>
+              <a:gd name="connsiteX10" fmla="*/ 581897 w 3472060"/>
+              <a:gd name="connsiteY10" fmla="*/ 680711 h 825932"/>
+              <a:gd name="connsiteX11" fmla="*/ 683670 w 3472060"/>
+              <a:gd name="connsiteY11" fmla="*/ 665256 h 825932"/>
+              <a:gd name="connsiteX12" fmla="*/ 787206 w 3472060"/>
+              <a:gd name="connsiteY12" fmla="*/ 649587 h 825932"/>
+              <a:gd name="connsiteX13" fmla="*/ 892019 w 3472060"/>
+              <a:gd name="connsiteY13" fmla="*/ 632968 h 825932"/>
+              <a:gd name="connsiteX14" fmla="*/ 997620 w 3472060"/>
+              <a:gd name="connsiteY14" fmla="*/ 614667 h 825932"/>
+              <a:gd name="connsiteX15" fmla="*/ 1104727 w 3472060"/>
+              <a:gd name="connsiteY15" fmla="*/ 596741 h 825932"/>
+              <a:gd name="connsiteX16" fmla="*/ 1212669 w 3472060"/>
+              <a:gd name="connsiteY16" fmla="*/ 577397 h 825932"/>
+              <a:gd name="connsiteX17" fmla="*/ 1321506 w 3472060"/>
+              <a:gd name="connsiteY17" fmla="*/ 556988 h 825932"/>
+              <a:gd name="connsiteX18" fmla="*/ 1430709 w 3472060"/>
+              <a:gd name="connsiteY18" fmla="*/ 536607 h 825932"/>
+              <a:gd name="connsiteX19" fmla="*/ 1541050 w 3472060"/>
+              <a:gd name="connsiteY19" fmla="*/ 514481 h 825932"/>
+              <a:gd name="connsiteX20" fmla="*/ 1652805 w 3472060"/>
+              <a:gd name="connsiteY20" fmla="*/ 492202 h 825932"/>
+              <a:gd name="connsiteX21" fmla="*/ 1763708 w 3472060"/>
+              <a:gd name="connsiteY21" fmla="*/ 469161 h 825932"/>
+              <a:gd name="connsiteX22" fmla="*/ 1875795 w 3472060"/>
+              <a:gd name="connsiteY22" fmla="*/ 444641 h 825932"/>
+              <a:gd name="connsiteX23" fmla="*/ 1989128 w 3472060"/>
+              <a:gd name="connsiteY23" fmla="*/ 418995 h 825932"/>
+              <a:gd name="connsiteX24" fmla="*/ 2102476 w 3472060"/>
+              <a:gd name="connsiteY24" fmla="*/ 393438 h 825932"/>
+              <a:gd name="connsiteX25" fmla="*/ 2215549 w 3472060"/>
+              <a:gd name="connsiteY25" fmla="*/ 366291 h 825932"/>
+              <a:gd name="connsiteX26" fmla="*/ 2330490 w 3472060"/>
+              <a:gd name="connsiteY26" fmla="*/ 337455 h 825932"/>
+              <a:gd name="connsiteX27" fmla="*/ 2443333 w 3472060"/>
+              <a:gd name="connsiteY27" fmla="*/ 308983 h 825932"/>
+              <a:gd name="connsiteX28" fmla="*/ 2558014 w 3472060"/>
+              <a:gd name="connsiteY28" fmla="*/ 278646 h 825932"/>
+              <a:gd name="connsiteX29" fmla="*/ 2673621 w 3472060"/>
+              <a:gd name="connsiteY29" fmla="*/ 247421 h 825932"/>
+              <a:gd name="connsiteX30" fmla="*/ 2787008 w 3472060"/>
+              <a:gd name="connsiteY30" fmla="*/ 215853 h 825932"/>
+              <a:gd name="connsiteX31" fmla="*/ 2901442 w 3472060"/>
+              <a:gd name="connsiteY31" fmla="*/ 182011 h 825932"/>
+              <a:gd name="connsiteX32" fmla="*/ 3015722 w 3472060"/>
+              <a:gd name="connsiteY32" fmla="*/ 147286 h 825932"/>
+              <a:gd name="connsiteX33" fmla="*/ 3130018 w 3472060"/>
+              <a:gd name="connsiteY33" fmla="*/ 112649 h 825932"/>
+              <a:gd name="connsiteX34" fmla="*/ 3243551 w 3472060"/>
+              <a:gd name="connsiteY34" fmla="*/ 75688 h 825932"/>
+              <a:gd name="connsiteX35" fmla="*/ 3356992 w 3472060"/>
+              <a:gd name="connsiteY35" fmla="*/ 38197 h 825932"/>
+              <a:gd name="connsiteX36" fmla="*/ 3470310 w 3472060"/>
+              <a:gd name="connsiteY36" fmla="*/ 0 h 825932"/>
+            </a:gdLst>
+            <a:ahLst/>
+            <a:cxnLst>
+              <a:cxn ang="0">
+                <a:pos x="connsiteX0" y="connsiteY0"/>
+              </a:cxn>
+              <a:cxn ang="0">
+                <a:pos x="connsiteX1" y="connsiteY1"/>
+              </a:cxn>
+              <a:cxn ang="0">
+                <a:pos x="connsiteX2" y="connsiteY2"/>
+              </a:cxn>
+              <a:cxn ang="0">
+                <a:pos x="connsiteX3" y="connsiteY3"/>
+              </a:cxn>
+              <a:cxn ang="0">
+                <a:pos x="connsiteX4" y="connsiteY4"/>
+              </a:cxn>
+              <a:cxn ang="0">
+                <a:pos x="connsiteX5" y="connsiteY5"/>
+              </a:cxn>
+              <a:cxn ang="0">
+                <a:pos x="connsiteX6" y="connsiteY6"/>
+              </a:cxn>
+              <a:cxn ang="0">
+                <a:pos x="connsiteX7" y="connsiteY7"/>
+              </a:cxn>
+              <a:cxn ang="0">
+                <a:pos x="connsiteX8" y="connsiteY8"/>
+              </a:cxn>
+              <a:cxn ang="0">
+                <a:pos x="connsiteX9" y="connsiteY9"/>
+              </a:cxn>
+              <a:cxn ang="0">
+                <a:pos x="connsiteX10" y="connsiteY10"/>
+              </a:cxn>
+              <a:cxn ang="0">
+                <a:pos x="connsiteX11" y="connsiteY11"/>
+              </a:cxn>
+              <a:cxn ang="0">
+                <a:pos x="connsiteX12" y="connsiteY12"/>
+              </a:cxn>
+              <a:cxn ang="0">
+                <a:pos x="connsiteX13" y="connsiteY13"/>
+              </a:cxn>
+              <a:cxn ang="0">
+                <a:pos x="connsiteX14" y="connsiteY14"/>
+              </a:cxn>
+              <a:cxn ang="0">
+                <a:pos x="connsiteX15" y="connsiteY15"/>
+              </a:cxn>
+              <a:cxn ang="0">
+                <a:pos x="connsiteX16" y="connsiteY16"/>
+              </a:cxn>
+              <a:cxn ang="0">
+                <a:pos x="connsiteX17" y="connsiteY17"/>
+              </a:cxn>
+              <a:cxn ang="0">
+                <a:pos x="connsiteX18" y="connsiteY18"/>
+              </a:cxn>
+              <a:cxn ang="0">
+                <a:pos x="connsiteX19" y="connsiteY19"/>
+              </a:cxn>
+              <a:cxn ang="0">
+                <a:pos x="connsiteX20" y="connsiteY20"/>
+              </a:cxn>
+              <a:cxn ang="0">
+                <a:pos x="connsiteX21" y="connsiteY21"/>
+              </a:cxn>
+              <a:cxn ang="0">
+                <a:pos x="connsiteX22" y="connsiteY22"/>
+              </a:cxn>
+              <a:cxn ang="0">
+                <a:pos x="connsiteX23" y="connsiteY23"/>
+              </a:cxn>
+              <a:cxn ang="0">
+                <a:pos x="connsiteX24" y="connsiteY24"/>
+              </a:cxn>
+              <a:cxn ang="0">
+                <a:pos x="connsiteX25" y="connsiteY25"/>
+              </a:cxn>
+              <a:cxn ang="0">
+                <a:pos x="connsiteX26" y="connsiteY26"/>
+              </a:cxn>
+              <a:cxn ang="0">
+                <a:pos x="connsiteX27" y="connsiteY27"/>
+              </a:cxn>
+              <a:cxn ang="0">
+                <a:pos x="connsiteX28" y="connsiteY28"/>
+              </a:cxn>
+              <a:cxn ang="0">
+                <a:pos x="connsiteX29" y="connsiteY29"/>
+              </a:cxn>
+              <a:cxn ang="0">
+                <a:pos x="connsiteX30" y="connsiteY30"/>
+              </a:cxn>
+              <a:cxn ang="0">
+                <a:pos x="connsiteX31" y="connsiteY31"/>
+              </a:cxn>
+              <a:cxn ang="0">
+                <a:pos x="connsiteX32" y="connsiteY32"/>
+              </a:cxn>
+              <a:cxn ang="0">
+                <a:pos x="connsiteX33" y="connsiteY33"/>
+              </a:cxn>
+              <a:cxn ang="0">
+                <a:pos x="connsiteX34" y="connsiteY34"/>
+              </a:cxn>
+              <a:cxn ang="0">
+                <a:pos x="connsiteX35" y="connsiteY35"/>
+              </a:cxn>
+              <a:cxn ang="0">
+                <a:pos x="connsiteX36" y="connsiteY36"/>
+              </a:cxn>
+            </a:cxnLst>
+            <a:rect l="l" t="t" r="r" b="b"/>
+            <a:pathLst>
+              <a:path w="3472060" h="825932">
+                <a:moveTo>
+                  <a:pt x="3470310" y="0"/>
+                </a:moveTo>
+                <a:lnTo>
+                  <a:pt x="3472060" y="12850"/>
+                </a:lnTo>
+                <a:lnTo>
+                  <a:pt x="3472060" y="480529"/>
+                </a:lnTo>
+                <a:lnTo>
+                  <a:pt x="3363699" y="498471"/>
+                </a:lnTo>
+                <a:cubicBezTo>
+                  <a:pt x="2435623" y="645518"/>
+                  <a:pt x="603076" y="844866"/>
+                  <a:pt x="42060" y="824486"/>
+                </a:cubicBezTo>
+                <a:cubicBezTo>
+                  <a:pt x="28151" y="802425"/>
+                  <a:pt x="13909" y="780513"/>
+                  <a:pt x="0" y="758452"/>
+                </a:cubicBezTo>
+                <a:lnTo>
+                  <a:pt x="188014" y="735602"/>
+                </a:lnTo>
+                <a:lnTo>
+                  <a:pt x="284087" y="722590"/>
+                </a:lnTo>
+                <a:lnTo>
+                  <a:pt x="382288" y="709392"/>
+                </a:lnTo>
+                <a:lnTo>
+                  <a:pt x="481858" y="695774"/>
+                </a:lnTo>
+                <a:lnTo>
+                  <a:pt x="581897" y="680711"/>
+                </a:lnTo>
+                <a:lnTo>
+                  <a:pt x="683670" y="665256"/>
+                </a:lnTo>
+                <a:lnTo>
+                  <a:pt x="787206" y="649587"/>
+                </a:lnTo>
+                <a:lnTo>
+                  <a:pt x="892019" y="632968"/>
+                </a:lnTo>
+                <a:lnTo>
+                  <a:pt x="997620" y="614667"/>
+                </a:lnTo>
+                <a:lnTo>
+                  <a:pt x="1104727" y="596741"/>
+                </a:lnTo>
+                <a:lnTo>
+                  <a:pt x="1212669" y="577397"/>
+                </a:lnTo>
+                <a:lnTo>
+                  <a:pt x="1321506" y="556988"/>
+                </a:lnTo>
+                <a:lnTo>
+                  <a:pt x="1430709" y="536607"/>
+                </a:lnTo>
+                <a:lnTo>
+                  <a:pt x="1541050" y="514481"/>
+                </a:lnTo>
+                <a:lnTo>
+                  <a:pt x="1652805" y="492202"/>
+                </a:lnTo>
+                <a:lnTo>
+                  <a:pt x="1763708" y="469161"/>
+                </a:lnTo>
+                <a:lnTo>
+                  <a:pt x="1875795" y="444641"/>
+                </a:lnTo>
+                <a:lnTo>
+                  <a:pt x="1989128" y="418995"/>
+                </a:lnTo>
+                <a:lnTo>
+                  <a:pt x="2102476" y="393438"/>
+                </a:lnTo>
+                <a:lnTo>
+                  <a:pt x="2215549" y="366291"/>
+                </a:lnTo>
+                <a:lnTo>
+                  <a:pt x="2330490" y="337455"/>
+                </a:lnTo>
+                <a:lnTo>
+                  <a:pt x="2443333" y="308983"/>
+                </a:lnTo>
+                <a:lnTo>
+                  <a:pt x="2558014" y="278646"/>
+                </a:lnTo>
+                <a:lnTo>
+                  <a:pt x="2673621" y="247421"/>
+                </a:lnTo>
+                <a:lnTo>
+                  <a:pt x="2787008" y="215853"/>
+                </a:lnTo>
+                <a:lnTo>
+                  <a:pt x="2901442" y="182011"/>
+                </a:lnTo>
+                <a:lnTo>
+                  <a:pt x="3015722" y="147286"/>
+                </a:lnTo>
+                <a:lnTo>
+                  <a:pt x="3130018" y="112649"/>
+                </a:lnTo>
+                <a:lnTo>
+                  <a:pt x="3243551" y="75688"/>
+                </a:lnTo>
+                <a:lnTo>
+                  <a:pt x="3356992" y="38197"/>
+                </a:lnTo>
+                <a:lnTo>
+                  <a:pt x="3470310" y="0"/>
+                </a:lnTo>
+                <a:close/>
+              </a:path>
+            </a:pathLst>
+          </a:custGeom>
+          <a:solidFill>
+            <a:schemeClr val="bg1">
+              <a:alpha val="20000"/>
+            </a:schemeClr>
+          </a:solidFill>
+          <a:ln>
+            <a:noFill/>
+          </a:ln>
+        </p:spPr>
+        <p:txBody>
+          <a:bodyPr rtlCol="0" anchor="ctr"/>
+          <a:lstStyle/>
+          <a:p>
+            <a:pPr algn="ctr"/>
+            <a:endParaRPr lang="en-US">
+              <a:solidFill>
+                <a:schemeClr val="tx1"/>
+              </a:solidFill>
+            </a:endParaRPr>
+          </a:p>
+        </p:txBody>
+      </p:sp>
+      <p:sp>
+        <p:nvSpPr>
+          <p:cNvPr id="2" name="Заголовок 1">
+            <a:extLst>
+              <a:ext uri="{FF2B5EF4-FFF2-40B4-BE49-F238E27FC236}">
+                <a16:creationId xmlns:a16="http://schemas.microsoft.com/office/drawing/2014/main" id="{74A51B11-4150-4BCD-BA68-1FE7AAFAB812}"/>
+              </a:ext>
+            </a:extLst>
+          </p:cNvPr>
+          <p:cNvSpPr>
+            <a:spLocks noGrp="1"/>
+          </p:cNvSpPr>
+          <p:nvPr>
+            <p:ph type="title"/>
+          </p:nvPr>
+        </p:nvSpPr>
+        <p:spPr>
+          <a:xfrm>
+            <a:off x="648930" y="629267"/>
+            <a:ext cx="9252154" cy="1016654"/>
+          </a:xfrm>
+        </p:spPr>
+        <p:txBody>
+          <a:bodyPr>
+            <a:normAutofit/>
+          </a:bodyPr>
+          <a:lstStyle/>
+          <a:p>
+            <a:r>
+              <a:rPr lang="pl-PL" dirty="0">
+                <a:solidFill>
+                  <a:srgbClr val="EBEBEB"/>
+                </a:solidFill>
+              </a:rPr>
+              <a:t>Zastosowane technologie</a:t>
+            </a:r>
+            <a:endParaRPr lang="ru-UA" dirty="0">
+              <a:solidFill>
+                <a:srgbClr val="EBEBEB"/>
+              </a:solidFill>
+            </a:endParaRPr>
+          </a:p>
+        </p:txBody>
+      </p:sp>
+      <p:sp useBgFill="1">
+        <p:nvSpPr>
+          <p:cNvPr id="24" name="Freeform: Shape 23">
+            <a:extLst>
+              <a:ext uri="{FF2B5EF4-FFF2-40B4-BE49-F238E27FC236}">
+                <a16:creationId xmlns:a16="http://schemas.microsoft.com/office/drawing/2014/main" id="{E02F9158-C4C2-46A8-BE73-A4F77E139FB6}"/>
+              </a:ext>
+              <a:ext uri="{C183D7F6-B498-43B3-948B-1728B52AA6E4}">
+                <adec:decorative xmlns:adec="http://schemas.microsoft.com/office/drawing/2017/decorative" val="1"/>
+              </a:ext>
+            </a:extLst>
+          </p:cNvPr>
+          <p:cNvSpPr>
+            <a:spLocks noGrp="1" noRot="1" noChangeAspect="1" noMove="1" noResize="1" noEditPoints="1" noAdjustHandles="1" noChangeArrowheads="1" noChangeShapeType="1" noTextEdit="1"/>
+          </p:cNvSpPr>
+          <p:nvPr>
+            <p:extLst>
+              <p:ext uri="{386F3935-93C4-4BCD-93E2-E3B085C9AB24}">
+                <p16:designElem xmlns:p16="http://schemas.microsoft.com/office/powerpoint/2015/main" val="1"/>
+              </p:ext>
+            </p:extLst>
+          </p:nvPr>
+        </p:nvSpPr>
+        <p:spPr bwMode="gray">
+          <a:xfrm>
+            <a:off x="1" y="1762067"/>
+            <a:ext cx="12192417" cy="5095933"/>
+          </a:xfrm>
+          <a:custGeom>
+            <a:avLst/>
+            <a:gdLst>
+              <a:gd name="connsiteX0" fmla="*/ 0 w 12192417"/>
+              <a:gd name="connsiteY0" fmla="*/ 0 h 5095933"/>
+              <a:gd name="connsiteX1" fmla="*/ 71931 w 12192417"/>
+              <a:gd name="connsiteY1" fmla="*/ 12261 h 5095933"/>
+              <a:gd name="connsiteX2" fmla="*/ 282848 w 12192417"/>
+              <a:gd name="connsiteY2" fmla="*/ 48343 h 5095933"/>
+              <a:gd name="connsiteX3" fmla="*/ 436463 w 12192417"/>
+              <a:gd name="connsiteY3" fmla="*/ 73565 h 5095933"/>
+              <a:gd name="connsiteX4" fmla="*/ 619338 w 12192417"/>
+              <a:gd name="connsiteY4" fmla="*/ 100188 h 5095933"/>
+              <a:gd name="connsiteX5" fmla="*/ 836350 w 12192417"/>
+              <a:gd name="connsiteY5" fmla="*/ 132066 h 5095933"/>
+              <a:gd name="connsiteX6" fmla="*/ 1076527 w 12192417"/>
+              <a:gd name="connsiteY6" fmla="*/ 165696 h 5095933"/>
+              <a:gd name="connsiteX7" fmla="*/ 1347183 w 12192417"/>
+              <a:gd name="connsiteY7" fmla="*/ 201077 h 5095933"/>
+              <a:gd name="connsiteX8" fmla="*/ 1642222 w 12192417"/>
+              <a:gd name="connsiteY8" fmla="*/ 238560 h 5095933"/>
+              <a:gd name="connsiteX9" fmla="*/ 1962863 w 12192417"/>
+              <a:gd name="connsiteY9" fmla="*/ 276043 h 5095933"/>
+              <a:gd name="connsiteX10" fmla="*/ 2304231 w 12192417"/>
+              <a:gd name="connsiteY10" fmla="*/ 314227 h 5095933"/>
+              <a:gd name="connsiteX11" fmla="*/ 2672420 w 12192417"/>
+              <a:gd name="connsiteY11" fmla="*/ 349608 h 5095933"/>
+              <a:gd name="connsiteX12" fmla="*/ 3057677 w 12192417"/>
+              <a:gd name="connsiteY12" fmla="*/ 383588 h 5095933"/>
+              <a:gd name="connsiteX13" fmla="*/ 3464880 w 12192417"/>
+              <a:gd name="connsiteY13" fmla="*/ 414415 h 5095933"/>
+              <a:gd name="connsiteX14" fmla="*/ 3889151 w 12192417"/>
+              <a:gd name="connsiteY14" fmla="*/ 443841 h 5095933"/>
+              <a:gd name="connsiteX15" fmla="*/ 4331709 w 12192417"/>
+              <a:gd name="connsiteY15" fmla="*/ 471515 h 5095933"/>
+              <a:gd name="connsiteX16" fmla="*/ 4558475 w 12192417"/>
+              <a:gd name="connsiteY16" fmla="*/ 481324 h 5095933"/>
+              <a:gd name="connsiteX17" fmla="*/ 4790117 w 12192417"/>
+              <a:gd name="connsiteY17" fmla="*/ 492183 h 5095933"/>
+              <a:gd name="connsiteX18" fmla="*/ 5025417 w 12192417"/>
+              <a:gd name="connsiteY18" fmla="*/ 502342 h 5095933"/>
+              <a:gd name="connsiteX19" fmla="*/ 5261936 w 12192417"/>
+              <a:gd name="connsiteY19" fmla="*/ 508998 h 5095933"/>
+              <a:gd name="connsiteX20" fmla="*/ 5503331 w 12192417"/>
+              <a:gd name="connsiteY20" fmla="*/ 514953 h 5095933"/>
+              <a:gd name="connsiteX21" fmla="*/ 5747166 w 12192417"/>
+              <a:gd name="connsiteY21" fmla="*/ 521259 h 5095933"/>
+              <a:gd name="connsiteX22" fmla="*/ 5995876 w 12192417"/>
+              <a:gd name="connsiteY22" fmla="*/ 525463 h 5095933"/>
+              <a:gd name="connsiteX23" fmla="*/ 6247025 w 12192417"/>
+              <a:gd name="connsiteY23" fmla="*/ 525463 h 5095933"/>
+              <a:gd name="connsiteX24" fmla="*/ 6500612 w 12192417"/>
+              <a:gd name="connsiteY24" fmla="*/ 527565 h 5095933"/>
+              <a:gd name="connsiteX25" fmla="*/ 6756638 w 12192417"/>
+              <a:gd name="connsiteY25" fmla="*/ 525463 h 5095933"/>
+              <a:gd name="connsiteX26" fmla="*/ 7016321 w 12192417"/>
+              <a:gd name="connsiteY26" fmla="*/ 521259 h 5095933"/>
+              <a:gd name="connsiteX27" fmla="*/ 7276004 w 12192417"/>
+              <a:gd name="connsiteY27" fmla="*/ 517406 h 5095933"/>
+              <a:gd name="connsiteX28" fmla="*/ 7539344 w 12192417"/>
+              <a:gd name="connsiteY28" fmla="*/ 508998 h 5095933"/>
+              <a:gd name="connsiteX29" fmla="*/ 7805123 w 12192417"/>
+              <a:gd name="connsiteY29" fmla="*/ 500241 h 5095933"/>
+              <a:gd name="connsiteX30" fmla="*/ 8070902 w 12192417"/>
+              <a:gd name="connsiteY30" fmla="*/ 490082 h 5095933"/>
+              <a:gd name="connsiteX31" fmla="*/ 8339120 w 12192417"/>
+              <a:gd name="connsiteY31" fmla="*/ 475719 h 5095933"/>
+              <a:gd name="connsiteX32" fmla="*/ 8609775 w 12192417"/>
+              <a:gd name="connsiteY32" fmla="*/ 458554 h 5095933"/>
+              <a:gd name="connsiteX33" fmla="*/ 8881650 w 12192417"/>
+              <a:gd name="connsiteY33" fmla="*/ 442089 h 5095933"/>
+              <a:gd name="connsiteX34" fmla="*/ 9153525 w 12192417"/>
+              <a:gd name="connsiteY34" fmla="*/ 421071 h 5095933"/>
+              <a:gd name="connsiteX35" fmla="*/ 9429057 w 12192417"/>
+              <a:gd name="connsiteY35" fmla="*/ 395849 h 5095933"/>
+              <a:gd name="connsiteX36" fmla="*/ 9700932 w 12192417"/>
+              <a:gd name="connsiteY36" fmla="*/ 370626 h 5095933"/>
+              <a:gd name="connsiteX37" fmla="*/ 9977683 w 12192417"/>
+              <a:gd name="connsiteY37" fmla="*/ 341551 h 5095933"/>
+              <a:gd name="connsiteX38" fmla="*/ 10255654 w 12192417"/>
+              <a:gd name="connsiteY38" fmla="*/ 309673 h 5095933"/>
+              <a:gd name="connsiteX39" fmla="*/ 10529967 w 12192417"/>
+              <a:gd name="connsiteY39" fmla="*/ 276043 h 5095933"/>
+              <a:gd name="connsiteX40" fmla="*/ 10807938 w 12192417"/>
+              <a:gd name="connsiteY40" fmla="*/ 236809 h 5095933"/>
+              <a:gd name="connsiteX41" fmla="*/ 11084689 w 12192417"/>
+              <a:gd name="connsiteY41" fmla="*/ 194772 h 5095933"/>
+              <a:gd name="connsiteX42" fmla="*/ 11362660 w 12192417"/>
+              <a:gd name="connsiteY42" fmla="*/ 153085 h 5095933"/>
+              <a:gd name="connsiteX43" fmla="*/ 11639411 w 12192417"/>
+              <a:gd name="connsiteY43" fmla="*/ 104392 h 5095933"/>
+              <a:gd name="connsiteX44" fmla="*/ 11914944 w 12192417"/>
+              <a:gd name="connsiteY44" fmla="*/ 54648 h 5095933"/>
+              <a:gd name="connsiteX45" fmla="*/ 12191695 w 12192417"/>
+              <a:gd name="connsiteY45" fmla="*/ 2452 h 5095933"/>
+              <a:gd name="connsiteX46" fmla="*/ 12191695 w 12192417"/>
+              <a:gd name="connsiteY46" fmla="*/ 2162231 h 5095933"/>
+              <a:gd name="connsiteX47" fmla="*/ 12192417 w 12192417"/>
+              <a:gd name="connsiteY47" fmla="*/ 2162231 h 5095933"/>
+              <a:gd name="connsiteX48" fmla="*/ 12192417 w 12192417"/>
+              <a:gd name="connsiteY48" fmla="*/ 5095933 h 5095933"/>
+              <a:gd name="connsiteX49" fmla="*/ 0 w 12192417"/>
+              <a:gd name="connsiteY49" fmla="*/ 5095933 h 5095933"/>
+              <a:gd name="connsiteX50" fmla="*/ 0 w 12192417"/>
+              <a:gd name="connsiteY50" fmla="*/ 2791958 h 5095933"/>
+              <a:gd name="connsiteX51" fmla="*/ 0 w 12192417"/>
+              <a:gd name="connsiteY51" fmla="*/ 2162231 h 5095933"/>
+            </a:gdLst>
+            <a:ahLst/>
+            <a:cxnLst>
+              <a:cxn ang="0">
+                <a:pos x="connsiteX0" y="connsiteY0"/>
+              </a:cxn>
+              <a:cxn ang="0">
+                <a:pos x="connsiteX1" y="connsiteY1"/>
+              </a:cxn>
+              <a:cxn ang="0">
+                <a:pos x="connsiteX2" y="connsiteY2"/>
+              </a:cxn>
+              <a:cxn ang="0">
+                <a:pos x="connsiteX3" y="connsiteY3"/>
+              </a:cxn>
+              <a:cxn ang="0">
+                <a:pos x="connsiteX4" y="connsiteY4"/>
+              </a:cxn>
+              <a:cxn ang="0">
+                <a:pos x="connsiteX5" y="connsiteY5"/>
+              </a:cxn>
+              <a:cxn ang="0">
+                <a:pos x="connsiteX6" y="connsiteY6"/>
+              </a:cxn>
+              <a:cxn ang="0">
+                <a:pos x="connsiteX7" y="connsiteY7"/>
+              </a:cxn>
+              <a:cxn ang="0">
+                <a:pos x="connsiteX8" y="connsiteY8"/>
+              </a:cxn>
+              <a:cxn ang="0">
+                <a:pos x="connsiteX9" y="connsiteY9"/>
+              </a:cxn>
+              <a:cxn ang="0">
+                <a:pos x="connsiteX10" y="connsiteY10"/>
+              </a:cxn>
+              <a:cxn ang="0">
+                <a:pos x="connsiteX11" y="connsiteY11"/>
+              </a:cxn>
+              <a:cxn ang="0">
+                <a:pos x="connsiteX12" y="connsiteY12"/>
+              </a:cxn>
+              <a:cxn ang="0">
+                <a:pos x="connsiteX13" y="connsiteY13"/>
+              </a:cxn>
+              <a:cxn ang="0">
+                <a:pos x="connsiteX14" y="connsiteY14"/>
+              </a:cxn>
+              <a:cxn ang="0">
+                <a:pos x="connsiteX15" y="connsiteY15"/>
+              </a:cxn>
+              <a:cxn ang="0">
+                <a:pos x="connsiteX16" y="connsiteY16"/>
+              </a:cxn>
+              <a:cxn ang="0">
+                <a:pos x="connsiteX17" y="connsiteY17"/>
+              </a:cxn>
+              <a:cxn ang="0">
+                <a:pos x="connsiteX18" y="connsiteY18"/>
+              </a:cxn>
+              <a:cxn ang="0">
+                <a:pos x="connsiteX19" y="connsiteY19"/>
+              </a:cxn>
+              <a:cxn ang="0">
+                <a:pos x="connsiteX20" y="connsiteY20"/>
+              </a:cxn>
+              <a:cxn ang="0">
+                <a:pos x="connsiteX21" y="connsiteY21"/>
+              </a:cxn>
+              <a:cxn ang="0">
+                <a:pos x="connsiteX22" y="connsiteY22"/>
+              </a:cxn>
+              <a:cxn ang="0">
+                <a:pos x="connsiteX23" y="connsiteY23"/>
+              </a:cxn>
+              <a:cxn ang="0">
+                <a:pos x="connsiteX24" y="connsiteY24"/>
+              </a:cxn>
+              <a:cxn ang="0">
+                <a:pos x="connsiteX25" y="connsiteY25"/>
+              </a:cxn>
+              <a:cxn ang="0">
+                <a:pos x="connsiteX26" y="connsiteY26"/>
+              </a:cxn>
+              <a:cxn ang="0">
+                <a:pos x="connsiteX27" y="connsiteY27"/>
+              </a:cxn>
+              <a:cxn ang="0">
+                <a:pos x="connsiteX28" y="connsiteY28"/>
+              </a:cxn>
+              <a:cxn ang="0">
+                <a:pos x="connsiteX29" y="connsiteY29"/>
+              </a:cxn>
+              <a:cxn ang="0">
+                <a:pos x="connsiteX30" y="connsiteY30"/>
+              </a:cxn>
+              <a:cxn ang="0">
+                <a:pos x="connsiteX31" y="connsiteY31"/>
+              </a:cxn>
+              <a:cxn ang="0">
+                <a:pos x="connsiteX32" y="connsiteY32"/>
+              </a:cxn>
+              <a:cxn ang="0">
+                <a:pos x="connsiteX33" y="connsiteY33"/>
+              </a:cxn>
+              <a:cxn ang="0">
+                <a:pos x="connsiteX34" y="connsiteY34"/>
+              </a:cxn>
+              <a:cxn ang="0">
+                <a:pos x="connsiteX35" y="connsiteY35"/>
+              </a:cxn>
+              <a:cxn ang="0">
+                <a:pos x="connsiteX36" y="connsiteY36"/>
+              </a:cxn>
+              <a:cxn ang="0">
+                <a:pos x="connsiteX37" y="connsiteY37"/>
+              </a:cxn>
+              <a:cxn ang="0">
+                <a:pos x="connsiteX38" y="connsiteY38"/>
+              </a:cxn>
+              <a:cxn ang="0">
+                <a:pos x="connsiteX39" y="connsiteY39"/>
+              </a:cxn>
+              <a:cxn ang="0">
+                <a:pos x="connsiteX40" y="connsiteY40"/>
+              </a:cxn>
+              <a:cxn ang="0">
+                <a:pos x="connsiteX41" y="connsiteY41"/>
+              </a:cxn>
+              <a:cxn ang="0">
+                <a:pos x="connsiteX42" y="connsiteY42"/>
+              </a:cxn>
+              <a:cxn ang="0">
+                <a:pos x="connsiteX43" y="connsiteY43"/>
+              </a:cxn>
+              <a:cxn ang="0">
+                <a:pos x="connsiteX44" y="connsiteY44"/>
+              </a:cxn>
+              <a:cxn ang="0">
+                <a:pos x="connsiteX45" y="connsiteY45"/>
+              </a:cxn>
+              <a:cxn ang="0">
+                <a:pos x="connsiteX46" y="connsiteY46"/>
+              </a:cxn>
+              <a:cxn ang="0">
+                <a:pos x="connsiteX47" y="connsiteY47"/>
+              </a:cxn>
+              <a:cxn ang="0">
+                <a:pos x="connsiteX48" y="connsiteY48"/>
+              </a:cxn>
+              <a:cxn ang="0">
+                <a:pos x="connsiteX49" y="connsiteY49"/>
+              </a:cxn>
+              <a:cxn ang="0">
+                <a:pos x="connsiteX50" y="connsiteY50"/>
+              </a:cxn>
+              <a:cxn ang="0">
+                <a:pos x="connsiteX51" y="connsiteY51"/>
+              </a:cxn>
+            </a:cxnLst>
+            <a:rect l="l" t="t" r="r" b="b"/>
+            <a:pathLst>
+              <a:path w="12192417" h="5095933">
+                <a:moveTo>
+                  <a:pt x="0" y="0"/>
+                </a:moveTo>
+                <a:lnTo>
+                  <a:pt x="71931" y="12261"/>
+                </a:lnTo>
+                <a:lnTo>
+                  <a:pt x="282848" y="48343"/>
+                </a:lnTo>
+                <a:lnTo>
+                  <a:pt x="436463" y="73565"/>
+                </a:lnTo>
+                <a:lnTo>
+                  <a:pt x="619338" y="100188"/>
+                </a:lnTo>
+                <a:lnTo>
+                  <a:pt x="836350" y="132066"/>
+                </a:lnTo>
+                <a:lnTo>
+                  <a:pt x="1076527" y="165696"/>
+                </a:lnTo>
+                <a:lnTo>
+                  <a:pt x="1347183" y="201077"/>
+                </a:lnTo>
+                <a:lnTo>
+                  <a:pt x="1642222" y="238560"/>
+                </a:lnTo>
+                <a:lnTo>
+                  <a:pt x="1962863" y="276043"/>
+                </a:lnTo>
+                <a:lnTo>
+                  <a:pt x="2304231" y="314227"/>
+                </a:lnTo>
+                <a:lnTo>
+                  <a:pt x="2672420" y="349608"/>
+                </a:lnTo>
+                <a:lnTo>
+                  <a:pt x="3057677" y="383588"/>
+                </a:lnTo>
+                <a:lnTo>
+                  <a:pt x="3464880" y="414415"/>
+                </a:lnTo>
+                <a:lnTo>
+                  <a:pt x="3889151" y="443841"/>
+                </a:lnTo>
+                <a:lnTo>
+                  <a:pt x="4331709" y="471515"/>
+                </a:lnTo>
+                <a:lnTo>
+                  <a:pt x="4558475" y="481324"/>
+                </a:lnTo>
+                <a:lnTo>
+                  <a:pt x="4790117" y="492183"/>
+                </a:lnTo>
+                <a:lnTo>
+                  <a:pt x="5025417" y="502342"/>
+                </a:lnTo>
+                <a:lnTo>
+                  <a:pt x="5261936" y="508998"/>
+                </a:lnTo>
+                <a:lnTo>
+                  <a:pt x="5503331" y="514953"/>
+                </a:lnTo>
+                <a:lnTo>
+                  <a:pt x="5747166" y="521259"/>
+                </a:lnTo>
+                <a:lnTo>
+                  <a:pt x="5995876" y="525463"/>
+                </a:lnTo>
+                <a:lnTo>
+                  <a:pt x="6247025" y="525463"/>
+                </a:lnTo>
+                <a:lnTo>
+                  <a:pt x="6500612" y="527565"/>
+                </a:lnTo>
+                <a:lnTo>
+                  <a:pt x="6756638" y="525463"/>
+                </a:lnTo>
+                <a:lnTo>
+                  <a:pt x="7016321" y="521259"/>
+                </a:lnTo>
+                <a:lnTo>
+                  <a:pt x="7276004" y="517406"/>
+                </a:lnTo>
+                <a:lnTo>
+                  <a:pt x="7539344" y="508998"/>
+                </a:lnTo>
+                <a:lnTo>
+                  <a:pt x="7805123" y="500241"/>
+                </a:lnTo>
+                <a:lnTo>
+                  <a:pt x="8070902" y="490082"/>
+                </a:lnTo>
+                <a:lnTo>
+                  <a:pt x="8339120" y="475719"/>
+                </a:lnTo>
+                <a:lnTo>
+                  <a:pt x="8609775" y="458554"/>
+                </a:lnTo>
+                <a:lnTo>
+                  <a:pt x="8881650" y="442089"/>
+                </a:lnTo>
+                <a:lnTo>
+                  <a:pt x="9153525" y="421071"/>
+                </a:lnTo>
+                <a:lnTo>
+                  <a:pt x="9429057" y="395849"/>
+                </a:lnTo>
+                <a:lnTo>
+                  <a:pt x="9700932" y="370626"/>
+                </a:lnTo>
+                <a:lnTo>
+                  <a:pt x="9977683" y="341551"/>
+                </a:lnTo>
+                <a:lnTo>
+                  <a:pt x="10255654" y="309673"/>
+                </a:lnTo>
+                <a:lnTo>
+                  <a:pt x="10529967" y="276043"/>
+                </a:lnTo>
+                <a:lnTo>
+                  <a:pt x="10807938" y="236809"/>
+                </a:lnTo>
+                <a:lnTo>
+                  <a:pt x="11084689" y="194772"/>
+                </a:lnTo>
+                <a:lnTo>
+                  <a:pt x="11362660" y="153085"/>
+                </a:lnTo>
+                <a:lnTo>
+                  <a:pt x="11639411" y="104392"/>
+                </a:lnTo>
+                <a:lnTo>
+                  <a:pt x="11914944" y="54648"/>
+                </a:lnTo>
+                <a:lnTo>
+                  <a:pt x="12191695" y="2452"/>
+                </a:lnTo>
+                <a:lnTo>
+                  <a:pt x="12191695" y="2162231"/>
+                </a:lnTo>
+                <a:lnTo>
+                  <a:pt x="12192417" y="2162231"/>
+                </a:lnTo>
+                <a:lnTo>
+                  <a:pt x="12192417" y="5095933"/>
+                </a:lnTo>
+                <a:lnTo>
+                  <a:pt x="0" y="5095933"/>
+                </a:lnTo>
+                <a:lnTo>
+                  <a:pt x="0" y="2791958"/>
+                </a:lnTo>
+                <a:lnTo>
+                  <a:pt x="0" y="2162231"/>
+                </a:lnTo>
+                <a:close/>
+              </a:path>
+            </a:pathLst>
+          </a:custGeom>
+          <a:ln>
+            <a:noFill/>
+          </a:ln>
+        </p:spPr>
+      </p:sp>
+      <p:pic>
+        <p:nvPicPr>
+          <p:cNvPr id="11" name="Объект 10">
+            <a:extLst>
+              <a:ext uri="{FF2B5EF4-FFF2-40B4-BE49-F238E27FC236}">
+                <a16:creationId xmlns:a16="http://schemas.microsoft.com/office/drawing/2014/main" id="{0A9E6419-7C94-4435-A42D-E65BAA381272}"/>
+              </a:ext>
+            </a:extLst>
+          </p:cNvPr>
+          <p:cNvPicPr>
+            <a:picLocks noChangeAspect="1"/>
+          </p:cNvPicPr>
+          <p:nvPr/>
+        </p:nvPicPr>
+        <p:blipFill>
+          <a:blip r:embed="rId2">
+            <a:extLst>
+              <a:ext uri="{28A0092B-C50C-407E-A947-70E740481C1C}">
+                <a14:useLocalDpi xmlns:a14="http://schemas.microsoft.com/office/drawing/2010/main" val="0"/>
+              </a:ext>
+            </a:extLst>
+          </a:blip>
+          <a:stretch>
+            <a:fillRect/>
+          </a:stretch>
+        </p:blipFill>
+        <p:spPr>
+          <a:xfrm>
+            <a:off x="653484" y="2818762"/>
+            <a:ext cx="5451627" cy="3121056"/>
+          </a:xfrm>
+          <a:prstGeom prst="rect">
+            <a:avLst/>
+          </a:prstGeom>
+          <a:effectLst>
+            <a:softEdge rad="635000"/>
+          </a:effectLst>
+        </p:spPr>
+      </p:pic>
+      <p:sp>
+        <p:nvSpPr>
+          <p:cNvPr id="15" name="Content Placeholder 14">
+            <a:extLst>
+              <a:ext uri="{FF2B5EF4-FFF2-40B4-BE49-F238E27FC236}">
+                <a16:creationId xmlns:a16="http://schemas.microsoft.com/office/drawing/2014/main" id="{AACDC347-D5D8-4A3E-86F5-4FD8050D9C15}"/>
+              </a:ext>
+            </a:extLst>
+          </p:cNvPr>
+          <p:cNvSpPr>
+            <a:spLocks noGrp="1"/>
+          </p:cNvSpPr>
+          <p:nvPr>
+            <p:ph idx="1"/>
+          </p:nvPr>
+        </p:nvSpPr>
+        <p:spPr>
+          <a:xfrm>
+            <a:off x="6415910" y="3037851"/>
+            <a:ext cx="5122606" cy="2682878"/>
+          </a:xfrm>
+        </p:spPr>
+        <p:txBody>
+          <a:bodyPr>
+            <a:normAutofit/>
+          </a:bodyPr>
+          <a:lstStyle/>
+          <a:p>
+            <a:r>
+              <a:rPr lang="en-US" b="1" dirty="0"/>
+              <a:t>MongoDB</a:t>
+            </a:r>
+            <a:r>
+              <a:rPr lang="en-US" dirty="0"/>
+              <a:t> – </a:t>
+            </a:r>
+            <a:r>
+              <a:rPr lang="en-US" dirty="0" err="1"/>
+              <a:t>baza</a:t>
+            </a:r>
+            <a:r>
+              <a:rPr lang="en-US" dirty="0"/>
+              <a:t> </a:t>
+            </a:r>
+            <a:r>
+              <a:rPr lang="en-US" dirty="0" err="1"/>
+              <a:t>danych</a:t>
+            </a:r>
+            <a:endParaRPr lang="en-US" dirty="0"/>
+          </a:p>
+          <a:p>
+            <a:r>
+              <a:rPr lang="en-US" b="1" dirty="0" err="1"/>
+              <a:t>ExpressJS</a:t>
+            </a:r>
+            <a:r>
+              <a:rPr lang="en-US" dirty="0"/>
+              <a:t> – f</a:t>
+            </a:r>
+            <a:r>
+              <a:rPr lang="pl-PL" dirty="0" err="1"/>
+              <a:t>ramework</a:t>
+            </a:r>
+            <a:r>
+              <a:rPr lang="pl-PL" dirty="0"/>
+              <a:t>, z </a:t>
+            </a:r>
+            <a:r>
+              <a:rPr lang="pl-PL" dirty="0" err="1"/>
+              <a:t>któr</a:t>
+            </a:r>
+            <a:r>
+              <a:rPr lang="en-US" dirty="0"/>
+              <a:t>ego</a:t>
+            </a:r>
+            <a:r>
+              <a:rPr lang="pl-PL" dirty="0"/>
+              <a:t> będzie tworzony serwer</a:t>
+            </a:r>
+            <a:endParaRPr lang="en-US" dirty="0"/>
+          </a:p>
+          <a:p>
+            <a:r>
+              <a:rPr lang="en-US" b="1" dirty="0"/>
+              <a:t>ReactJS</a:t>
+            </a:r>
+            <a:r>
+              <a:rPr lang="en-US" dirty="0"/>
+              <a:t> – </a:t>
+            </a:r>
+            <a:r>
+              <a:rPr lang="pl-PL" dirty="0" err="1"/>
+              <a:t>framework</a:t>
+            </a:r>
+            <a:r>
+              <a:rPr lang="pl-PL" dirty="0"/>
+              <a:t> do tworzenia strony</a:t>
+            </a:r>
+            <a:endParaRPr lang="en-US" dirty="0"/>
+          </a:p>
+          <a:p>
+            <a:r>
+              <a:rPr lang="en-US" b="1" dirty="0"/>
+              <a:t>NodeJS</a:t>
+            </a:r>
+            <a:r>
+              <a:rPr lang="en-US" dirty="0"/>
+              <a:t> – </a:t>
+            </a:r>
+            <a:r>
+              <a:rPr lang="pl-PL" dirty="0"/>
+              <a:t>uruchamianie JavaScript po stronie serwera</a:t>
+            </a:r>
+            <a:endParaRPr lang="en-US" dirty="0"/>
+          </a:p>
+        </p:txBody>
+      </p:sp>
+      <p:sp>
+        <p:nvSpPr>
+          <p:cNvPr id="12" name="TextBox 11">
+            <a:extLst>
+              <a:ext uri="{FF2B5EF4-FFF2-40B4-BE49-F238E27FC236}">
+                <a16:creationId xmlns:a16="http://schemas.microsoft.com/office/drawing/2014/main" id="{1C6F3764-7134-40F5-8831-3961CDADF65D}"/>
+              </a:ext>
+            </a:extLst>
+          </p:cNvPr>
+          <p:cNvSpPr txBox="1"/>
+          <p:nvPr/>
+        </p:nvSpPr>
+        <p:spPr>
+          <a:xfrm>
+            <a:off x="648512" y="1320918"/>
+            <a:ext cx="4774064" cy="369332"/>
+          </a:xfrm>
+          <a:prstGeom prst="rect">
+            <a:avLst/>
+          </a:prstGeom>
+          <a:noFill/>
+        </p:spPr>
+        <p:txBody>
+          <a:bodyPr wrap="none" rtlCol="0">
+            <a:spAutoFit/>
+          </a:bodyPr>
+          <a:lstStyle/>
+          <a:p>
+            <a:r>
+              <a:rPr lang="pl-PL" dirty="0">
+                <a:solidFill>
+                  <a:schemeClr val="bg1">
+                    <a:lumMod val="85000"/>
+                  </a:schemeClr>
+                </a:solidFill>
+              </a:rPr>
+              <a:t>W tym projekcie użyjemy zestaw</a:t>
+            </a:r>
+            <a:r>
+              <a:rPr lang="en-US" dirty="0">
+                <a:solidFill>
+                  <a:schemeClr val="bg1">
+                    <a:lumMod val="85000"/>
+                  </a:schemeClr>
+                </a:solidFill>
+              </a:rPr>
+              <a:t> </a:t>
+            </a:r>
+            <a:r>
+              <a:rPr lang="pl-PL" dirty="0">
+                <a:solidFill>
+                  <a:schemeClr val="bg1">
+                    <a:lumMod val="85000"/>
+                  </a:schemeClr>
+                </a:solidFill>
+              </a:rPr>
+              <a:t>-</a:t>
+            </a:r>
+            <a:r>
+              <a:rPr lang="en-US" dirty="0">
+                <a:solidFill>
+                  <a:schemeClr val="bg1">
+                    <a:lumMod val="85000"/>
+                  </a:schemeClr>
+                </a:solidFill>
+              </a:rPr>
+              <a:t> </a:t>
+            </a:r>
+            <a:r>
+              <a:rPr lang="pl-PL" b="1" dirty="0">
+                <a:solidFill>
+                  <a:schemeClr val="bg1">
+                    <a:lumMod val="85000"/>
+                  </a:schemeClr>
+                </a:solidFill>
+              </a:rPr>
+              <a:t>MERN</a:t>
+            </a:r>
+            <a:endParaRPr lang="en-US" b="1" dirty="0">
+              <a:solidFill>
+                <a:schemeClr val="bg1">
+                  <a:lumMod val="85000"/>
+                </a:schemeClr>
+              </a:solidFill>
+            </a:endParaRPr>
+          </a:p>
+        </p:txBody>
+      </p:sp>
+    </p:spTree>
+    <p:extLst>
+      <p:ext uri="{BB962C8B-B14F-4D97-AF65-F5344CB8AC3E}">
+        <p14:creationId xmlns:p14="http://schemas.microsoft.com/office/powerpoint/2010/main" val="2560678201"/>
+      </p:ext>
+    </p:extLst>
+  </p:cSld>
+  <p:clrMapOvr>
+    <a:overrideClrMapping bg1="lt1" tx1="dk1" bg2="lt2" tx2="dk2" accent1="accent1" accent2="accent2" accent3="accent3" accent4="accent4" accent5="accent5" accent6="accent6" hlink="hlink" folHlink="folHlink"/>
+  </p:clrMapOvr>
+</p:sld>
+</file>
+
+<file path=ppt/slides/slide5.xml><?xml version="1.0" encoding="utf-8"?>
+<p:sld xmlns:a="http://schemas.openxmlformats.org/drawingml/2006/main" xmlns:r="http://schemas.openxmlformats.org/officeDocument/2006/relationships" xmlns:p="http://schemas.openxmlformats.org/presentationml/2006/main">
+  <p:cSld>
+    <p:spTree>
+      <p:nvGrpSpPr>
+        <p:cNvPr id="1" name=""/>
+        <p:cNvGrpSpPr/>
+        <p:nvPr/>
+      </p:nvGrpSpPr>
+      <p:grpSpPr>
+        <a:xfrm>
+          <a:off x="0" y="0"/>
+          <a:ext cx="0" cy="0"/>
+          <a:chOff x="0" y="0"/>
+          <a:chExt cx="0" cy="0"/>
+        </a:xfrm>
+      </p:grpSpPr>
+      <p:sp>
+        <p:nvSpPr>
+          <p:cNvPr id="2" name="Заголовок 1">
+            <a:extLst>
+              <a:ext uri="{FF2B5EF4-FFF2-40B4-BE49-F238E27FC236}">
+                <a16:creationId xmlns:a16="http://schemas.microsoft.com/office/drawing/2014/main" id="{011396F7-DF12-45E1-95A4-B2A02A8D4497}"/>
+              </a:ext>
+            </a:extLst>
+          </p:cNvPr>
+          <p:cNvSpPr>
+            <a:spLocks noGrp="1"/>
+          </p:cNvSpPr>
+          <p:nvPr>
+            <p:ph type="title"/>
+          </p:nvPr>
+        </p:nvSpPr>
+        <p:spPr/>
+        <p:txBody>
+          <a:bodyPr/>
+          <a:lstStyle/>
+          <a:p>
+            <a:r>
+              <a:rPr lang="pl-PL" dirty="0"/>
+              <a:t>Zespół</a:t>
+            </a:r>
+            <a:endParaRPr lang="ru-UA" dirty="0"/>
+          </a:p>
+        </p:txBody>
+      </p:sp>
+      <p:sp>
+        <p:nvSpPr>
+          <p:cNvPr id="3" name="Объект 2">
+            <a:extLst>
+              <a:ext uri="{FF2B5EF4-FFF2-40B4-BE49-F238E27FC236}">
+                <a16:creationId xmlns:a16="http://schemas.microsoft.com/office/drawing/2014/main" id="{11246E33-F772-4F86-9C7E-62EF756D5E16}"/>
+              </a:ext>
+            </a:extLst>
+          </p:cNvPr>
+          <p:cNvSpPr>
+            <a:spLocks noGrp="1"/>
+          </p:cNvSpPr>
+          <p:nvPr>
+            <p:ph idx="1"/>
+          </p:nvPr>
+        </p:nvSpPr>
+        <p:spPr/>
+        <p:txBody>
+          <a:bodyPr/>
+          <a:lstStyle/>
+          <a:p>
+            <a:r>
+              <a:rPr lang="pl-PL" b="0" dirty="0" err="1">
+                <a:solidFill>
+                  <a:srgbClr val="D4D4D4"/>
+                </a:solidFill>
+                <a:effectLst/>
+                <a:latin typeface="Consolas" panose="020B0609020204030204" pitchFamily="49" charset="0"/>
+              </a:rPr>
+              <a:t>Mykola</a:t>
+            </a:r>
+            <a:r>
+              <a:rPr lang="pl-PL" b="0" dirty="0">
+                <a:solidFill>
+                  <a:srgbClr val="D4D4D4"/>
+                </a:solidFill>
+                <a:effectLst/>
+                <a:latin typeface="Consolas" panose="020B0609020204030204" pitchFamily="49" charset="0"/>
+              </a:rPr>
+              <a:t> </a:t>
+            </a:r>
+            <a:r>
+              <a:rPr lang="pl-PL" b="0" dirty="0" err="1">
+                <a:solidFill>
+                  <a:srgbClr val="D4D4D4"/>
+                </a:solidFill>
+                <a:effectLst/>
+                <a:latin typeface="Consolas" panose="020B0609020204030204" pitchFamily="49" charset="0"/>
+              </a:rPr>
+              <a:t>Prokopchuk</a:t>
+            </a:r>
+            <a:r>
+              <a:rPr lang="pl-PL" b="0" dirty="0">
+                <a:solidFill>
+                  <a:srgbClr val="D4D4D4"/>
+                </a:solidFill>
+                <a:effectLst/>
+                <a:latin typeface="Consolas" panose="020B0609020204030204" pitchFamily="49" charset="0"/>
+              </a:rPr>
+              <a:t> (</a:t>
+            </a:r>
+            <a:r>
+              <a:rPr lang="en-US" b="0" dirty="0">
+                <a:solidFill>
+                  <a:srgbClr val="D4D4D4"/>
+                </a:solidFill>
+                <a:effectLst/>
+                <a:latin typeface="Consolas" panose="020B0609020204030204" pitchFamily="49" charset="0"/>
+              </a:rPr>
+              <a:t>13506</a:t>
+            </a:r>
+            <a:r>
+              <a:rPr lang="pl-PL" b="0" dirty="0">
+                <a:solidFill>
+                  <a:srgbClr val="D4D4D4"/>
+                </a:solidFill>
+                <a:effectLst/>
+                <a:latin typeface="Consolas" panose="020B0609020204030204" pitchFamily="49" charset="0"/>
+              </a:rPr>
+              <a:t>)</a:t>
+            </a:r>
+          </a:p>
+          <a:p>
+            <a:r>
+              <a:rPr lang="pl-PL" b="0" dirty="0" err="1">
+                <a:solidFill>
+                  <a:srgbClr val="D4D4D4"/>
+                </a:solidFill>
+                <a:effectLst/>
+                <a:latin typeface="Consolas" panose="020B0609020204030204" pitchFamily="49" charset="0"/>
+              </a:rPr>
+              <a:t>Zakhar</a:t>
+            </a:r>
+            <a:r>
+              <a:rPr lang="pl-PL" b="0" dirty="0">
+                <a:solidFill>
+                  <a:srgbClr val="D4D4D4"/>
+                </a:solidFill>
+                <a:effectLst/>
+                <a:latin typeface="Consolas" panose="020B0609020204030204" pitchFamily="49" charset="0"/>
+              </a:rPr>
+              <a:t> </a:t>
+            </a:r>
+            <a:r>
+              <a:rPr lang="pl-PL" b="0" dirty="0" err="1">
+                <a:solidFill>
+                  <a:srgbClr val="D4D4D4"/>
+                </a:solidFill>
+                <a:effectLst/>
+                <a:latin typeface="Consolas" panose="020B0609020204030204" pitchFamily="49" charset="0"/>
+              </a:rPr>
+              <a:t>Tereshchenko</a:t>
+            </a:r>
+            <a:r>
+              <a:rPr lang="pl-PL" b="0" dirty="0">
+                <a:solidFill>
+                  <a:srgbClr val="D4D4D4"/>
+                </a:solidFill>
+                <a:effectLst/>
+                <a:latin typeface="Consolas" panose="020B0609020204030204" pitchFamily="49" charset="0"/>
+              </a:rPr>
+              <a:t> (</a:t>
+            </a:r>
+            <a:r>
+              <a:rPr lang="en-US" b="0" dirty="0">
+                <a:solidFill>
+                  <a:srgbClr val="D4D4D4"/>
+                </a:solidFill>
+                <a:effectLst/>
+                <a:latin typeface="Consolas" panose="020B0609020204030204" pitchFamily="49" charset="0"/>
+              </a:rPr>
+              <a:t>13505</a:t>
+            </a:r>
+            <a:r>
+              <a:rPr lang="pl-PL" b="0" dirty="0">
+                <a:solidFill>
+                  <a:srgbClr val="D4D4D4"/>
+                </a:solidFill>
+                <a:effectLst/>
+                <a:latin typeface="Consolas" panose="020B0609020204030204" pitchFamily="49" charset="0"/>
+              </a:rPr>
+              <a:t>)</a:t>
+            </a:r>
+          </a:p>
+          <a:p>
+            <a:r>
+              <a:rPr lang="pl-PL" b="0" dirty="0" err="1">
+                <a:solidFill>
+                  <a:srgbClr val="D4D4D4"/>
+                </a:solidFill>
+                <a:effectLst/>
+                <a:latin typeface="Consolas" panose="020B0609020204030204" pitchFamily="49" charset="0"/>
+              </a:rPr>
+              <a:t>Dmytro</a:t>
+            </a:r>
+            <a:r>
+              <a:rPr lang="pl-PL" b="0" dirty="0">
+                <a:solidFill>
+                  <a:srgbClr val="D4D4D4"/>
+                </a:solidFill>
+                <a:effectLst/>
+                <a:latin typeface="Consolas" panose="020B0609020204030204" pitchFamily="49" charset="0"/>
+              </a:rPr>
+              <a:t> </a:t>
+            </a:r>
+            <a:r>
+              <a:rPr lang="pl-PL" b="0" dirty="0" err="1">
+                <a:solidFill>
+                  <a:srgbClr val="D4D4D4"/>
+                </a:solidFill>
+                <a:effectLst/>
+                <a:latin typeface="Consolas" panose="020B0609020204030204" pitchFamily="49" charset="0"/>
+              </a:rPr>
+              <a:t>Baryshniuk</a:t>
+            </a:r>
+            <a:r>
+              <a:rPr lang="pl-PL" b="0" dirty="0">
+                <a:solidFill>
+                  <a:srgbClr val="D4D4D4"/>
+                </a:solidFill>
+                <a:effectLst/>
+                <a:latin typeface="Consolas" panose="020B0609020204030204" pitchFamily="49" charset="0"/>
+              </a:rPr>
+              <a:t> (</a:t>
+            </a:r>
+            <a:r>
+              <a:rPr lang="en-US" b="0" dirty="0">
+                <a:solidFill>
+                  <a:srgbClr val="D4D4D4"/>
+                </a:solidFill>
+                <a:effectLst/>
+                <a:latin typeface="Consolas" panose="020B0609020204030204" pitchFamily="49" charset="0"/>
+              </a:rPr>
+              <a:t>12617</a:t>
+            </a:r>
+            <a:r>
+              <a:rPr lang="pl-PL" b="0" dirty="0">
+                <a:solidFill>
+                  <a:srgbClr val="D4D4D4"/>
+                </a:solidFill>
+                <a:effectLst/>
+                <a:latin typeface="Consolas" panose="020B0609020204030204" pitchFamily="49" charset="0"/>
+              </a:rPr>
+              <a:t>)</a:t>
+            </a:r>
+          </a:p>
+        </p:txBody>
+      </p:sp>
+    </p:spTree>
+    <p:extLst>
+      <p:ext uri="{BB962C8B-B14F-4D97-AF65-F5344CB8AC3E}">
+        <p14:creationId xmlns:p14="http://schemas.microsoft.com/office/powerpoint/2010/main" val="256327961"/>
       </p:ext>
     </p:extLst>
   </p:cSld>

--- a/SimpleCloud.pptx
+++ b/SimpleCloud.pptx
@@ -9,7 +9,9 @@
     <p:sldId id="257" r:id="rId3"/>
     <p:sldId id="258" r:id="rId4"/>
     <p:sldId id="259" r:id="rId5"/>
-    <p:sldId id="260" r:id="rId6"/>
+    <p:sldId id="262" r:id="rId6"/>
+    <p:sldId id="260" r:id="rId7"/>
+    <p:sldId id="261" r:id="rId8"/>
   </p:sldIdLst>
   <p:sldSz cx="12192000" cy="6858000"/>
   <p:notesSz cx="6858000" cy="9144000"/>
@@ -302,7 +304,7 @@
           <a:p>
             <a:fld id="{091F3938-AD95-4596-9336-33B58B527CCD}" type="datetimeFigureOut">
               <a:rPr lang="ru-UA" smtClean="0"/>
-              <a:t>10.03.2022</a:t>
+              <a:t>03/16/2022</a:t>
             </a:fld>
             <a:endParaRPr lang="ru-UA" dirty="0"/>
           </a:p>
@@ -577,7 +579,7 @@
           <a:p>
             <a:fld id="{091F3938-AD95-4596-9336-33B58B527CCD}" type="datetimeFigureOut">
               <a:rPr lang="ru-UA" smtClean="0"/>
-              <a:t>10.03.2022</a:t>
+              <a:t>03/16/2022</a:t>
             </a:fld>
             <a:endParaRPr lang="ru-UA" dirty="0"/>
           </a:p>
@@ -771,7 +773,7 @@
           <a:p>
             <a:fld id="{091F3938-AD95-4596-9336-33B58B527CCD}" type="datetimeFigureOut">
               <a:rPr lang="ru-UA" smtClean="0"/>
-              <a:t>10.03.2022</a:t>
+              <a:t>03/16/2022</a:t>
             </a:fld>
             <a:endParaRPr lang="ru-UA" dirty="0"/>
           </a:p>
@@ -1044,7 +1046,7 @@
           <a:p>
             <a:fld id="{091F3938-AD95-4596-9336-33B58B527CCD}" type="datetimeFigureOut">
               <a:rPr lang="ru-UA" smtClean="0"/>
-              <a:t>10.03.2022</a:t>
+              <a:t>03/16/2022</a:t>
             </a:fld>
             <a:endParaRPr lang="ru-UA" dirty="0"/>
           </a:p>
@@ -1385,7 +1387,7 @@
           <a:p>
             <a:fld id="{091F3938-AD95-4596-9336-33B58B527CCD}" type="datetimeFigureOut">
               <a:rPr lang="ru-UA" smtClean="0"/>
-              <a:t>10.03.2022</a:t>
+              <a:t>03/16/2022</a:t>
             </a:fld>
             <a:endParaRPr lang="ru-UA" dirty="0"/>
           </a:p>
@@ -2008,7 +2010,7 @@
           <a:p>
             <a:fld id="{091F3938-AD95-4596-9336-33B58B527CCD}" type="datetimeFigureOut">
               <a:rPr lang="ru-UA" smtClean="0"/>
-              <a:t>10.03.2022</a:t>
+              <a:t>03/16/2022</a:t>
             </a:fld>
             <a:endParaRPr lang="ru-UA" dirty="0"/>
           </a:p>
@@ -2868,7 +2870,7 @@
           <a:p>
             <a:fld id="{091F3938-AD95-4596-9336-33B58B527CCD}" type="datetimeFigureOut">
               <a:rPr lang="ru-UA" smtClean="0"/>
-              <a:t>10.03.2022</a:t>
+              <a:t>03/16/2022</a:t>
             </a:fld>
             <a:endParaRPr lang="ru-UA" dirty="0"/>
           </a:p>
@@ -3038,7 +3040,7 @@
           <a:p>
             <a:fld id="{091F3938-AD95-4596-9336-33B58B527CCD}" type="datetimeFigureOut">
               <a:rPr lang="ru-UA" smtClean="0"/>
-              <a:t>10.03.2022</a:t>
+              <a:t>03/16/2022</a:t>
             </a:fld>
             <a:endParaRPr lang="ru-UA" dirty="0"/>
           </a:p>
@@ -3218,7 +3220,7 @@
           <a:p>
             <a:fld id="{091F3938-AD95-4596-9336-33B58B527CCD}" type="datetimeFigureOut">
               <a:rPr lang="ru-UA" smtClean="0"/>
-              <a:t>10.03.2022</a:t>
+              <a:t>03/16/2022</a:t>
             </a:fld>
             <a:endParaRPr lang="ru-UA" dirty="0"/>
           </a:p>
@@ -3388,7 +3390,7 @@
           <a:p>
             <a:fld id="{091F3938-AD95-4596-9336-33B58B527CCD}" type="datetimeFigureOut">
               <a:rPr lang="ru-UA" smtClean="0"/>
-              <a:t>10.03.2022</a:t>
+              <a:t>03/16/2022</a:t>
             </a:fld>
             <a:endParaRPr lang="ru-UA" dirty="0"/>
           </a:p>
@@ -3635,7 +3637,7 @@
           <a:p>
             <a:fld id="{091F3938-AD95-4596-9336-33B58B527CCD}" type="datetimeFigureOut">
               <a:rPr lang="ru-UA" smtClean="0"/>
-              <a:t>10.03.2022</a:t>
+              <a:t>03/16/2022</a:t>
             </a:fld>
             <a:endParaRPr lang="ru-UA" dirty="0"/>
           </a:p>
@@ -3927,7 +3929,7 @@
           <a:p>
             <a:fld id="{091F3938-AD95-4596-9336-33B58B527CCD}" type="datetimeFigureOut">
               <a:rPr lang="ru-UA" smtClean="0"/>
-              <a:t>10.03.2022</a:t>
+              <a:t>03/16/2022</a:t>
             </a:fld>
             <a:endParaRPr lang="ru-UA" dirty="0"/>
           </a:p>
@@ -4371,7 +4373,7 @@
           <a:p>
             <a:fld id="{091F3938-AD95-4596-9336-33B58B527CCD}" type="datetimeFigureOut">
               <a:rPr lang="ru-UA" smtClean="0"/>
-              <a:t>10.03.2022</a:t>
+              <a:t>03/16/2022</a:t>
             </a:fld>
             <a:endParaRPr lang="ru-UA" dirty="0"/>
           </a:p>
@@ -4489,7 +4491,7 @@
           <a:p>
             <a:fld id="{091F3938-AD95-4596-9336-33B58B527CCD}" type="datetimeFigureOut">
               <a:rPr lang="ru-UA" smtClean="0"/>
-              <a:t>10.03.2022</a:t>
+              <a:t>03/16/2022</a:t>
             </a:fld>
             <a:endParaRPr lang="ru-UA" dirty="0"/>
           </a:p>
@@ -4584,7 +4586,7 @@
           <a:p>
             <a:fld id="{091F3938-AD95-4596-9336-33B58B527CCD}" type="datetimeFigureOut">
               <a:rPr lang="ru-UA" smtClean="0"/>
-              <a:t>10.03.2022</a:t>
+              <a:t>03/16/2022</a:t>
             </a:fld>
             <a:endParaRPr lang="ru-UA" dirty="0"/>
           </a:p>
@@ -4863,7 +4865,7 @@
           <a:p>
             <a:fld id="{091F3938-AD95-4596-9336-33B58B527CCD}" type="datetimeFigureOut">
               <a:rPr lang="ru-UA" smtClean="0"/>
-              <a:t>10.03.2022</a:t>
+              <a:t>03/16/2022</a:t>
             </a:fld>
             <a:endParaRPr lang="ru-UA" dirty="0"/>
           </a:p>
@@ -5138,7 +5140,7 @@
           <a:p>
             <a:fld id="{091F3938-AD95-4596-9336-33B58B527CCD}" type="datetimeFigureOut">
               <a:rPr lang="ru-UA" smtClean="0"/>
-              <a:t>10.03.2022</a:t>
+              <a:t>03/16/2022</a:t>
             </a:fld>
             <a:endParaRPr lang="ru-UA" dirty="0"/>
           </a:p>
@@ -5567,7 +5569,7 @@
           <a:p>
             <a:fld id="{091F3938-AD95-4596-9336-33B58B527CCD}" type="datetimeFigureOut">
               <a:rPr lang="ru-UA" smtClean="0"/>
-              <a:t>10.03.2022</a:t>
+              <a:t>03/16/2022</a:t>
             </a:fld>
             <a:endParaRPr lang="ru-UA" dirty="0"/>
           </a:p>
@@ -8849,6 +8851,14 @@
 <file path=ppt/slides/slide5.xml><?xml version="1.0" encoding="utf-8"?>
 <p:sld xmlns:a="http://schemas.openxmlformats.org/drawingml/2006/main" xmlns:r="http://schemas.openxmlformats.org/officeDocument/2006/relationships" xmlns:p="http://schemas.openxmlformats.org/presentationml/2006/main">
   <p:cSld>
+    <p:bg>
+      <p:bgPr>
+        <a:solidFill>
+          <a:schemeClr val="bg1"/>
+        </a:solidFill>
+        <a:effectLst/>
+      </p:bgPr>
+    </p:bg>
     <p:spTree>
       <p:nvGrpSpPr>
         <p:cNvPr id="1" name=""/>
@@ -8865,6 +8875,1428 @@
       </p:grpSpPr>
       <p:sp>
         <p:nvSpPr>
+          <p:cNvPr id="10" name="Rectangle 9">
+            <a:extLst>
+              <a:ext uri="{FF2B5EF4-FFF2-40B4-BE49-F238E27FC236}">
+                <a16:creationId xmlns:a16="http://schemas.microsoft.com/office/drawing/2014/main" id="{C0B13FF8-2B3C-4BC1-B3E4-254B3F8C3EF4}"/>
+              </a:ext>
+              <a:ext uri="{C183D7F6-B498-43B3-948B-1728B52AA6E4}">
+                <adec:decorative xmlns:adec="http://schemas.microsoft.com/office/drawing/2017/decorative" val="1"/>
+              </a:ext>
+            </a:extLst>
+          </p:cNvPr>
+          <p:cNvSpPr>
+            <a:spLocks noGrp="1" noRot="1" noChangeAspect="1" noMove="1" noResize="1" noEditPoints="1" noAdjustHandles="1" noChangeArrowheads="1" noChangeShapeType="1" noTextEdit="1"/>
+          </p:cNvSpPr>
+          <p:nvPr>
+            <p:extLst>
+              <p:ext uri="{386F3935-93C4-4BCD-93E2-E3B085C9AB24}">
+                <p16:designElem xmlns:p16="http://schemas.microsoft.com/office/powerpoint/2015/main" val="1"/>
+              </p:ext>
+            </p:extLst>
+          </p:nvPr>
+        </p:nvSpPr>
+        <p:spPr>
+          <a:xfrm>
+            <a:off x="0" y="0"/>
+            <a:ext cx="12192000" cy="6858000"/>
+          </a:xfrm>
+          <a:prstGeom prst="rect">
+            <a:avLst/>
+          </a:prstGeom>
+          <a:ln>
+            <a:noFill/>
+          </a:ln>
+        </p:spPr>
+        <p:style>
+          <a:lnRef idx="2">
+            <a:schemeClr val="accent1">
+              <a:shade val="50000"/>
+            </a:schemeClr>
+          </a:lnRef>
+          <a:fillRef idx="1003">
+            <a:schemeClr val="dk2"/>
+          </a:fillRef>
+          <a:effectRef idx="0">
+            <a:schemeClr val="accent1"/>
+          </a:effectRef>
+          <a:fontRef idx="minor">
+            <a:schemeClr val="lt1"/>
+          </a:fontRef>
+        </p:style>
+        <p:txBody>
+          <a:bodyPr rtlCol="0" anchor="ctr"/>
+          <a:lstStyle/>
+          <a:p>
+            <a:pPr algn="ctr"/>
+            <a:endParaRPr lang="en-US"/>
+          </a:p>
+        </p:txBody>
+      </p:sp>
+      <p:sp>
+        <p:nvSpPr>
+          <p:cNvPr id="2" name="Title 1">
+            <a:extLst>
+              <a:ext uri="{FF2B5EF4-FFF2-40B4-BE49-F238E27FC236}">
+                <a16:creationId xmlns:a16="http://schemas.microsoft.com/office/drawing/2014/main" id="{13BFEA28-DEB3-486E-8B6F-F9518972F67B}"/>
+              </a:ext>
+            </a:extLst>
+          </p:cNvPr>
+          <p:cNvSpPr>
+            <a:spLocks noGrp="1"/>
+          </p:cNvSpPr>
+          <p:nvPr>
+            <p:ph type="title"/>
+          </p:nvPr>
+        </p:nvSpPr>
+        <p:spPr>
+          <a:xfrm>
+            <a:off x="635223" y="629266"/>
+            <a:ext cx="3116690" cy="5594554"/>
+          </a:xfrm>
+        </p:spPr>
+        <p:txBody>
+          <a:bodyPr anchor="ctr">
+            <a:normAutofit/>
+          </a:bodyPr>
+          <a:lstStyle/>
+          <a:p>
+            <a:r>
+              <a:rPr lang="en-US" sz="3700" dirty="0" err="1">
+                <a:solidFill>
+                  <a:srgbClr val="EBEBEB"/>
+                </a:solidFill>
+              </a:rPr>
+              <a:t>Publiczność</a:t>
+            </a:r>
+            <a:endParaRPr lang="en-150" sz="3700" dirty="0">
+              <a:solidFill>
+                <a:srgbClr val="EBEBEB"/>
+              </a:solidFill>
+            </a:endParaRPr>
+          </a:p>
+        </p:txBody>
+      </p:sp>
+      <p:sp>
+        <p:nvSpPr>
+          <p:cNvPr id="12" name="Freeform 7">
+            <a:extLst>
+              <a:ext uri="{FF2B5EF4-FFF2-40B4-BE49-F238E27FC236}">
+                <a16:creationId xmlns:a16="http://schemas.microsoft.com/office/drawing/2014/main" id="{B9C1207E-FFD8-4821-AFE6-71C724360939}"/>
+              </a:ext>
+              <a:ext uri="{C183D7F6-B498-43B3-948B-1728B52AA6E4}">
+                <adec:decorative xmlns:adec="http://schemas.microsoft.com/office/drawing/2017/decorative" val="1"/>
+              </a:ext>
+            </a:extLst>
+          </p:cNvPr>
+          <p:cNvSpPr>
+            <a:spLocks noGrp="1" noRot="1" noChangeAspect="1" noMove="1" noResize="1" noEditPoints="1" noAdjustHandles="1" noChangeArrowheads="1" noChangeShapeType="1" noTextEdit="1"/>
+          </p:cNvSpPr>
+          <p:nvPr>
+            <p:extLst>
+              <p:ext uri="{386F3935-93C4-4BCD-93E2-E3B085C9AB24}">
+                <p16:designElem xmlns:p16="http://schemas.microsoft.com/office/powerpoint/2015/main" val="1"/>
+              </p:ext>
+            </p:extLst>
+          </p:nvPr>
+        </p:nvSpPr>
+        <p:spPr>
+          <a:xfrm>
+            <a:off x="3948110" y="-1"/>
+            <a:ext cx="559472" cy="3709642"/>
+          </a:xfrm>
+          <a:custGeom>
+            <a:avLst/>
+            <a:gdLst>
+              <a:gd name="connsiteX0" fmla="*/ 0 w 559472"/>
+              <a:gd name="connsiteY0" fmla="*/ 0 h 3709642"/>
+              <a:gd name="connsiteX1" fmla="*/ 473952 w 559472"/>
+              <a:gd name="connsiteY1" fmla="*/ 0 h 3709642"/>
+              <a:gd name="connsiteX2" fmla="*/ 485840 w 559472"/>
+              <a:gd name="connsiteY2" fmla="*/ 161194 h 3709642"/>
+              <a:gd name="connsiteX3" fmla="*/ 523949 w 559472"/>
+              <a:gd name="connsiteY3" fmla="*/ 3672197 h 3709642"/>
+              <a:gd name="connsiteX4" fmla="*/ 454748 w 559472"/>
+              <a:gd name="connsiteY4" fmla="*/ 3709642 h 3709642"/>
+              <a:gd name="connsiteX5" fmla="*/ 448224 w 559472"/>
+              <a:gd name="connsiteY5" fmla="*/ 3510471 h 3709642"/>
+              <a:gd name="connsiteX6" fmla="*/ 443564 w 559472"/>
+              <a:gd name="connsiteY6" fmla="*/ 3408563 h 3709642"/>
+              <a:gd name="connsiteX7" fmla="*/ 438902 w 559472"/>
+              <a:gd name="connsiteY7" fmla="*/ 3304407 h 3709642"/>
+              <a:gd name="connsiteX8" fmla="*/ 433941 w 559472"/>
+              <a:gd name="connsiteY8" fmla="*/ 3198777 h 3709642"/>
+              <a:gd name="connsiteX9" fmla="*/ 427584 w 559472"/>
+              <a:gd name="connsiteY9" fmla="*/ 3092510 h 3709642"/>
+              <a:gd name="connsiteX10" fmla="*/ 420988 w 559472"/>
+              <a:gd name="connsiteY10" fmla="*/ 2984390 h 3709642"/>
+              <a:gd name="connsiteX11" fmla="*/ 414330 w 559472"/>
+              <a:gd name="connsiteY11" fmla="*/ 2874401 h 3709642"/>
+              <a:gd name="connsiteX12" fmla="*/ 406840 w 559472"/>
+              <a:gd name="connsiteY12" fmla="*/ 2762980 h 3709642"/>
+              <a:gd name="connsiteX13" fmla="*/ 397745 w 559472"/>
+              <a:gd name="connsiteY13" fmla="*/ 2650566 h 3709642"/>
+              <a:gd name="connsiteX14" fmla="*/ 389154 w 559472"/>
+              <a:gd name="connsiteY14" fmla="*/ 2536612 h 3709642"/>
+              <a:gd name="connsiteX15" fmla="*/ 379225 w 559472"/>
+              <a:gd name="connsiteY15" fmla="*/ 2421642 h 3709642"/>
+              <a:gd name="connsiteX16" fmla="*/ 368316 w 559472"/>
+              <a:gd name="connsiteY16" fmla="*/ 2305627 h 3709642"/>
+              <a:gd name="connsiteX17" fmla="*/ 357466 w 559472"/>
+              <a:gd name="connsiteY17" fmla="*/ 2189233 h 3709642"/>
+              <a:gd name="connsiteX18" fmla="*/ 344982 w 559472"/>
+              <a:gd name="connsiteY18" fmla="*/ 2071473 h 3709642"/>
+              <a:gd name="connsiteX19" fmla="*/ 332466 w 559472"/>
+              <a:gd name="connsiteY19" fmla="*/ 1952216 h 3709642"/>
+              <a:gd name="connsiteX20" fmla="*/ 319121 w 559472"/>
+              <a:gd name="connsiteY20" fmla="*/ 1833776 h 3709642"/>
+              <a:gd name="connsiteX21" fmla="*/ 304408 w 559472"/>
+              <a:gd name="connsiteY21" fmla="*/ 1713948 h 3709642"/>
+              <a:gd name="connsiteX22" fmla="*/ 288685 w 559472"/>
+              <a:gd name="connsiteY22" fmla="*/ 1592703 h 3709642"/>
+              <a:gd name="connsiteX23" fmla="*/ 273050 w 559472"/>
+              <a:gd name="connsiteY23" fmla="*/ 1471451 h 3709642"/>
+              <a:gd name="connsiteX24" fmla="*/ 255813 w 559472"/>
+              <a:gd name="connsiteY24" fmla="*/ 1350328 h 3709642"/>
+              <a:gd name="connsiteX25" fmla="*/ 237060 w 559472"/>
+              <a:gd name="connsiteY25" fmla="*/ 1227080 h 3709642"/>
+              <a:gd name="connsiteX26" fmla="*/ 218488 w 559472"/>
+              <a:gd name="connsiteY26" fmla="*/ 1106065 h 3709642"/>
+              <a:gd name="connsiteX27" fmla="*/ 198221 w 559472"/>
+              <a:gd name="connsiteY27" fmla="*/ 982940 h 3709642"/>
+              <a:gd name="connsiteX28" fmla="*/ 177152 w 559472"/>
+              <a:gd name="connsiteY28" fmla="*/ 858755 h 3709642"/>
+              <a:gd name="connsiteX29" fmla="*/ 155551 w 559472"/>
+              <a:gd name="connsiteY29" fmla="*/ 736861 h 3709642"/>
+              <a:gd name="connsiteX30" fmla="*/ 131782 w 559472"/>
+              <a:gd name="connsiteY30" fmla="*/ 613645 h 3709642"/>
+              <a:gd name="connsiteX31" fmla="*/ 107123 w 559472"/>
+              <a:gd name="connsiteY31" fmla="*/ 490500 h 3709642"/>
+              <a:gd name="connsiteX32" fmla="*/ 82552 w 559472"/>
+              <a:gd name="connsiteY32" fmla="*/ 367348 h 3709642"/>
+              <a:gd name="connsiteX33" fmla="*/ 55608 w 559472"/>
+              <a:gd name="connsiteY33" fmla="*/ 244762 h 3709642"/>
+              <a:gd name="connsiteX34" fmla="*/ 28130 w 559472"/>
+              <a:gd name="connsiteY34" fmla="*/ 122220 h 3709642"/>
+              <a:gd name="connsiteX35" fmla="*/ 0 w 559472"/>
+              <a:gd name="connsiteY35" fmla="*/ 0 h 3709642"/>
+            </a:gdLst>
+            <a:ahLst/>
+            <a:cxnLst>
+              <a:cxn ang="0">
+                <a:pos x="connsiteX0" y="connsiteY0"/>
+              </a:cxn>
+              <a:cxn ang="0">
+                <a:pos x="connsiteX1" y="connsiteY1"/>
+              </a:cxn>
+              <a:cxn ang="0">
+                <a:pos x="connsiteX2" y="connsiteY2"/>
+              </a:cxn>
+              <a:cxn ang="0">
+                <a:pos x="connsiteX3" y="connsiteY3"/>
+              </a:cxn>
+              <a:cxn ang="0">
+                <a:pos x="connsiteX4" y="connsiteY4"/>
+              </a:cxn>
+              <a:cxn ang="0">
+                <a:pos x="connsiteX5" y="connsiteY5"/>
+              </a:cxn>
+              <a:cxn ang="0">
+                <a:pos x="connsiteX6" y="connsiteY6"/>
+              </a:cxn>
+              <a:cxn ang="0">
+                <a:pos x="connsiteX7" y="connsiteY7"/>
+              </a:cxn>
+              <a:cxn ang="0">
+                <a:pos x="connsiteX8" y="connsiteY8"/>
+              </a:cxn>
+              <a:cxn ang="0">
+                <a:pos x="connsiteX9" y="connsiteY9"/>
+              </a:cxn>
+              <a:cxn ang="0">
+                <a:pos x="connsiteX10" y="connsiteY10"/>
+              </a:cxn>
+              <a:cxn ang="0">
+                <a:pos x="connsiteX11" y="connsiteY11"/>
+              </a:cxn>
+              <a:cxn ang="0">
+                <a:pos x="connsiteX12" y="connsiteY12"/>
+              </a:cxn>
+              <a:cxn ang="0">
+                <a:pos x="connsiteX13" y="connsiteY13"/>
+              </a:cxn>
+              <a:cxn ang="0">
+                <a:pos x="connsiteX14" y="connsiteY14"/>
+              </a:cxn>
+              <a:cxn ang="0">
+                <a:pos x="connsiteX15" y="connsiteY15"/>
+              </a:cxn>
+              <a:cxn ang="0">
+                <a:pos x="connsiteX16" y="connsiteY16"/>
+              </a:cxn>
+              <a:cxn ang="0">
+                <a:pos x="connsiteX17" y="connsiteY17"/>
+              </a:cxn>
+              <a:cxn ang="0">
+                <a:pos x="connsiteX18" y="connsiteY18"/>
+              </a:cxn>
+              <a:cxn ang="0">
+                <a:pos x="connsiteX19" y="connsiteY19"/>
+              </a:cxn>
+              <a:cxn ang="0">
+                <a:pos x="connsiteX20" y="connsiteY20"/>
+              </a:cxn>
+              <a:cxn ang="0">
+                <a:pos x="connsiteX21" y="connsiteY21"/>
+              </a:cxn>
+              <a:cxn ang="0">
+                <a:pos x="connsiteX22" y="connsiteY22"/>
+              </a:cxn>
+              <a:cxn ang="0">
+                <a:pos x="connsiteX23" y="connsiteY23"/>
+              </a:cxn>
+              <a:cxn ang="0">
+                <a:pos x="connsiteX24" y="connsiteY24"/>
+              </a:cxn>
+              <a:cxn ang="0">
+                <a:pos x="connsiteX25" y="connsiteY25"/>
+              </a:cxn>
+              <a:cxn ang="0">
+                <a:pos x="connsiteX26" y="connsiteY26"/>
+              </a:cxn>
+              <a:cxn ang="0">
+                <a:pos x="connsiteX27" y="connsiteY27"/>
+              </a:cxn>
+              <a:cxn ang="0">
+                <a:pos x="connsiteX28" y="connsiteY28"/>
+              </a:cxn>
+              <a:cxn ang="0">
+                <a:pos x="connsiteX29" y="connsiteY29"/>
+              </a:cxn>
+              <a:cxn ang="0">
+                <a:pos x="connsiteX30" y="connsiteY30"/>
+              </a:cxn>
+              <a:cxn ang="0">
+                <a:pos x="connsiteX31" y="connsiteY31"/>
+              </a:cxn>
+              <a:cxn ang="0">
+                <a:pos x="connsiteX32" y="connsiteY32"/>
+              </a:cxn>
+              <a:cxn ang="0">
+                <a:pos x="connsiteX33" y="connsiteY33"/>
+              </a:cxn>
+              <a:cxn ang="0">
+                <a:pos x="connsiteX34" y="connsiteY34"/>
+              </a:cxn>
+              <a:cxn ang="0">
+                <a:pos x="connsiteX35" y="connsiteY35"/>
+              </a:cxn>
+            </a:cxnLst>
+            <a:rect l="l" t="t" r="r" b="b"/>
+            <a:pathLst>
+              <a:path w="559472" h="3709642">
+                <a:moveTo>
+                  <a:pt x="0" y="0"/>
+                </a:moveTo>
+                <a:lnTo>
+                  <a:pt x="473952" y="0"/>
+                </a:lnTo>
+                <a:lnTo>
+                  <a:pt x="485840" y="161194"/>
+                </a:lnTo>
+                <a:cubicBezTo>
+                  <a:pt x="552063" y="1147770"/>
+                  <a:pt x="592441" y="3086737"/>
+                  <a:pt x="523949" y="3672197"/>
+                </a:cubicBezTo>
+                <a:cubicBezTo>
+                  <a:pt x="500842" y="3684557"/>
+                  <a:pt x="477855" y="3697282"/>
+                  <a:pt x="454748" y="3709642"/>
+                </a:cubicBezTo>
+                <a:lnTo>
+                  <a:pt x="448224" y="3510471"/>
+                </a:lnTo>
+                <a:lnTo>
+                  <a:pt x="443564" y="3408563"/>
+                </a:lnTo>
+                <a:lnTo>
+                  <a:pt x="438902" y="3304407"/>
+                </a:lnTo>
+                <a:lnTo>
+                  <a:pt x="433941" y="3198777"/>
+                </a:lnTo>
+                <a:lnTo>
+                  <a:pt x="427584" y="3092510"/>
+                </a:lnTo>
+                <a:lnTo>
+                  <a:pt x="420988" y="2984390"/>
+                </a:lnTo>
+                <a:lnTo>
+                  <a:pt x="414330" y="2874401"/>
+                </a:lnTo>
+                <a:lnTo>
+                  <a:pt x="406840" y="2762980"/>
+                </a:lnTo>
+                <a:lnTo>
+                  <a:pt x="397745" y="2650566"/>
+                </a:lnTo>
+                <a:lnTo>
+                  <a:pt x="389154" y="2536612"/>
+                </a:lnTo>
+                <a:lnTo>
+                  <a:pt x="379225" y="2421642"/>
+                </a:lnTo>
+                <a:lnTo>
+                  <a:pt x="368316" y="2305627"/>
+                </a:lnTo>
+                <a:lnTo>
+                  <a:pt x="357466" y="2189233"/>
+                </a:lnTo>
+                <a:lnTo>
+                  <a:pt x="344982" y="2071473"/>
+                </a:lnTo>
+                <a:lnTo>
+                  <a:pt x="332466" y="1952216"/>
+                </a:lnTo>
+                <a:lnTo>
+                  <a:pt x="319121" y="1833776"/>
+                </a:lnTo>
+                <a:lnTo>
+                  <a:pt x="304408" y="1713948"/>
+                </a:lnTo>
+                <a:lnTo>
+                  <a:pt x="288685" y="1592703"/>
+                </a:lnTo>
+                <a:lnTo>
+                  <a:pt x="273050" y="1471451"/>
+                </a:lnTo>
+                <a:lnTo>
+                  <a:pt x="255813" y="1350328"/>
+                </a:lnTo>
+                <a:lnTo>
+                  <a:pt x="237060" y="1227080"/>
+                </a:lnTo>
+                <a:lnTo>
+                  <a:pt x="218488" y="1106065"/>
+                </a:lnTo>
+                <a:lnTo>
+                  <a:pt x="198221" y="982940"/>
+                </a:lnTo>
+                <a:lnTo>
+                  <a:pt x="177152" y="858755"/>
+                </a:lnTo>
+                <a:lnTo>
+                  <a:pt x="155551" y="736861"/>
+                </a:lnTo>
+                <a:lnTo>
+                  <a:pt x="131782" y="613645"/>
+                </a:lnTo>
+                <a:lnTo>
+                  <a:pt x="107123" y="490500"/>
+                </a:lnTo>
+                <a:lnTo>
+                  <a:pt x="82552" y="367348"/>
+                </a:lnTo>
+                <a:lnTo>
+                  <a:pt x="55608" y="244762"/>
+                </a:lnTo>
+                <a:lnTo>
+                  <a:pt x="28130" y="122220"/>
+                </a:lnTo>
+                <a:lnTo>
+                  <a:pt x="0" y="0"/>
+                </a:lnTo>
+                <a:close/>
+              </a:path>
+            </a:pathLst>
+          </a:custGeom>
+          <a:solidFill>
+            <a:schemeClr val="bg1">
+              <a:alpha val="20000"/>
+            </a:schemeClr>
+          </a:solidFill>
+          <a:ln>
+            <a:noFill/>
+          </a:ln>
+        </p:spPr>
+        <p:txBody>
+          <a:bodyPr rtlCol="0" anchor="ctr"/>
+          <a:lstStyle/>
+          <a:p>
+            <a:pPr algn="ctr"/>
+            <a:endParaRPr lang="en-US"/>
+          </a:p>
+        </p:txBody>
+      </p:sp>
+      <p:sp useBgFill="1">
+        <p:nvSpPr>
+          <p:cNvPr id="14" name="Freeform: Shape 13">
+            <a:extLst>
+              <a:ext uri="{FF2B5EF4-FFF2-40B4-BE49-F238E27FC236}">
+                <a16:creationId xmlns:a16="http://schemas.microsoft.com/office/drawing/2014/main" id="{2B199503-2632-490F-8EB2-759D88708F96}"/>
+              </a:ext>
+              <a:ext uri="{C183D7F6-B498-43B3-948B-1728B52AA6E4}">
+                <adec:decorative xmlns:adec="http://schemas.microsoft.com/office/drawing/2017/decorative" val="1"/>
+              </a:ext>
+            </a:extLst>
+          </p:cNvPr>
+          <p:cNvSpPr>
+            <a:spLocks noGrp="1" noRot="1" noChangeAspect="1" noMove="1" noResize="1" noEditPoints="1" noAdjustHandles="1" noChangeArrowheads="1" noChangeShapeType="1" noTextEdit="1"/>
+          </p:cNvSpPr>
+          <p:nvPr>
+            <p:extLst>
+              <p:ext uri="{386F3935-93C4-4BCD-93E2-E3B085C9AB24}">
+                <p16:designElem xmlns:p16="http://schemas.microsoft.com/office/powerpoint/2015/main" val="1"/>
+              </p:ext>
+            </p:extLst>
+          </p:nvPr>
+        </p:nvSpPr>
+        <p:spPr bwMode="gray">
+          <a:xfrm rot="16200000">
+            <a:off x="4747655" y="-586345"/>
+            <a:ext cx="6858001" cy="8030691"/>
+          </a:xfrm>
+          <a:custGeom>
+            <a:avLst/>
+            <a:gdLst>
+              <a:gd name="connsiteX0" fmla="*/ 6858001 w 6858001"/>
+              <a:gd name="connsiteY0" fmla="*/ 1177 h 8030691"/>
+              <a:gd name="connsiteX1" fmla="*/ 6858001 w 6858001"/>
+              <a:gd name="connsiteY1" fmla="*/ 1344715 h 8030691"/>
+              <a:gd name="connsiteX2" fmla="*/ 6858000 w 6858001"/>
+              <a:gd name="connsiteY2" fmla="*/ 1344715 h 8030691"/>
+              <a:gd name="connsiteX3" fmla="*/ 6858000 w 6858001"/>
+              <a:gd name="connsiteY3" fmla="*/ 8030691 h 8030691"/>
+              <a:gd name="connsiteX4" fmla="*/ 0 w 6858001"/>
+              <a:gd name="connsiteY4" fmla="*/ 8030690 h 8030691"/>
+              <a:gd name="connsiteX5" fmla="*/ 0 w 6858001"/>
+              <a:gd name="connsiteY5" fmla="*/ 477747 h 8030691"/>
+              <a:gd name="connsiteX6" fmla="*/ 1 w 6858001"/>
+              <a:gd name="connsiteY6" fmla="*/ 477747 h 8030691"/>
+              <a:gd name="connsiteX7" fmla="*/ 1 w 6858001"/>
+              <a:gd name="connsiteY7" fmla="*/ 0 h 8030691"/>
+              <a:gd name="connsiteX8" fmla="*/ 40463 w 6858001"/>
+              <a:gd name="connsiteY8" fmla="*/ 5883 h 8030691"/>
+              <a:gd name="connsiteX9" fmla="*/ 159107 w 6858001"/>
+              <a:gd name="connsiteY9" fmla="*/ 23196 h 8030691"/>
+              <a:gd name="connsiteX10" fmla="*/ 245518 w 6858001"/>
+              <a:gd name="connsiteY10" fmla="*/ 35299 h 8030691"/>
+              <a:gd name="connsiteX11" fmla="*/ 348388 w 6858001"/>
+              <a:gd name="connsiteY11" fmla="*/ 48074 h 8030691"/>
+              <a:gd name="connsiteX12" fmla="*/ 470460 w 6858001"/>
+              <a:gd name="connsiteY12" fmla="*/ 63370 h 8030691"/>
+              <a:gd name="connsiteX13" fmla="*/ 605563 w 6858001"/>
+              <a:gd name="connsiteY13" fmla="*/ 79507 h 8030691"/>
+              <a:gd name="connsiteX14" fmla="*/ 757810 w 6858001"/>
+              <a:gd name="connsiteY14" fmla="*/ 96484 h 8030691"/>
+              <a:gd name="connsiteX15" fmla="*/ 923774 w 6858001"/>
+              <a:gd name="connsiteY15" fmla="*/ 114469 h 8030691"/>
+              <a:gd name="connsiteX16" fmla="*/ 1104139 w 6858001"/>
+              <a:gd name="connsiteY16" fmla="*/ 132455 h 8030691"/>
+              <a:gd name="connsiteX17" fmla="*/ 1296163 w 6858001"/>
+              <a:gd name="connsiteY17" fmla="*/ 150776 h 8030691"/>
+              <a:gd name="connsiteX18" fmla="*/ 1503275 w 6858001"/>
+              <a:gd name="connsiteY18" fmla="*/ 167753 h 8030691"/>
+              <a:gd name="connsiteX19" fmla="*/ 1719988 w 6858001"/>
+              <a:gd name="connsiteY19" fmla="*/ 184058 h 8030691"/>
+              <a:gd name="connsiteX20" fmla="*/ 1949045 w 6858001"/>
+              <a:gd name="connsiteY20" fmla="*/ 198850 h 8030691"/>
+              <a:gd name="connsiteX21" fmla="*/ 2187703 w 6858001"/>
+              <a:gd name="connsiteY21" fmla="*/ 212969 h 8030691"/>
+              <a:gd name="connsiteX22" fmla="*/ 2436649 w 6858001"/>
+              <a:gd name="connsiteY22" fmla="*/ 226249 h 8030691"/>
+              <a:gd name="connsiteX23" fmla="*/ 2564208 w 6858001"/>
+              <a:gd name="connsiteY23" fmla="*/ 230955 h 8030691"/>
+              <a:gd name="connsiteX24" fmla="*/ 2694509 w 6858001"/>
+              <a:gd name="connsiteY24" fmla="*/ 236166 h 8030691"/>
+              <a:gd name="connsiteX25" fmla="*/ 2826869 w 6858001"/>
+              <a:gd name="connsiteY25" fmla="*/ 241040 h 8030691"/>
+              <a:gd name="connsiteX26" fmla="*/ 2959914 w 6858001"/>
+              <a:gd name="connsiteY26" fmla="*/ 244234 h 8030691"/>
+              <a:gd name="connsiteX27" fmla="*/ 3095702 w 6858001"/>
+              <a:gd name="connsiteY27" fmla="*/ 247092 h 8030691"/>
+              <a:gd name="connsiteX28" fmla="*/ 3232862 w 6858001"/>
+              <a:gd name="connsiteY28" fmla="*/ 250117 h 8030691"/>
+              <a:gd name="connsiteX29" fmla="*/ 3372766 w 6858001"/>
+              <a:gd name="connsiteY29" fmla="*/ 252134 h 8030691"/>
+              <a:gd name="connsiteX30" fmla="*/ 3514040 w 6858001"/>
+              <a:gd name="connsiteY30" fmla="*/ 252134 h 8030691"/>
+              <a:gd name="connsiteX31" fmla="*/ 3656686 w 6858001"/>
+              <a:gd name="connsiteY31" fmla="*/ 253143 h 8030691"/>
+              <a:gd name="connsiteX32" fmla="*/ 3800705 w 6858001"/>
+              <a:gd name="connsiteY32" fmla="*/ 252134 h 8030691"/>
+              <a:gd name="connsiteX33" fmla="*/ 3946780 w 6858001"/>
+              <a:gd name="connsiteY33" fmla="*/ 250117 h 8030691"/>
+              <a:gd name="connsiteX34" fmla="*/ 4092856 w 6858001"/>
+              <a:gd name="connsiteY34" fmla="*/ 248268 h 8030691"/>
+              <a:gd name="connsiteX35" fmla="*/ 4240988 w 6858001"/>
+              <a:gd name="connsiteY35" fmla="*/ 244234 h 8030691"/>
+              <a:gd name="connsiteX36" fmla="*/ 4390492 w 6858001"/>
+              <a:gd name="connsiteY36" fmla="*/ 240032 h 8030691"/>
+              <a:gd name="connsiteX37" fmla="*/ 4539997 w 6858001"/>
+              <a:gd name="connsiteY37" fmla="*/ 235157 h 8030691"/>
+              <a:gd name="connsiteX38" fmla="*/ 4690873 w 6858001"/>
+              <a:gd name="connsiteY38" fmla="*/ 228266 h 8030691"/>
+              <a:gd name="connsiteX39" fmla="*/ 4843120 w 6858001"/>
+              <a:gd name="connsiteY39" fmla="*/ 220029 h 8030691"/>
+              <a:gd name="connsiteX40" fmla="*/ 4996054 w 6858001"/>
+              <a:gd name="connsiteY40" fmla="*/ 212129 h 8030691"/>
+              <a:gd name="connsiteX41" fmla="*/ 5148987 w 6858001"/>
+              <a:gd name="connsiteY41" fmla="*/ 202044 h 8030691"/>
+              <a:gd name="connsiteX42" fmla="*/ 5303978 w 6858001"/>
+              <a:gd name="connsiteY42" fmla="*/ 189941 h 8030691"/>
+              <a:gd name="connsiteX43" fmla="*/ 5456911 w 6858001"/>
+              <a:gd name="connsiteY43" fmla="*/ 177839 h 8030691"/>
+              <a:gd name="connsiteX44" fmla="*/ 5612588 w 6858001"/>
+              <a:gd name="connsiteY44" fmla="*/ 163887 h 8030691"/>
+              <a:gd name="connsiteX45" fmla="*/ 5768950 w 6858001"/>
+              <a:gd name="connsiteY45" fmla="*/ 148591 h 8030691"/>
+              <a:gd name="connsiteX46" fmla="*/ 5923255 w 6858001"/>
+              <a:gd name="connsiteY46" fmla="*/ 132455 h 8030691"/>
+              <a:gd name="connsiteX47" fmla="*/ 6079618 w 6858001"/>
+              <a:gd name="connsiteY47" fmla="*/ 113629 h 8030691"/>
+              <a:gd name="connsiteX48" fmla="*/ 6235294 w 6858001"/>
+              <a:gd name="connsiteY48" fmla="*/ 93458 h 8030691"/>
+              <a:gd name="connsiteX49" fmla="*/ 6391657 w 6858001"/>
+              <a:gd name="connsiteY49" fmla="*/ 73455 h 8030691"/>
+              <a:gd name="connsiteX50" fmla="*/ 6547333 w 6858001"/>
+              <a:gd name="connsiteY50" fmla="*/ 50091 h 8030691"/>
+              <a:gd name="connsiteX51" fmla="*/ 6702324 w 6858001"/>
+              <a:gd name="connsiteY51" fmla="*/ 26222 h 8030691"/>
+            </a:gdLst>
+            <a:ahLst/>
+            <a:cxnLst>
+              <a:cxn ang="0">
+                <a:pos x="connsiteX0" y="connsiteY0"/>
+              </a:cxn>
+              <a:cxn ang="0">
+                <a:pos x="connsiteX1" y="connsiteY1"/>
+              </a:cxn>
+              <a:cxn ang="0">
+                <a:pos x="connsiteX2" y="connsiteY2"/>
+              </a:cxn>
+              <a:cxn ang="0">
+                <a:pos x="connsiteX3" y="connsiteY3"/>
+              </a:cxn>
+              <a:cxn ang="0">
+                <a:pos x="connsiteX4" y="connsiteY4"/>
+              </a:cxn>
+              <a:cxn ang="0">
+                <a:pos x="connsiteX5" y="connsiteY5"/>
+              </a:cxn>
+              <a:cxn ang="0">
+                <a:pos x="connsiteX6" y="connsiteY6"/>
+              </a:cxn>
+              <a:cxn ang="0">
+                <a:pos x="connsiteX7" y="connsiteY7"/>
+              </a:cxn>
+              <a:cxn ang="0">
+                <a:pos x="connsiteX8" y="connsiteY8"/>
+              </a:cxn>
+              <a:cxn ang="0">
+                <a:pos x="connsiteX9" y="connsiteY9"/>
+              </a:cxn>
+              <a:cxn ang="0">
+                <a:pos x="connsiteX10" y="connsiteY10"/>
+              </a:cxn>
+              <a:cxn ang="0">
+                <a:pos x="connsiteX11" y="connsiteY11"/>
+              </a:cxn>
+              <a:cxn ang="0">
+                <a:pos x="connsiteX12" y="connsiteY12"/>
+              </a:cxn>
+              <a:cxn ang="0">
+                <a:pos x="connsiteX13" y="connsiteY13"/>
+              </a:cxn>
+              <a:cxn ang="0">
+                <a:pos x="connsiteX14" y="connsiteY14"/>
+              </a:cxn>
+              <a:cxn ang="0">
+                <a:pos x="connsiteX15" y="connsiteY15"/>
+              </a:cxn>
+              <a:cxn ang="0">
+                <a:pos x="connsiteX16" y="connsiteY16"/>
+              </a:cxn>
+              <a:cxn ang="0">
+                <a:pos x="connsiteX17" y="connsiteY17"/>
+              </a:cxn>
+              <a:cxn ang="0">
+                <a:pos x="connsiteX18" y="connsiteY18"/>
+              </a:cxn>
+              <a:cxn ang="0">
+                <a:pos x="connsiteX19" y="connsiteY19"/>
+              </a:cxn>
+              <a:cxn ang="0">
+                <a:pos x="connsiteX20" y="connsiteY20"/>
+              </a:cxn>
+              <a:cxn ang="0">
+                <a:pos x="connsiteX21" y="connsiteY21"/>
+              </a:cxn>
+              <a:cxn ang="0">
+                <a:pos x="connsiteX22" y="connsiteY22"/>
+              </a:cxn>
+              <a:cxn ang="0">
+                <a:pos x="connsiteX23" y="connsiteY23"/>
+              </a:cxn>
+              <a:cxn ang="0">
+                <a:pos x="connsiteX24" y="connsiteY24"/>
+              </a:cxn>
+              <a:cxn ang="0">
+                <a:pos x="connsiteX25" y="connsiteY25"/>
+              </a:cxn>
+              <a:cxn ang="0">
+                <a:pos x="connsiteX26" y="connsiteY26"/>
+              </a:cxn>
+              <a:cxn ang="0">
+                <a:pos x="connsiteX27" y="connsiteY27"/>
+              </a:cxn>
+              <a:cxn ang="0">
+                <a:pos x="connsiteX28" y="connsiteY28"/>
+              </a:cxn>
+              <a:cxn ang="0">
+                <a:pos x="connsiteX29" y="connsiteY29"/>
+              </a:cxn>
+              <a:cxn ang="0">
+                <a:pos x="connsiteX30" y="connsiteY30"/>
+              </a:cxn>
+              <a:cxn ang="0">
+                <a:pos x="connsiteX31" y="connsiteY31"/>
+              </a:cxn>
+              <a:cxn ang="0">
+                <a:pos x="connsiteX32" y="connsiteY32"/>
+              </a:cxn>
+              <a:cxn ang="0">
+                <a:pos x="connsiteX33" y="connsiteY33"/>
+              </a:cxn>
+              <a:cxn ang="0">
+                <a:pos x="connsiteX34" y="connsiteY34"/>
+              </a:cxn>
+              <a:cxn ang="0">
+                <a:pos x="connsiteX35" y="connsiteY35"/>
+              </a:cxn>
+              <a:cxn ang="0">
+                <a:pos x="connsiteX36" y="connsiteY36"/>
+              </a:cxn>
+              <a:cxn ang="0">
+                <a:pos x="connsiteX37" y="connsiteY37"/>
+              </a:cxn>
+              <a:cxn ang="0">
+                <a:pos x="connsiteX38" y="connsiteY38"/>
+              </a:cxn>
+              <a:cxn ang="0">
+                <a:pos x="connsiteX39" y="connsiteY39"/>
+              </a:cxn>
+              <a:cxn ang="0">
+                <a:pos x="connsiteX40" y="connsiteY40"/>
+              </a:cxn>
+              <a:cxn ang="0">
+                <a:pos x="connsiteX41" y="connsiteY41"/>
+              </a:cxn>
+              <a:cxn ang="0">
+                <a:pos x="connsiteX42" y="connsiteY42"/>
+              </a:cxn>
+              <a:cxn ang="0">
+                <a:pos x="connsiteX43" y="connsiteY43"/>
+              </a:cxn>
+              <a:cxn ang="0">
+                <a:pos x="connsiteX44" y="connsiteY44"/>
+              </a:cxn>
+              <a:cxn ang="0">
+                <a:pos x="connsiteX45" y="connsiteY45"/>
+              </a:cxn>
+              <a:cxn ang="0">
+                <a:pos x="connsiteX46" y="connsiteY46"/>
+              </a:cxn>
+              <a:cxn ang="0">
+                <a:pos x="connsiteX47" y="connsiteY47"/>
+              </a:cxn>
+              <a:cxn ang="0">
+                <a:pos x="connsiteX48" y="connsiteY48"/>
+              </a:cxn>
+              <a:cxn ang="0">
+                <a:pos x="connsiteX49" y="connsiteY49"/>
+              </a:cxn>
+              <a:cxn ang="0">
+                <a:pos x="connsiteX50" y="connsiteY50"/>
+              </a:cxn>
+              <a:cxn ang="0">
+                <a:pos x="connsiteX51" y="connsiteY51"/>
+              </a:cxn>
+            </a:cxnLst>
+            <a:rect l="l" t="t" r="r" b="b"/>
+            <a:pathLst>
+              <a:path w="6858001" h="8030691">
+                <a:moveTo>
+                  <a:pt x="6858001" y="1177"/>
+                </a:moveTo>
+                <a:lnTo>
+                  <a:pt x="6858001" y="1344715"/>
+                </a:lnTo>
+                <a:lnTo>
+                  <a:pt x="6858000" y="1344715"/>
+                </a:lnTo>
+                <a:lnTo>
+                  <a:pt x="6858000" y="8030691"/>
+                </a:lnTo>
+                <a:lnTo>
+                  <a:pt x="0" y="8030690"/>
+                </a:lnTo>
+                <a:lnTo>
+                  <a:pt x="0" y="477747"/>
+                </a:lnTo>
+                <a:lnTo>
+                  <a:pt x="1" y="477747"/>
+                </a:lnTo>
+                <a:lnTo>
+                  <a:pt x="1" y="0"/>
+                </a:lnTo>
+                <a:lnTo>
+                  <a:pt x="40463" y="5883"/>
+                </a:lnTo>
+                <a:lnTo>
+                  <a:pt x="159107" y="23196"/>
+                </a:lnTo>
+                <a:lnTo>
+                  <a:pt x="245518" y="35299"/>
+                </a:lnTo>
+                <a:lnTo>
+                  <a:pt x="348388" y="48074"/>
+                </a:lnTo>
+                <a:lnTo>
+                  <a:pt x="470460" y="63370"/>
+                </a:lnTo>
+                <a:lnTo>
+                  <a:pt x="605563" y="79507"/>
+                </a:lnTo>
+                <a:lnTo>
+                  <a:pt x="757810" y="96484"/>
+                </a:lnTo>
+                <a:lnTo>
+                  <a:pt x="923774" y="114469"/>
+                </a:lnTo>
+                <a:lnTo>
+                  <a:pt x="1104139" y="132455"/>
+                </a:lnTo>
+                <a:lnTo>
+                  <a:pt x="1296163" y="150776"/>
+                </a:lnTo>
+                <a:lnTo>
+                  <a:pt x="1503275" y="167753"/>
+                </a:lnTo>
+                <a:lnTo>
+                  <a:pt x="1719988" y="184058"/>
+                </a:lnTo>
+                <a:lnTo>
+                  <a:pt x="1949045" y="198850"/>
+                </a:lnTo>
+                <a:lnTo>
+                  <a:pt x="2187703" y="212969"/>
+                </a:lnTo>
+                <a:lnTo>
+                  <a:pt x="2436649" y="226249"/>
+                </a:lnTo>
+                <a:lnTo>
+                  <a:pt x="2564208" y="230955"/>
+                </a:lnTo>
+                <a:lnTo>
+                  <a:pt x="2694509" y="236166"/>
+                </a:lnTo>
+                <a:lnTo>
+                  <a:pt x="2826869" y="241040"/>
+                </a:lnTo>
+                <a:lnTo>
+                  <a:pt x="2959914" y="244234"/>
+                </a:lnTo>
+                <a:lnTo>
+                  <a:pt x="3095702" y="247092"/>
+                </a:lnTo>
+                <a:lnTo>
+                  <a:pt x="3232862" y="250117"/>
+                </a:lnTo>
+                <a:lnTo>
+                  <a:pt x="3372766" y="252134"/>
+                </a:lnTo>
+                <a:lnTo>
+                  <a:pt x="3514040" y="252134"/>
+                </a:lnTo>
+                <a:lnTo>
+                  <a:pt x="3656686" y="253143"/>
+                </a:lnTo>
+                <a:lnTo>
+                  <a:pt x="3800705" y="252134"/>
+                </a:lnTo>
+                <a:lnTo>
+                  <a:pt x="3946780" y="250117"/>
+                </a:lnTo>
+                <a:lnTo>
+                  <a:pt x="4092856" y="248268"/>
+                </a:lnTo>
+                <a:lnTo>
+                  <a:pt x="4240988" y="244234"/>
+                </a:lnTo>
+                <a:lnTo>
+                  <a:pt x="4390492" y="240032"/>
+                </a:lnTo>
+                <a:lnTo>
+                  <a:pt x="4539997" y="235157"/>
+                </a:lnTo>
+                <a:lnTo>
+                  <a:pt x="4690873" y="228266"/>
+                </a:lnTo>
+                <a:lnTo>
+                  <a:pt x="4843120" y="220029"/>
+                </a:lnTo>
+                <a:lnTo>
+                  <a:pt x="4996054" y="212129"/>
+                </a:lnTo>
+                <a:lnTo>
+                  <a:pt x="5148987" y="202044"/>
+                </a:lnTo>
+                <a:lnTo>
+                  <a:pt x="5303978" y="189941"/>
+                </a:lnTo>
+                <a:lnTo>
+                  <a:pt x="5456911" y="177839"/>
+                </a:lnTo>
+                <a:lnTo>
+                  <a:pt x="5612588" y="163887"/>
+                </a:lnTo>
+                <a:lnTo>
+                  <a:pt x="5768950" y="148591"/>
+                </a:lnTo>
+                <a:lnTo>
+                  <a:pt x="5923255" y="132455"/>
+                </a:lnTo>
+                <a:lnTo>
+                  <a:pt x="6079618" y="113629"/>
+                </a:lnTo>
+                <a:lnTo>
+                  <a:pt x="6235294" y="93458"/>
+                </a:lnTo>
+                <a:lnTo>
+                  <a:pt x="6391657" y="73455"/>
+                </a:lnTo>
+                <a:lnTo>
+                  <a:pt x="6547333" y="50091"/>
+                </a:lnTo>
+                <a:lnTo>
+                  <a:pt x="6702324" y="26222"/>
+                </a:lnTo>
+                <a:close/>
+              </a:path>
+            </a:pathLst>
+          </a:custGeom>
+          <a:ln>
+            <a:noFill/>
+          </a:ln>
+        </p:spPr>
+      </p:sp>
+      <p:sp>
+        <p:nvSpPr>
+          <p:cNvPr id="16" name="Rectangle 15">
+            <a:extLst>
+              <a:ext uri="{FF2B5EF4-FFF2-40B4-BE49-F238E27FC236}">
+                <a16:creationId xmlns:a16="http://schemas.microsoft.com/office/drawing/2014/main" id="{F11C7CB4-0228-486A-931A-262ABB670EB0}"/>
+              </a:ext>
+              <a:ext uri="{C183D7F6-B498-43B3-948B-1728B52AA6E4}">
+                <adec:decorative xmlns:adec="http://schemas.microsoft.com/office/drawing/2017/decorative" val="1"/>
+              </a:ext>
+            </a:extLst>
+          </p:cNvPr>
+          <p:cNvSpPr>
+            <a:spLocks noGrp="1" noRot="1" noChangeAspect="1" noMove="1" noResize="1" noEditPoints="1" noAdjustHandles="1" noChangeArrowheads="1" noChangeShapeType="1" noTextEdit="1"/>
+          </p:cNvSpPr>
+          <p:nvPr>
+            <p:extLst>
+              <p:ext uri="{386F3935-93C4-4BCD-93E2-E3B085C9AB24}">
+                <p16:designElem xmlns:p16="http://schemas.microsoft.com/office/powerpoint/2015/main" val="1"/>
+              </p:ext>
+            </p:extLst>
+          </p:nvPr>
+        </p:nvSpPr>
+        <p:spPr>
+          <a:xfrm>
+            <a:off x="10437812" y="0"/>
+            <a:ext cx="685800" cy="1143000"/>
+          </a:xfrm>
+          <a:prstGeom prst="rect">
+            <a:avLst/>
+          </a:prstGeom>
+          <a:solidFill>
+            <a:schemeClr val="accent1"/>
+          </a:solidFill>
+          <a:ln>
+            <a:noFill/>
+          </a:ln>
+        </p:spPr>
+        <p:style>
+          <a:lnRef idx="1">
+            <a:schemeClr val="accent1"/>
+          </a:lnRef>
+          <a:fillRef idx="3">
+            <a:schemeClr val="accent1"/>
+          </a:fillRef>
+          <a:effectRef idx="2">
+            <a:schemeClr val="accent1"/>
+          </a:effectRef>
+          <a:fontRef idx="minor">
+            <a:schemeClr val="lt1"/>
+          </a:fontRef>
+        </p:style>
+      </p:sp>
+      <p:sp>
+        <p:nvSpPr>
+          <p:cNvPr id="3" name="Content Placeholder 2">
+            <a:extLst>
+              <a:ext uri="{FF2B5EF4-FFF2-40B4-BE49-F238E27FC236}">
+                <a16:creationId xmlns:a16="http://schemas.microsoft.com/office/drawing/2014/main" id="{E9972CBF-88F0-47DA-A844-073C270EB4DC}"/>
+              </a:ext>
+            </a:extLst>
+          </p:cNvPr>
+          <p:cNvSpPr>
+            <a:spLocks noGrp="1"/>
+          </p:cNvSpPr>
+          <p:nvPr>
+            <p:ph idx="1"/>
+          </p:nvPr>
+        </p:nvSpPr>
+        <p:spPr>
+          <a:xfrm>
+            <a:off x="5048452" y="1410459"/>
+            <a:ext cx="6495847" cy="1885146"/>
+          </a:xfrm>
+        </p:spPr>
+        <p:txBody>
+          <a:bodyPr>
+            <a:normAutofit/>
+          </a:bodyPr>
+          <a:lstStyle/>
+          <a:p>
+            <a:r>
+              <a:rPr lang="en-US" dirty="0" err="1"/>
+              <a:t>Studenci</a:t>
+            </a:r>
+            <a:endParaRPr lang="en-US" dirty="0"/>
+          </a:p>
+          <a:p>
+            <a:r>
+              <a:rPr lang="en-US" dirty="0" err="1"/>
+              <a:t>Uczniowie</a:t>
+            </a:r>
+            <a:endParaRPr lang="en-US" dirty="0"/>
+          </a:p>
+          <a:p>
+            <a:r>
+              <a:rPr lang="en-US" dirty="0" err="1"/>
+              <a:t>Inne</a:t>
+            </a:r>
+            <a:r>
+              <a:rPr lang="en-US" dirty="0"/>
+              <a:t> </a:t>
+            </a:r>
+            <a:r>
+              <a:rPr lang="en-US" dirty="0" err="1"/>
+              <a:t>użytkownicy</a:t>
+            </a:r>
+            <a:endParaRPr lang="en-150" dirty="0"/>
+          </a:p>
+        </p:txBody>
+      </p:sp>
+      <p:pic>
+        <p:nvPicPr>
+          <p:cNvPr id="5" name="Picture 4" descr="A group of people&#10;&#10;Description automatically generated with medium confidence">
+            <a:extLst>
+              <a:ext uri="{FF2B5EF4-FFF2-40B4-BE49-F238E27FC236}">
+                <a16:creationId xmlns:a16="http://schemas.microsoft.com/office/drawing/2014/main" id="{E28D57AA-A51E-491D-89A7-7495E2E02725}"/>
+              </a:ext>
+            </a:extLst>
+          </p:cNvPr>
+          <p:cNvPicPr>
+            <a:picLocks noChangeAspect="1"/>
+          </p:cNvPicPr>
+          <p:nvPr/>
+        </p:nvPicPr>
+        <p:blipFill>
+          <a:blip r:embed="rId2">
+            <a:extLst>
+              <a:ext uri="{28A0092B-C50C-407E-A947-70E740481C1C}">
+                <a14:useLocalDpi xmlns:a14="http://schemas.microsoft.com/office/drawing/2010/main" val="0"/>
+              </a:ext>
+            </a:extLst>
+          </a:blip>
+          <a:stretch>
+            <a:fillRect/>
+          </a:stretch>
+        </p:blipFill>
+        <p:spPr>
+          <a:xfrm>
+            <a:off x="5048452" y="3562395"/>
+            <a:ext cx="6495847" cy="2338504"/>
+          </a:xfrm>
+          <a:prstGeom prst="rect">
+            <a:avLst/>
+          </a:prstGeom>
+          <a:effectLst/>
+        </p:spPr>
+      </p:pic>
+    </p:spTree>
+    <p:extLst>
+      <p:ext uri="{BB962C8B-B14F-4D97-AF65-F5344CB8AC3E}">
+        <p14:creationId xmlns:p14="http://schemas.microsoft.com/office/powerpoint/2010/main" val="1495719531"/>
+      </p:ext>
+    </p:extLst>
+  </p:cSld>
+  <p:clrMapOvr>
+    <a:overrideClrMapping bg1="lt1" tx1="dk1" bg2="lt2" tx2="dk2" accent1="accent1" accent2="accent2" accent3="accent3" accent4="accent4" accent5="accent5" accent6="accent6" hlink="hlink" folHlink="folHlink"/>
+  </p:clrMapOvr>
+</p:sld>
+</file>
+
+<file path=ppt/slides/slide6.xml><?xml version="1.0" encoding="utf-8"?>
+<p:sld xmlns:a="http://schemas.openxmlformats.org/drawingml/2006/main" xmlns:r="http://schemas.openxmlformats.org/officeDocument/2006/relationships" xmlns:p="http://schemas.openxmlformats.org/presentationml/2006/main">
+  <p:cSld>
+    <p:bg>
+      <p:bgPr>
+        <a:blipFill rotWithShape="1">
+          <a:blip r:embed="rId2">
+            <a:duotone>
+              <a:schemeClr val="bg2">
+                <a:shade val="69000"/>
+                <a:hueMod val="108000"/>
+                <a:satMod val="164000"/>
+                <a:lumMod val="74000"/>
+              </a:schemeClr>
+              <a:schemeClr val="bg2">
+                <a:tint val="96000"/>
+                <a:hueMod val="88000"/>
+                <a:satMod val="140000"/>
+                <a:lumMod val="132000"/>
+              </a:schemeClr>
+            </a:duotone>
+          </a:blip>
+          <a:stretch/>
+        </a:blipFill>
+        <a:effectLst/>
+      </p:bgPr>
+    </p:bg>
+    <p:spTree>
+      <p:nvGrpSpPr>
+        <p:cNvPr id="1" name=""/>
+        <p:cNvGrpSpPr/>
+        <p:nvPr/>
+      </p:nvGrpSpPr>
+      <p:grpSpPr>
+        <a:xfrm>
+          <a:off x="0" y="0"/>
+          <a:ext cx="0" cy="0"/>
+          <a:chOff x="0" y="0"/>
+          <a:chExt cx="0" cy="0"/>
+        </a:xfrm>
+      </p:grpSpPr>
+      <p:sp>
+        <p:nvSpPr>
+          <p:cNvPr id="8" name="Rectangle 7">
+            <a:extLst>
+              <a:ext uri="{FF2B5EF4-FFF2-40B4-BE49-F238E27FC236}">
+                <a16:creationId xmlns:a16="http://schemas.microsoft.com/office/drawing/2014/main" id="{923E8915-D2AA-4327-A45A-972C3CA9574B}"/>
+              </a:ext>
+              <a:ext uri="{C183D7F6-B498-43B3-948B-1728B52AA6E4}">
+                <adec:decorative xmlns:adec="http://schemas.microsoft.com/office/drawing/2017/decorative" val="1"/>
+              </a:ext>
+            </a:extLst>
+          </p:cNvPr>
+          <p:cNvSpPr>
+            <a:spLocks noGrp="1" noRot="1" noChangeAspect="1" noMove="1" noResize="1" noEditPoints="1" noAdjustHandles="1" noChangeArrowheads="1" noChangeShapeType="1" noTextEdit="1"/>
+          </p:cNvSpPr>
+          <p:nvPr>
+            <p:extLst>
+              <p:ext uri="{386F3935-93C4-4BCD-93E2-E3B085C9AB24}">
+                <p16:designElem xmlns:p16="http://schemas.microsoft.com/office/powerpoint/2015/main" val="1"/>
+              </p:ext>
+            </p:extLst>
+          </p:nvPr>
+        </p:nvSpPr>
+        <p:spPr>
+          <a:xfrm>
+            <a:off x="0" y="0"/>
+            <a:ext cx="12192000" cy="6858000"/>
+          </a:xfrm>
+          <a:prstGeom prst="rect">
+            <a:avLst/>
+          </a:prstGeom>
+          <a:solidFill>
+            <a:schemeClr val="tx1"/>
+          </a:solidFill>
+          <a:ln>
+            <a:noFill/>
+          </a:ln>
+        </p:spPr>
+        <p:style>
+          <a:lnRef idx="2">
+            <a:schemeClr val="accent1">
+              <a:shade val="50000"/>
+            </a:schemeClr>
+          </a:lnRef>
+          <a:fillRef idx="1">
+            <a:schemeClr val="accent1"/>
+          </a:fillRef>
+          <a:effectRef idx="0">
+            <a:schemeClr val="accent1"/>
+          </a:effectRef>
+          <a:fontRef idx="minor">
+            <a:schemeClr val="lt1"/>
+          </a:fontRef>
+        </p:style>
+        <p:txBody>
+          <a:bodyPr rtlCol="0" anchor="ctr"/>
+          <a:lstStyle/>
+          <a:p>
+            <a:pPr algn="ctr"/>
+            <a:endParaRPr lang="en-US"/>
+          </a:p>
+        </p:txBody>
+      </p:sp>
+      <p:sp useBgFill="1">
+        <p:nvSpPr>
+          <p:cNvPr id="10" name="Rectangle 9">
+            <a:extLst>
+              <a:ext uri="{FF2B5EF4-FFF2-40B4-BE49-F238E27FC236}">
+                <a16:creationId xmlns:a16="http://schemas.microsoft.com/office/drawing/2014/main" id="{8302FC3C-9804-4950-B721-5FD704BA6065}"/>
+              </a:ext>
+              <a:ext uri="{C183D7F6-B498-43B3-948B-1728B52AA6E4}">
+                <adec:decorative xmlns:adec="http://schemas.microsoft.com/office/drawing/2017/decorative" val="1"/>
+              </a:ext>
+            </a:extLst>
+          </p:cNvPr>
+          <p:cNvSpPr>
+            <a:spLocks noGrp="1" noRot="1" noChangeAspect="1" noMove="1" noResize="1" noEditPoints="1" noAdjustHandles="1" noChangeArrowheads="1" noChangeShapeType="1" noTextEdit="1"/>
+          </p:cNvSpPr>
+          <p:nvPr>
+            <p:extLst>
+              <p:ext uri="{386F3935-93C4-4BCD-93E2-E3B085C9AB24}">
+                <p16:designElem xmlns:p16="http://schemas.microsoft.com/office/powerpoint/2015/main" val="1"/>
+              </p:ext>
+            </p:extLst>
+          </p:nvPr>
+        </p:nvSpPr>
+        <p:spPr bwMode="ltGray">
+          <a:xfrm>
+            <a:off x="0" y="0"/>
+            <a:ext cx="12188952" cy="6858000"/>
+          </a:xfrm>
+          <a:prstGeom prst="rect">
+            <a:avLst/>
+          </a:prstGeom>
+          <a:ln w="127000" cap="sq" cmpd="thinThick">
+            <a:noFill/>
+          </a:ln>
+        </p:spPr>
+        <p:style>
+          <a:lnRef idx="2">
+            <a:schemeClr val="accent1">
+              <a:shade val="50000"/>
+            </a:schemeClr>
+          </a:lnRef>
+          <a:fillRef idx="1">
+            <a:schemeClr val="accent1"/>
+          </a:fillRef>
+          <a:effectRef idx="0">
+            <a:schemeClr val="accent1"/>
+          </a:effectRef>
+          <a:fontRef idx="minor">
+            <a:schemeClr val="lt1"/>
+          </a:fontRef>
+        </p:style>
+        <p:txBody>
+          <a:bodyPr rtlCol="0" anchor="ctr"/>
+          <a:lstStyle/>
+          <a:p>
+            <a:pPr algn="ctr"/>
+            <a:endParaRPr lang="en-US"/>
+          </a:p>
+        </p:txBody>
+      </p:sp>
+      <p:cxnSp>
+        <p:nvCxnSpPr>
+          <p:cNvPr id="12" name="Straight Connector 11">
+            <a:extLst>
+              <a:ext uri="{FF2B5EF4-FFF2-40B4-BE49-F238E27FC236}">
+                <a16:creationId xmlns:a16="http://schemas.microsoft.com/office/drawing/2014/main" id="{6B9695BD-ECF6-49CA-8877-8C493193C65D}"/>
+              </a:ext>
+              <a:ext uri="{C183D7F6-B498-43B3-948B-1728B52AA6E4}">
+                <adec:decorative xmlns:adec="http://schemas.microsoft.com/office/drawing/2017/decorative" val="1"/>
+              </a:ext>
+            </a:extLst>
+          </p:cNvPr>
+          <p:cNvCxnSpPr>
+            <a:cxnSpLocks noGrp="1" noRot="1" noChangeAspect="1" noMove="1" noResize="1" noEditPoints="1" noAdjustHandles="1" noChangeArrowheads="1" noChangeShapeType="1"/>
+          </p:cNvCxnSpPr>
+          <p:nvPr>
+            <p:extLst>
+              <p:ext uri="{386F3935-93C4-4BCD-93E2-E3B085C9AB24}">
+                <p16:designElem xmlns:p16="http://schemas.microsoft.com/office/powerpoint/2015/main" val="1"/>
+              </p:ext>
+            </p:extLst>
+          </p:nvPr>
+        </p:nvCxnSpPr>
+        <p:spPr>
+          <a:xfrm>
+            <a:off x="4654295" y="1828800"/>
+            <a:ext cx="0" cy="3200400"/>
+          </a:xfrm>
+          <a:prstGeom prst="line">
+            <a:avLst/>
+          </a:prstGeom>
+          <a:ln w="19050">
+            <a:solidFill>
+              <a:schemeClr val="bg2">
+                <a:lumMod val="60000"/>
+                <a:lumOff val="40000"/>
+              </a:schemeClr>
+            </a:solidFill>
+          </a:ln>
+        </p:spPr>
+        <p:style>
+          <a:lnRef idx="1">
+            <a:schemeClr val="accent1"/>
+          </a:lnRef>
+          <a:fillRef idx="0">
+            <a:schemeClr val="accent1"/>
+          </a:fillRef>
+          <a:effectRef idx="0">
+            <a:schemeClr val="accent1"/>
+          </a:effectRef>
+          <a:fontRef idx="minor">
+            <a:schemeClr val="tx1"/>
+          </a:fontRef>
+        </p:style>
+      </p:cxnSp>
+      <p:pic>
+        <p:nvPicPr>
+          <p:cNvPr id="14" name="Picture 13">
+            <a:extLst>
+              <a:ext uri="{FF2B5EF4-FFF2-40B4-BE49-F238E27FC236}">
+                <a16:creationId xmlns:a16="http://schemas.microsoft.com/office/drawing/2014/main" id="{3BC6EBB2-9BDC-4075-BA6B-43A9FBF9C86C}"/>
+              </a:ext>
+              <a:ext uri="{C183D7F6-B498-43B3-948B-1728B52AA6E4}">
+                <adec:decorative xmlns:adec="http://schemas.microsoft.com/office/drawing/2017/decorative" val="1"/>
+              </a:ext>
+            </a:extLst>
+          </p:cNvPr>
+          <p:cNvPicPr>
+            <a:picLocks noGrp="1" noRot="1" noChangeAspect="1" noMove="1" noResize="1" noEditPoints="1" noAdjustHandles="1" noChangeArrowheads="1" noChangeShapeType="1" noCrop="1"/>
+          </p:cNvPicPr>
+          <p:nvPr>
+            <p:extLst>
+              <p:ext uri="{386F3935-93C4-4BCD-93E2-E3B085C9AB24}">
+                <p16:designElem xmlns:p16="http://schemas.microsoft.com/office/powerpoint/2015/main" val="1"/>
+              </p:ext>
+            </p:extLst>
+          </p:nvPr>
+        </p:nvPicPr>
+        <p:blipFill rotWithShape="1">
+          <a:blip r:embed="rId3">
+            <a:extLst>
+              <a:ext uri="{28A0092B-C50C-407E-A947-70E740481C1C}">
+                <a14:useLocalDpi xmlns:a14="http://schemas.microsoft.com/office/drawing/2010/main" val="0"/>
+              </a:ext>
+            </a:extLst>
+          </a:blip>
+          <a:srcRect b="23320"/>
+          <a:stretch/>
+        </p:blipFill>
+        <p:spPr>
+          <a:xfrm>
+            <a:off x="8605878" y="6228080"/>
+            <a:ext cx="993734" cy="762000"/>
+          </a:xfrm>
+          <a:prstGeom prst="rect">
+            <a:avLst/>
+          </a:prstGeom>
+        </p:spPr>
+      </p:pic>
+      <p:sp>
+        <p:nvSpPr>
+          <p:cNvPr id="16" name="Freeform 5">
+            <a:extLst>
+              <a:ext uri="{FF2B5EF4-FFF2-40B4-BE49-F238E27FC236}">
+                <a16:creationId xmlns:a16="http://schemas.microsoft.com/office/drawing/2014/main" id="{F3798573-F27B-47EB-8EA4-7EE34954C2D6}"/>
+              </a:ext>
+              <a:ext uri="{C183D7F6-B498-43B3-948B-1728B52AA6E4}">
+                <adec:decorative xmlns:adec="http://schemas.microsoft.com/office/drawing/2017/decorative" val="1"/>
+              </a:ext>
+            </a:extLst>
+          </p:cNvPr>
+          <p:cNvSpPr>
+            <a:spLocks noGrp="1" noRot="1" noChangeAspect="1" noMove="1" noResize="1" noEditPoints="1" noAdjustHandles="1" noChangeArrowheads="1" noChangeShapeType="1" noTextEdit="1"/>
+          </p:cNvSpPr>
+          <p:nvPr>
+            <p:extLst>
+              <p:ext uri="{386F3935-93C4-4BCD-93E2-E3B085C9AB24}">
+                <p16:designElem xmlns:p16="http://schemas.microsoft.com/office/powerpoint/2015/main" val="1"/>
+              </p:ext>
+            </p:extLst>
+          </p:nvPr>
+        </p:nvSpPr>
+        <p:spPr bwMode="gray">
+          <a:xfrm>
+            <a:off x="-1588" y="0"/>
+            <a:ext cx="12192000" cy="6856413"/>
+          </a:xfrm>
+          <a:custGeom>
+            <a:avLst/>
+            <a:gdLst/>
+            <a:ahLst/>
+            <a:cxnLst/>
+            <a:rect l="0" t="0" r="r" b="b"/>
+            <a:pathLst>
+              <a:path w="15356" h="8638">
+                <a:moveTo>
+                  <a:pt x="0" y="0"/>
+                </a:moveTo>
+                <a:lnTo>
+                  <a:pt x="0" y="8638"/>
+                </a:lnTo>
+                <a:lnTo>
+                  <a:pt x="15356" y="8638"/>
+                </a:lnTo>
+                <a:lnTo>
+                  <a:pt x="15356" y="0"/>
+                </a:lnTo>
+                <a:lnTo>
+                  <a:pt x="0" y="0"/>
+                </a:lnTo>
+                <a:close/>
+                <a:moveTo>
+                  <a:pt x="14748" y="8038"/>
+                </a:moveTo>
+                <a:lnTo>
+                  <a:pt x="600" y="8038"/>
+                </a:lnTo>
+                <a:lnTo>
+                  <a:pt x="600" y="592"/>
+                </a:lnTo>
+                <a:lnTo>
+                  <a:pt x="14748" y="592"/>
+                </a:lnTo>
+                <a:lnTo>
+                  <a:pt x="14748" y="8038"/>
+                </a:lnTo>
+                <a:close/>
+              </a:path>
+            </a:pathLst>
+          </a:custGeom>
+          <a:solidFill>
+            <a:schemeClr val="tx1"/>
+          </a:solidFill>
+          <a:ln>
+            <a:noFill/>
+          </a:ln>
+        </p:spPr>
+      </p:sp>
+      <p:sp>
+        <p:nvSpPr>
           <p:cNvPr id="2" name="Заголовок 1">
             <a:extLst>
               <a:ext uri="{FF2B5EF4-FFF2-40B4-BE49-F238E27FC236}">
@@ -8879,16 +10311,24 @@
             <p:ph type="title"/>
           </p:nvPr>
         </p:nvSpPr>
-        <p:spPr/>
-        <p:txBody>
-          <a:bodyPr/>
+        <p:spPr>
+          <a:xfrm>
+            <a:off x="806195" y="804672"/>
+            <a:ext cx="3521359" cy="5248656"/>
+          </a:xfrm>
+        </p:spPr>
+        <p:txBody>
+          <a:bodyPr anchor="ctr">
+            <a:normAutofit/>
+          </a:bodyPr>
           <a:lstStyle/>
           <a:p>
-            <a:r>
-              <a:rPr lang="pl-PL" dirty="0"/>
+            <a:pPr algn="ctr"/>
+            <a:r>
+              <a:rPr lang="pl-PL"/>
               <a:t>Zespół</a:t>
             </a:r>
-            <a:endParaRPr lang="ru-UA" dirty="0"/>
+            <a:endParaRPr lang="ru-UA"/>
           </a:p>
         </p:txBody>
       </p:sp>
@@ -8908,195 +10348,160 @@
             <p:ph idx="1"/>
           </p:nvPr>
         </p:nvSpPr>
-        <p:spPr/>
-        <p:txBody>
-          <a:bodyPr/>
+        <p:spPr>
+          <a:xfrm>
+            <a:off x="4975861" y="804671"/>
+            <a:ext cx="6399930" cy="5248657"/>
+          </a:xfrm>
+        </p:spPr>
+        <p:txBody>
+          <a:bodyPr anchor="ctr">
+            <a:normAutofit/>
+          </a:bodyPr>
           <a:lstStyle/>
           <a:p>
             <a:r>
-              <a:rPr lang="pl-PL" b="0" dirty="0" err="1">
-                <a:solidFill>
-                  <a:srgbClr val="D4D4D4"/>
-                </a:solidFill>
+              <a:rPr lang="pl-PL" b="0" dirty="0">
                 <a:effectLst/>
                 <a:latin typeface="Consolas" panose="020B0609020204030204" pitchFamily="49" charset="0"/>
               </a:rPr>
-              <a:t>Mykola</a:t>
+              <a:t>Mykola Prokopchuk (</a:t>
+            </a:r>
+            <a:r>
+              <a:rPr lang="en-US" b="0" dirty="0">
+                <a:effectLst/>
+                <a:latin typeface="Consolas" panose="020B0609020204030204" pitchFamily="49" charset="0"/>
+              </a:rPr>
+              <a:t>13506</a:t>
             </a:r>
             <a:r>
               <a:rPr lang="pl-PL" b="0" dirty="0">
-                <a:solidFill>
-                  <a:srgbClr val="D4D4D4"/>
-                </a:solidFill>
+                <a:effectLst/>
+                <a:latin typeface="Consolas" panose="020B0609020204030204" pitchFamily="49" charset="0"/>
+              </a:rPr>
+              <a:t>)</a:t>
+            </a:r>
+            <a:r>
+              <a:rPr lang="en-US" b="0" dirty="0">
                 <a:effectLst/>
                 <a:latin typeface="Consolas" panose="020B0609020204030204" pitchFamily="49" charset="0"/>
               </a:rPr>
               <a:t> </a:t>
             </a:r>
             <a:r>
-              <a:rPr lang="pl-PL" b="0" dirty="0" err="1">
-                <a:solidFill>
-                  <a:srgbClr val="D4D4D4"/>
-                </a:solidFill>
+              <a:rPr lang="en-US" i="1" dirty="0"/>
+              <a:t>(</a:t>
+            </a:r>
+            <a:r>
+              <a:rPr lang="en-US" i="1" dirty="0">
+                <a:hlinkClick r:id="rId4"/>
+              </a:rPr>
+              <a:t>https://github.com/Flittis</a:t>
+            </a:r>
+            <a:r>
+              <a:rPr lang="en-US" i="1" dirty="0"/>
+              <a:t>)</a:t>
+            </a:r>
+            <a:endParaRPr lang="pl-PL" b="0" i="1" dirty="0">
+              <a:effectLst/>
+              <a:latin typeface="Consolas" panose="020B0609020204030204" pitchFamily="49" charset="0"/>
+            </a:endParaRPr>
+          </a:p>
+          <a:p>
+            <a:r>
+              <a:rPr lang="pl-PL" b="0" dirty="0">
                 <a:effectLst/>
                 <a:latin typeface="Consolas" panose="020B0609020204030204" pitchFamily="49" charset="0"/>
               </a:rPr>
-              <a:t>Prokopchuk</a:t>
-            </a:r>
-            <a:r>
-              <a:rPr lang="pl-PL" b="0" dirty="0">
-                <a:solidFill>
-                  <a:srgbClr val="D4D4D4"/>
-                </a:solidFill>
+              <a:t>Zakhar Tereshchenko (</a:t>
+            </a:r>
+            <a:r>
+              <a:rPr lang="en-US" b="0" dirty="0">
                 <a:effectLst/>
                 <a:latin typeface="Consolas" panose="020B0609020204030204" pitchFamily="49" charset="0"/>
               </a:rPr>
-              <a:t> (</a:t>
-            </a:r>
-            <a:r>
-              <a:rPr lang="en-US" b="0" dirty="0">
-                <a:solidFill>
-                  <a:srgbClr val="D4D4D4"/>
-                </a:solidFill>
-                <a:effectLst/>
-                <a:latin typeface="Consolas" panose="020B0609020204030204" pitchFamily="49" charset="0"/>
-              </a:rPr>
-              <a:t>13506</a:t>
+              <a:t>13505</a:t>
             </a:r>
             <a:r>
               <a:rPr lang="pl-PL" b="0" dirty="0">
-                <a:solidFill>
-                  <a:srgbClr val="D4D4D4"/>
-                </a:solidFill>
                 <a:effectLst/>
                 <a:latin typeface="Consolas" panose="020B0609020204030204" pitchFamily="49" charset="0"/>
               </a:rPr>
               <a:t>)</a:t>
             </a:r>
-          </a:p>
-          <a:p>
-            <a:r>
-              <a:rPr lang="pl-PL" b="0" dirty="0" err="1">
-                <a:solidFill>
-                  <a:srgbClr val="D4D4D4"/>
-                </a:solidFill>
-                <a:effectLst/>
-                <a:latin typeface="Consolas" panose="020B0609020204030204" pitchFamily="49" charset="0"/>
-              </a:rPr>
-              <a:t>Zakhar</a:t>
-            </a:r>
-            <a:r>
-              <a:rPr lang="pl-PL" b="0" dirty="0">
-                <a:solidFill>
-                  <a:srgbClr val="D4D4D4"/>
-                </a:solidFill>
+            <a:r>
+              <a:rPr lang="en-US" b="0" dirty="0">
                 <a:effectLst/>
                 <a:latin typeface="Consolas" panose="020B0609020204030204" pitchFamily="49" charset="0"/>
               </a:rPr>
               <a:t> </a:t>
             </a:r>
             <a:r>
-              <a:rPr lang="pl-PL" b="0" dirty="0" err="1">
-                <a:solidFill>
-                  <a:srgbClr val="D4D4D4"/>
-                </a:solidFill>
+              <a:rPr lang="en-US" i="1" dirty="0"/>
+              <a:t>(</a:t>
+            </a:r>
+            <a:r>
+              <a:rPr lang="en-US" i="1" dirty="0">
+                <a:hlinkClick r:id="rId5"/>
+              </a:rPr>
+              <a:t>https://github.com/zakhartereshchenko</a:t>
+            </a:r>
+            <a:r>
+              <a:rPr lang="en-US" i="1" dirty="0"/>
+              <a:t>)</a:t>
+            </a:r>
+            <a:endParaRPr lang="pl-PL" b="0" i="1" dirty="0">
+              <a:effectLst/>
+              <a:latin typeface="Consolas" panose="020B0609020204030204" pitchFamily="49" charset="0"/>
+            </a:endParaRPr>
+          </a:p>
+          <a:p>
+            <a:r>
+              <a:rPr lang="pl-PL" b="0" dirty="0">
                 <a:effectLst/>
                 <a:latin typeface="Consolas" panose="020B0609020204030204" pitchFamily="49" charset="0"/>
               </a:rPr>
-              <a:t>Tereshchenko</a:t>
-            </a:r>
-            <a:r>
-              <a:rPr lang="pl-PL" b="0" dirty="0">
-                <a:solidFill>
-                  <a:srgbClr val="D4D4D4"/>
-                </a:solidFill>
+              <a:t>Dmytro Baryshniuk (</a:t>
+            </a:r>
+            <a:r>
+              <a:rPr lang="en-US" b="0" dirty="0">
                 <a:effectLst/>
                 <a:latin typeface="Consolas" panose="020B0609020204030204" pitchFamily="49" charset="0"/>
               </a:rPr>
-              <a:t> (</a:t>
-            </a:r>
-            <a:r>
-              <a:rPr lang="en-US" b="0" dirty="0">
-                <a:solidFill>
-                  <a:srgbClr val="D4D4D4"/>
-                </a:solidFill>
-                <a:effectLst/>
-                <a:latin typeface="Consolas" panose="020B0609020204030204" pitchFamily="49" charset="0"/>
-              </a:rPr>
-              <a:t>13505</a:t>
+              <a:t>12617</a:t>
             </a:r>
             <a:r>
               <a:rPr lang="pl-PL" b="0" dirty="0">
-                <a:solidFill>
-                  <a:srgbClr val="D4D4D4"/>
-                </a:solidFill>
                 <a:effectLst/>
                 <a:latin typeface="Consolas" panose="020B0609020204030204" pitchFamily="49" charset="0"/>
               </a:rPr>
               <a:t>)</a:t>
             </a:r>
-          </a:p>
-          <a:p>
-            <a:r>
-              <a:rPr lang="pl-PL" b="0" dirty="0" err="1">
-                <a:solidFill>
-                  <a:srgbClr val="D4D4D4"/>
-                </a:solidFill>
-                <a:effectLst/>
-                <a:latin typeface="Consolas" panose="020B0609020204030204" pitchFamily="49" charset="0"/>
-              </a:rPr>
-              <a:t>Dmytro</a:t>
-            </a:r>
-            <a:r>
-              <a:rPr lang="pl-PL" b="0" dirty="0">
-                <a:solidFill>
-                  <a:srgbClr val="D4D4D4"/>
-                </a:solidFill>
+            <a:r>
+              <a:rPr lang="en-US" b="0" dirty="0">
                 <a:effectLst/>
                 <a:latin typeface="Consolas" panose="020B0609020204030204" pitchFamily="49" charset="0"/>
               </a:rPr>
               <a:t> </a:t>
             </a:r>
             <a:r>
-              <a:rPr lang="pl-PL" b="0" dirty="0" err="1">
-                <a:solidFill>
-                  <a:srgbClr val="D4D4D4"/>
-                </a:solidFill>
-                <a:effectLst/>
-                <a:latin typeface="Consolas" panose="020B0609020204030204" pitchFamily="49" charset="0"/>
+              <a:rPr lang="en-US" i="1" dirty="0"/>
+              <a:t>(</a:t>
+            </a:r>
+            <a:r>
+              <a:rPr lang="en-US" i="1" dirty="0">
+                <a:hlinkClick r:id="rId6"/>
               </a:rPr>
-              <a:t>Baryshniuk</a:t>
-            </a:r>
-            <a:r>
-              <a:rPr lang="pl-PL" b="0" dirty="0">
-                <a:solidFill>
-                  <a:srgbClr val="D4D4D4"/>
-                </a:solidFill>
-                <a:effectLst/>
-                <a:latin typeface="Consolas" panose="020B0609020204030204" pitchFamily="49" charset="0"/>
-              </a:rPr>
-              <a:t> (</a:t>
-            </a:r>
-            <a:r>
-              <a:rPr lang="en-US" b="0" dirty="0">
-                <a:solidFill>
-                  <a:srgbClr val="D4D4D4"/>
-                </a:solidFill>
-                <a:effectLst/>
-                <a:latin typeface="Consolas" panose="020B0609020204030204" pitchFamily="49" charset="0"/>
-              </a:rPr>
-              <a:t>12617</a:t>
-            </a:r>
-            <a:r>
-              <a:rPr lang="pl-PL" b="0" dirty="0">
-                <a:solidFill>
-                  <a:srgbClr val="D4D4D4"/>
-                </a:solidFill>
-                <a:effectLst/>
-                <a:latin typeface="Consolas" panose="020B0609020204030204" pitchFamily="49" charset="0"/>
-              </a:rPr>
+              <a:t>https://github.com/DmytroBaryshniuk</a:t>
+            </a:r>
+            <a:r>
+              <a:rPr lang="en-US" i="1" dirty="0"/>
               <a:t>)</a:t>
             </a:r>
+            <a:endParaRPr lang="pl-PL" b="0" i="1" dirty="0">
+              <a:effectLst/>
+              <a:latin typeface="Consolas" panose="020B0609020204030204" pitchFamily="49" charset="0"/>
+            </a:endParaRPr>
           </a:p>
         </p:txBody>
       </p:sp>
@@ -9104,6 +10509,519 @@
     <p:extLst>
       <p:ext uri="{BB962C8B-B14F-4D97-AF65-F5344CB8AC3E}">
         <p14:creationId xmlns:p14="http://schemas.microsoft.com/office/powerpoint/2010/main" val="256327961"/>
+      </p:ext>
+    </p:extLst>
+  </p:cSld>
+  <p:clrMapOvr>
+    <a:masterClrMapping/>
+  </p:clrMapOvr>
+</p:sld>
+</file>
+
+<file path=ppt/slides/slide7.xml><?xml version="1.0" encoding="utf-8"?>
+<p:sld xmlns:a="http://schemas.openxmlformats.org/drawingml/2006/main" xmlns:r="http://schemas.openxmlformats.org/officeDocument/2006/relationships" xmlns:p="http://schemas.openxmlformats.org/presentationml/2006/main">
+  <p:cSld>
+    <p:bg>
+      <p:bgPr>
+        <a:solidFill>
+          <a:schemeClr val="bg1"/>
+        </a:solidFill>
+        <a:effectLst/>
+      </p:bgPr>
+    </p:bg>
+    <p:spTree>
+      <p:nvGrpSpPr>
+        <p:cNvPr id="1" name=""/>
+        <p:cNvGrpSpPr/>
+        <p:nvPr/>
+      </p:nvGrpSpPr>
+      <p:grpSpPr>
+        <a:xfrm>
+          <a:off x="0" y="0"/>
+          <a:ext cx="0" cy="0"/>
+          <a:chOff x="0" y="0"/>
+          <a:chExt cx="0" cy="0"/>
+        </a:xfrm>
+      </p:grpSpPr>
+      <p:pic>
+        <p:nvPicPr>
+          <p:cNvPr id="71" name="Picture 70">
+            <a:extLst>
+              <a:ext uri="{FF2B5EF4-FFF2-40B4-BE49-F238E27FC236}">
+                <a16:creationId xmlns:a16="http://schemas.microsoft.com/office/drawing/2014/main" id="{DF19BAF3-7E20-4B9D-B544-BABAEEA1FA75}"/>
+              </a:ext>
+              <a:ext uri="{C183D7F6-B498-43B3-948B-1728B52AA6E4}">
+                <adec:decorative xmlns:adec="http://schemas.microsoft.com/office/drawing/2017/decorative" val="1"/>
+              </a:ext>
+            </a:extLst>
+          </p:cNvPr>
+          <p:cNvPicPr>
+            <a:picLocks noGrp="1" noRot="1" noChangeAspect="1" noMove="1" noResize="1" noEditPoints="1" noAdjustHandles="1" noChangeArrowheads="1" noChangeShapeType="1" noCrop="1"/>
+          </p:cNvPicPr>
+          <p:nvPr>
+            <p:extLst>
+              <p:ext uri="{386F3935-93C4-4BCD-93E2-E3B085C9AB24}">
+                <p16:designElem xmlns:p16="http://schemas.microsoft.com/office/powerpoint/2015/main" val="1"/>
+              </p:ext>
+            </p:extLst>
+          </p:nvPr>
+        </p:nvPicPr>
+        <p:blipFill rotWithShape="1">
+          <a:blip r:embed="rId2">
+            <a:extLst>
+              <a:ext uri="{28A0092B-C50C-407E-A947-70E740481C1C}">
+                <a14:useLocalDpi xmlns:a14="http://schemas.microsoft.com/office/drawing/2010/main" val="0"/>
+              </a:ext>
+            </a:extLst>
+          </a:blip>
+          <a:srcRect l="3613"/>
+          <a:stretch/>
+        </p:blipFill>
+        <p:spPr>
+          <a:xfrm>
+            <a:off x="0" y="2669685"/>
+            <a:ext cx="4037012" cy="4188315"/>
+          </a:xfrm>
+          <a:prstGeom prst="rect">
+            <a:avLst/>
+          </a:prstGeom>
+        </p:spPr>
+      </p:pic>
+      <p:pic>
+        <p:nvPicPr>
+          <p:cNvPr id="73" name="Picture 72">
+            <a:extLst>
+              <a:ext uri="{FF2B5EF4-FFF2-40B4-BE49-F238E27FC236}">
+                <a16:creationId xmlns:a16="http://schemas.microsoft.com/office/drawing/2014/main" id="{950648F4-ABCD-4DF0-8641-76CFB2354721}"/>
+              </a:ext>
+              <a:ext uri="{C183D7F6-B498-43B3-948B-1728B52AA6E4}">
+                <adec:decorative xmlns:adec="http://schemas.microsoft.com/office/drawing/2017/decorative" val="1"/>
+              </a:ext>
+            </a:extLst>
+          </p:cNvPr>
+          <p:cNvPicPr>
+            <a:picLocks noGrp="1" noRot="1" noChangeAspect="1" noMove="1" noResize="1" noEditPoints="1" noAdjustHandles="1" noChangeArrowheads="1" noChangeShapeType="1" noCrop="1"/>
+          </p:cNvPicPr>
+          <p:nvPr>
+            <p:extLst>
+              <p:ext uri="{386F3935-93C4-4BCD-93E2-E3B085C9AB24}">
+                <p16:designElem xmlns:p16="http://schemas.microsoft.com/office/powerpoint/2015/main" val="1"/>
+              </p:ext>
+            </p:extLst>
+          </p:nvPr>
+        </p:nvPicPr>
+        <p:blipFill rotWithShape="1">
+          <a:blip r:embed="rId3">
+            <a:extLst>
+              <a:ext uri="{28A0092B-C50C-407E-A947-70E740481C1C}">
+                <a14:useLocalDpi xmlns:a14="http://schemas.microsoft.com/office/drawing/2010/main" val="0"/>
+              </a:ext>
+            </a:extLst>
+          </a:blip>
+          <a:srcRect l="35640"/>
+          <a:stretch/>
+        </p:blipFill>
+        <p:spPr>
+          <a:xfrm>
+            <a:off x="0" y="2892347"/>
+            <a:ext cx="1522412" cy="2365453"/>
+          </a:xfrm>
+          <a:prstGeom prst="rect">
+            <a:avLst/>
+          </a:prstGeom>
+        </p:spPr>
+      </p:pic>
+      <p:sp>
+        <p:nvSpPr>
+          <p:cNvPr id="75" name="Oval 74">
+            <a:extLst>
+              <a:ext uri="{FF2B5EF4-FFF2-40B4-BE49-F238E27FC236}">
+                <a16:creationId xmlns:a16="http://schemas.microsoft.com/office/drawing/2014/main" id="{989BE678-777B-482A-A616-FEDC47B162E5}"/>
+              </a:ext>
+              <a:ext uri="{C183D7F6-B498-43B3-948B-1728B52AA6E4}">
+                <adec:decorative xmlns:adec="http://schemas.microsoft.com/office/drawing/2017/decorative" val="1"/>
+              </a:ext>
+            </a:extLst>
+          </p:cNvPr>
+          <p:cNvSpPr>
+            <a:spLocks noGrp="1" noRot="1" noChangeAspect="1" noMove="1" noResize="1" noEditPoints="1" noAdjustHandles="1" noChangeArrowheads="1" noChangeShapeType="1" noTextEdit="1"/>
+          </p:cNvSpPr>
+          <p:nvPr>
+            <p:extLst>
+              <p:ext uri="{386F3935-93C4-4BCD-93E2-E3B085C9AB24}">
+                <p16:designElem xmlns:p16="http://schemas.microsoft.com/office/powerpoint/2015/main" val="1"/>
+              </p:ext>
+            </p:extLst>
+          </p:nvPr>
+        </p:nvSpPr>
+        <p:spPr>
+          <a:xfrm>
+            <a:off x="8609012" y="1676400"/>
+            <a:ext cx="2819400" cy="2819400"/>
+          </a:xfrm>
+          <a:prstGeom prst="ellipse">
+            <a:avLst/>
+          </a:prstGeom>
+          <a:gradFill flip="none" rotWithShape="1">
+            <a:gsLst>
+              <a:gs pos="0">
+                <a:schemeClr val="bg2">
+                  <a:lumMod val="60000"/>
+                  <a:lumOff val="40000"/>
+                  <a:alpha val="7000"/>
+                </a:schemeClr>
+              </a:gs>
+              <a:gs pos="69000">
+                <a:schemeClr val="bg2">
+                  <a:lumMod val="60000"/>
+                  <a:lumOff val="40000"/>
+                  <a:alpha val="0"/>
+                </a:schemeClr>
+              </a:gs>
+              <a:gs pos="36000">
+                <a:schemeClr val="bg2">
+                  <a:lumMod val="60000"/>
+                  <a:lumOff val="40000"/>
+                  <a:alpha val="6000"/>
+                </a:schemeClr>
+              </a:gs>
+            </a:gsLst>
+            <a:path path="circle">
+              <a:fillToRect l="50000" t="50000" r="50000" b="50000"/>
+            </a:path>
+            <a:tileRect/>
+          </a:gradFill>
+          <a:ln>
+            <a:noFill/>
+          </a:ln>
+          <a:effectLst/>
+        </p:spPr>
+        <p:style>
+          <a:lnRef idx="1">
+            <a:schemeClr val="accent1"/>
+          </a:lnRef>
+          <a:fillRef idx="3">
+            <a:schemeClr val="accent1"/>
+          </a:fillRef>
+          <a:effectRef idx="2">
+            <a:schemeClr val="accent1"/>
+          </a:effectRef>
+          <a:fontRef idx="minor">
+            <a:schemeClr val="lt1"/>
+          </a:fontRef>
+        </p:style>
+      </p:sp>
+      <p:pic>
+        <p:nvPicPr>
+          <p:cNvPr id="77" name="Picture 76">
+            <a:extLst>
+              <a:ext uri="{FF2B5EF4-FFF2-40B4-BE49-F238E27FC236}">
+                <a16:creationId xmlns:a16="http://schemas.microsoft.com/office/drawing/2014/main" id="{CF1EB4BD-9C7E-4AA3-9681-C7EB0DA6250B}"/>
+              </a:ext>
+              <a:ext uri="{C183D7F6-B498-43B3-948B-1728B52AA6E4}">
+                <adec:decorative xmlns:adec="http://schemas.microsoft.com/office/drawing/2017/decorative" val="1"/>
+              </a:ext>
+            </a:extLst>
+          </p:cNvPr>
+          <p:cNvPicPr>
+            <a:picLocks noGrp="1" noRot="1" noChangeAspect="1" noMove="1" noResize="1" noEditPoints="1" noAdjustHandles="1" noChangeArrowheads="1" noChangeShapeType="1" noCrop="1"/>
+          </p:cNvPicPr>
+          <p:nvPr>
+            <p:extLst>
+              <p:ext uri="{386F3935-93C4-4BCD-93E2-E3B085C9AB24}">
+                <p16:designElem xmlns:p16="http://schemas.microsoft.com/office/powerpoint/2015/main" val="1"/>
+              </p:ext>
+            </p:extLst>
+          </p:nvPr>
+        </p:nvPicPr>
+        <p:blipFill rotWithShape="1">
+          <a:blip r:embed="rId4">
+            <a:extLst>
+              <a:ext uri="{28A0092B-C50C-407E-A947-70E740481C1C}">
+                <a14:useLocalDpi xmlns:a14="http://schemas.microsoft.com/office/drawing/2010/main" val="0"/>
+              </a:ext>
+            </a:extLst>
+          </a:blip>
+          <a:srcRect t="28813"/>
+          <a:stretch/>
+        </p:blipFill>
+        <p:spPr>
+          <a:xfrm>
+            <a:off x="7999412" y="0"/>
+            <a:ext cx="1603387" cy="1141407"/>
+          </a:xfrm>
+          <a:prstGeom prst="rect">
+            <a:avLst/>
+          </a:prstGeom>
+        </p:spPr>
+      </p:pic>
+      <p:pic>
+        <p:nvPicPr>
+          <p:cNvPr id="79" name="Picture 78">
+            <a:extLst>
+              <a:ext uri="{FF2B5EF4-FFF2-40B4-BE49-F238E27FC236}">
+                <a16:creationId xmlns:a16="http://schemas.microsoft.com/office/drawing/2014/main" id="{94AAE3AA-3759-4D28-B0EF-575F25A5146C}"/>
+              </a:ext>
+              <a:ext uri="{C183D7F6-B498-43B3-948B-1728B52AA6E4}">
+                <adec:decorative xmlns:adec="http://schemas.microsoft.com/office/drawing/2017/decorative" val="1"/>
+              </a:ext>
+            </a:extLst>
+          </p:cNvPr>
+          <p:cNvPicPr>
+            <a:picLocks noGrp="1" noRot="1" noChangeAspect="1" noMove="1" noResize="1" noEditPoints="1" noAdjustHandles="1" noChangeArrowheads="1" noChangeShapeType="1" noCrop="1"/>
+          </p:cNvPicPr>
+          <p:nvPr>
+            <p:extLst>
+              <p:ext uri="{386F3935-93C4-4BCD-93E2-E3B085C9AB24}">
+                <p16:designElem xmlns:p16="http://schemas.microsoft.com/office/powerpoint/2015/main" val="1"/>
+              </p:ext>
+            </p:extLst>
+          </p:nvPr>
+        </p:nvPicPr>
+        <p:blipFill rotWithShape="1">
+          <a:blip r:embed="rId5">
+            <a:extLst>
+              <a:ext uri="{28A0092B-C50C-407E-A947-70E740481C1C}">
+                <a14:useLocalDpi xmlns:a14="http://schemas.microsoft.com/office/drawing/2010/main" val="0"/>
+              </a:ext>
+            </a:extLst>
+          </a:blip>
+          <a:srcRect b="23320"/>
+          <a:stretch/>
+        </p:blipFill>
+        <p:spPr>
+          <a:xfrm>
+            <a:off x="8605878" y="6096000"/>
+            <a:ext cx="993734" cy="762000"/>
+          </a:xfrm>
+          <a:prstGeom prst="rect">
+            <a:avLst/>
+          </a:prstGeom>
+        </p:spPr>
+      </p:pic>
+      <p:sp>
+        <p:nvSpPr>
+          <p:cNvPr id="81" name="Rectangle 80">
+            <a:extLst>
+              <a:ext uri="{FF2B5EF4-FFF2-40B4-BE49-F238E27FC236}">
+                <a16:creationId xmlns:a16="http://schemas.microsoft.com/office/drawing/2014/main" id="{D28BE0C3-2102-4820-B88B-A448B1840D14}"/>
+              </a:ext>
+              <a:ext uri="{C183D7F6-B498-43B3-948B-1728B52AA6E4}">
+                <adec:decorative xmlns:adec="http://schemas.microsoft.com/office/drawing/2017/decorative" val="1"/>
+              </a:ext>
+            </a:extLst>
+          </p:cNvPr>
+          <p:cNvSpPr>
+            <a:spLocks noGrp="1" noRot="1" noChangeAspect="1" noMove="1" noResize="1" noEditPoints="1" noAdjustHandles="1" noChangeArrowheads="1" noChangeShapeType="1" noTextEdit="1"/>
+          </p:cNvSpPr>
+          <p:nvPr>
+            <p:extLst>
+              <p:ext uri="{386F3935-93C4-4BCD-93E2-E3B085C9AB24}">
+                <p16:designElem xmlns:p16="http://schemas.microsoft.com/office/powerpoint/2015/main" val="1"/>
+              </p:ext>
+            </p:extLst>
+          </p:nvPr>
+        </p:nvSpPr>
+        <p:spPr>
+          <a:xfrm>
+            <a:off x="10437812" y="0"/>
+            <a:ext cx="685800" cy="1143000"/>
+          </a:xfrm>
+          <a:prstGeom prst="rect">
+            <a:avLst/>
+          </a:prstGeom>
+          <a:solidFill>
+            <a:schemeClr val="accent1"/>
+          </a:solidFill>
+          <a:ln>
+            <a:noFill/>
+          </a:ln>
+        </p:spPr>
+        <p:style>
+          <a:lnRef idx="1">
+            <a:schemeClr val="accent1"/>
+          </a:lnRef>
+          <a:fillRef idx="3">
+            <a:schemeClr val="accent1"/>
+          </a:fillRef>
+          <a:effectRef idx="2">
+            <a:schemeClr val="accent1"/>
+          </a:effectRef>
+          <a:fontRef idx="minor">
+            <a:schemeClr val="lt1"/>
+          </a:fontRef>
+        </p:style>
+      </p:sp>
+      <p:sp useBgFill="1">
+        <p:nvSpPr>
+          <p:cNvPr id="83" name="Rectangle 82">
+            <a:extLst>
+              <a:ext uri="{FF2B5EF4-FFF2-40B4-BE49-F238E27FC236}">
+                <a16:creationId xmlns:a16="http://schemas.microsoft.com/office/drawing/2014/main" id="{A4322390-8B58-46BE-88EB-D9FD30C08743}"/>
+              </a:ext>
+              <a:ext uri="{C183D7F6-B498-43B3-948B-1728B52AA6E4}">
+                <adec:decorative xmlns:adec="http://schemas.microsoft.com/office/drawing/2017/decorative" val="1"/>
+              </a:ext>
+            </a:extLst>
+          </p:cNvPr>
+          <p:cNvSpPr>
+            <a:spLocks noGrp="1" noRot="1" noChangeAspect="1" noMove="1" noResize="1" noEditPoints="1" noAdjustHandles="1" noChangeArrowheads="1" noChangeShapeType="1" noTextEdit="1"/>
+          </p:cNvSpPr>
+          <p:nvPr>
+            <p:extLst>
+              <p:ext uri="{386F3935-93C4-4BCD-93E2-E3B085C9AB24}">
+                <p16:designElem xmlns:p16="http://schemas.microsoft.com/office/powerpoint/2015/main" val="1"/>
+              </p:ext>
+            </p:extLst>
+          </p:nvPr>
+        </p:nvSpPr>
+        <p:spPr>
+          <a:xfrm>
+            <a:off x="0" y="0"/>
+            <a:ext cx="12192000" cy="6858000"/>
+          </a:xfrm>
+          <a:prstGeom prst="rect">
+            <a:avLst/>
+          </a:prstGeom>
+          <a:ln>
+            <a:noFill/>
+          </a:ln>
+        </p:spPr>
+        <p:style>
+          <a:lnRef idx="2">
+            <a:schemeClr val="accent1">
+              <a:shade val="50000"/>
+            </a:schemeClr>
+          </a:lnRef>
+          <a:fillRef idx="1">
+            <a:schemeClr val="accent1"/>
+          </a:fillRef>
+          <a:effectRef idx="0">
+            <a:schemeClr val="accent1"/>
+          </a:effectRef>
+          <a:fontRef idx="minor">
+            <a:schemeClr val="lt1"/>
+          </a:fontRef>
+        </p:style>
+        <p:txBody>
+          <a:bodyPr rtlCol="0" anchor="ctr"/>
+          <a:lstStyle/>
+          <a:p>
+            <a:pPr algn="ctr"/>
+            <a:endParaRPr lang="en-US"/>
+          </a:p>
+        </p:txBody>
+      </p:sp>
+      <p:pic>
+        <p:nvPicPr>
+          <p:cNvPr id="1026" name="Picture 2">
+            <a:extLst>
+              <a:ext uri="{FF2B5EF4-FFF2-40B4-BE49-F238E27FC236}">
+                <a16:creationId xmlns:a16="http://schemas.microsoft.com/office/drawing/2014/main" id="{7BF7480A-F9B7-4830-9D9F-27413886C07E}"/>
+              </a:ext>
+            </a:extLst>
+          </p:cNvPr>
+          <p:cNvPicPr>
+            <a:picLocks noChangeAspect="1" noChangeArrowheads="1"/>
+          </p:cNvPicPr>
+          <p:nvPr/>
+        </p:nvPicPr>
+        <p:blipFill rotWithShape="1">
+          <a:blip r:embed="rId6">
+            <a:alphaModFix amt="40000"/>
+            <a:extLst>
+              <a:ext uri="{28A0092B-C50C-407E-A947-70E740481C1C}">
+                <a14:useLocalDpi xmlns:a14="http://schemas.microsoft.com/office/drawing/2010/main" val="0"/>
+              </a:ext>
+            </a:extLst>
+          </a:blip>
+          <a:srcRect t="34814" b="12452"/>
+          <a:stretch/>
+        </p:blipFill>
+        <p:spPr bwMode="auto">
+          <a:xfrm>
+            <a:off x="20" y="10"/>
+            <a:ext cx="12191980" cy="6857990"/>
+          </a:xfrm>
+          <a:prstGeom prst="rect">
+            <a:avLst/>
+          </a:prstGeom>
+          <a:noFill/>
+          <a:extLst>
+            <a:ext uri="{909E8E84-426E-40DD-AFC4-6F175D3DCCD1}">
+              <a14:hiddenFill xmlns:a14="http://schemas.microsoft.com/office/drawing/2010/main">
+                <a:solidFill>
+                  <a:srgbClr val="FFFFFF"/>
+                </a:solidFill>
+              </a14:hiddenFill>
+            </a:ext>
+          </a:extLst>
+        </p:spPr>
+      </p:pic>
+      <p:sp>
+        <p:nvSpPr>
+          <p:cNvPr id="2" name="Title 1">
+            <a:extLst>
+              <a:ext uri="{FF2B5EF4-FFF2-40B4-BE49-F238E27FC236}">
+                <a16:creationId xmlns:a16="http://schemas.microsoft.com/office/drawing/2014/main" id="{549EB712-B07E-4594-9F07-880A6D797D6E}"/>
+              </a:ext>
+            </a:extLst>
+          </p:cNvPr>
+          <p:cNvSpPr>
+            <a:spLocks noGrp="1"/>
+          </p:cNvSpPr>
+          <p:nvPr>
+            <p:ph type="title"/>
+          </p:nvPr>
+        </p:nvSpPr>
+        <p:spPr>
+          <a:xfrm>
+            <a:off x="1154955" y="3635974"/>
+            <a:ext cx="9436846" cy="1141407"/>
+          </a:xfrm>
+        </p:spPr>
+        <p:txBody>
+          <a:bodyPr vert="horz" lIns="91440" tIns="45720" rIns="91440" bIns="45720" rtlCol="0" anchor="b">
+            <a:normAutofit fontScale="90000"/>
+          </a:bodyPr>
+          <a:lstStyle/>
+          <a:p>
+            <a:r>
+              <a:rPr lang="en-US" sz="7200" dirty="0" err="1">
+                <a:solidFill>
+                  <a:schemeClr val="tx1"/>
+                </a:solidFill>
+              </a:rPr>
+              <a:t>Dziękujemy</a:t>
+            </a:r>
+            <a:r>
+              <a:rPr lang="en-US" sz="7200" dirty="0">
+                <a:solidFill>
+                  <a:schemeClr val="tx1"/>
+                </a:solidFill>
+              </a:rPr>
+              <a:t> za </a:t>
+            </a:r>
+            <a:r>
+              <a:rPr lang="en-US" sz="7200" dirty="0" err="1">
+                <a:solidFill>
+                  <a:schemeClr val="tx1"/>
+                </a:solidFill>
+              </a:rPr>
+              <a:t>uwagę</a:t>
+            </a:r>
+            <a:endParaRPr lang="en-US" sz="7200" dirty="0">
+              <a:solidFill>
+                <a:schemeClr val="tx1"/>
+              </a:solidFill>
+            </a:endParaRPr>
+          </a:p>
+        </p:txBody>
+      </p:sp>
+    </p:spTree>
+    <p:extLst>
+      <p:ext uri="{BB962C8B-B14F-4D97-AF65-F5344CB8AC3E}">
+        <p14:creationId xmlns:p14="http://schemas.microsoft.com/office/powerpoint/2010/main" val="2367042064"/>
       </p:ext>
     </p:extLst>
   </p:cSld>

--- a/SimpleCloud.pptx
+++ b/SimpleCloud.pptx
@@ -8,10 +8,13 @@
     <p:sldId id="256" r:id="rId2"/>
     <p:sldId id="257" r:id="rId3"/>
     <p:sldId id="258" r:id="rId4"/>
-    <p:sldId id="259" r:id="rId5"/>
-    <p:sldId id="262" r:id="rId6"/>
-    <p:sldId id="260" r:id="rId7"/>
-    <p:sldId id="261" r:id="rId8"/>
+    <p:sldId id="264" r:id="rId5"/>
+    <p:sldId id="263" r:id="rId6"/>
+    <p:sldId id="265" r:id="rId7"/>
+    <p:sldId id="259" r:id="rId8"/>
+    <p:sldId id="262" r:id="rId9"/>
+    <p:sldId id="260" r:id="rId10"/>
+    <p:sldId id="261" r:id="rId11"/>
   </p:sldIdLst>
   <p:sldSz cx="12192000" cy="6858000"/>
   <p:notesSz cx="6858000" cy="9144000"/>
@@ -304,7 +307,7 @@
           <a:p>
             <a:fld id="{091F3938-AD95-4596-9336-33B58B527CCD}" type="datetimeFigureOut">
               <a:rPr lang="ru-UA" smtClean="0"/>
-              <a:t>03/16/2022</a:t>
+              <a:t>03/17/2022</a:t>
             </a:fld>
             <a:endParaRPr lang="ru-UA" dirty="0"/>
           </a:p>
@@ -579,7 +582,7 @@
           <a:p>
             <a:fld id="{091F3938-AD95-4596-9336-33B58B527CCD}" type="datetimeFigureOut">
               <a:rPr lang="ru-UA" smtClean="0"/>
-              <a:t>03/16/2022</a:t>
+              <a:t>03/17/2022</a:t>
             </a:fld>
             <a:endParaRPr lang="ru-UA" dirty="0"/>
           </a:p>
@@ -773,7 +776,7 @@
           <a:p>
             <a:fld id="{091F3938-AD95-4596-9336-33B58B527CCD}" type="datetimeFigureOut">
               <a:rPr lang="ru-UA" smtClean="0"/>
-              <a:t>03/16/2022</a:t>
+              <a:t>03/17/2022</a:t>
             </a:fld>
             <a:endParaRPr lang="ru-UA" dirty="0"/>
           </a:p>
@@ -1046,7 +1049,7 @@
           <a:p>
             <a:fld id="{091F3938-AD95-4596-9336-33B58B527CCD}" type="datetimeFigureOut">
               <a:rPr lang="ru-UA" smtClean="0"/>
-              <a:t>03/16/2022</a:t>
+              <a:t>03/17/2022</a:t>
             </a:fld>
             <a:endParaRPr lang="ru-UA" dirty="0"/>
           </a:p>
@@ -1387,7 +1390,7 @@
           <a:p>
             <a:fld id="{091F3938-AD95-4596-9336-33B58B527CCD}" type="datetimeFigureOut">
               <a:rPr lang="ru-UA" smtClean="0"/>
-              <a:t>03/16/2022</a:t>
+              <a:t>03/17/2022</a:t>
             </a:fld>
             <a:endParaRPr lang="ru-UA" dirty="0"/>
           </a:p>
@@ -2010,7 +2013,7 @@
           <a:p>
             <a:fld id="{091F3938-AD95-4596-9336-33B58B527CCD}" type="datetimeFigureOut">
               <a:rPr lang="ru-UA" smtClean="0"/>
-              <a:t>03/16/2022</a:t>
+              <a:t>03/17/2022</a:t>
             </a:fld>
             <a:endParaRPr lang="ru-UA" dirty="0"/>
           </a:p>
@@ -2870,7 +2873,7 @@
           <a:p>
             <a:fld id="{091F3938-AD95-4596-9336-33B58B527CCD}" type="datetimeFigureOut">
               <a:rPr lang="ru-UA" smtClean="0"/>
-              <a:t>03/16/2022</a:t>
+              <a:t>03/17/2022</a:t>
             </a:fld>
             <a:endParaRPr lang="ru-UA" dirty="0"/>
           </a:p>
@@ -3040,7 +3043,7 @@
           <a:p>
             <a:fld id="{091F3938-AD95-4596-9336-33B58B527CCD}" type="datetimeFigureOut">
               <a:rPr lang="ru-UA" smtClean="0"/>
-              <a:t>03/16/2022</a:t>
+              <a:t>03/17/2022</a:t>
             </a:fld>
             <a:endParaRPr lang="ru-UA" dirty="0"/>
           </a:p>
@@ -3220,7 +3223,7 @@
           <a:p>
             <a:fld id="{091F3938-AD95-4596-9336-33B58B527CCD}" type="datetimeFigureOut">
               <a:rPr lang="ru-UA" smtClean="0"/>
-              <a:t>03/16/2022</a:t>
+              <a:t>03/17/2022</a:t>
             </a:fld>
             <a:endParaRPr lang="ru-UA" dirty="0"/>
           </a:p>
@@ -3390,7 +3393,7 @@
           <a:p>
             <a:fld id="{091F3938-AD95-4596-9336-33B58B527CCD}" type="datetimeFigureOut">
               <a:rPr lang="ru-UA" smtClean="0"/>
-              <a:t>03/16/2022</a:t>
+              <a:t>03/17/2022</a:t>
             </a:fld>
             <a:endParaRPr lang="ru-UA" dirty="0"/>
           </a:p>
@@ -3637,7 +3640,7 @@
           <a:p>
             <a:fld id="{091F3938-AD95-4596-9336-33B58B527CCD}" type="datetimeFigureOut">
               <a:rPr lang="ru-UA" smtClean="0"/>
-              <a:t>03/16/2022</a:t>
+              <a:t>03/17/2022</a:t>
             </a:fld>
             <a:endParaRPr lang="ru-UA" dirty="0"/>
           </a:p>
@@ -3929,7 +3932,7 @@
           <a:p>
             <a:fld id="{091F3938-AD95-4596-9336-33B58B527CCD}" type="datetimeFigureOut">
               <a:rPr lang="ru-UA" smtClean="0"/>
-              <a:t>03/16/2022</a:t>
+              <a:t>03/17/2022</a:t>
             </a:fld>
             <a:endParaRPr lang="ru-UA" dirty="0"/>
           </a:p>
@@ -4373,7 +4376,7 @@
           <a:p>
             <a:fld id="{091F3938-AD95-4596-9336-33B58B527CCD}" type="datetimeFigureOut">
               <a:rPr lang="ru-UA" smtClean="0"/>
-              <a:t>03/16/2022</a:t>
+              <a:t>03/17/2022</a:t>
             </a:fld>
             <a:endParaRPr lang="ru-UA" dirty="0"/>
           </a:p>
@@ -4491,7 +4494,7 @@
           <a:p>
             <a:fld id="{091F3938-AD95-4596-9336-33B58B527CCD}" type="datetimeFigureOut">
               <a:rPr lang="ru-UA" smtClean="0"/>
-              <a:t>03/16/2022</a:t>
+              <a:t>03/17/2022</a:t>
             </a:fld>
             <a:endParaRPr lang="ru-UA" dirty="0"/>
           </a:p>
@@ -4586,7 +4589,7 @@
           <a:p>
             <a:fld id="{091F3938-AD95-4596-9336-33B58B527CCD}" type="datetimeFigureOut">
               <a:rPr lang="ru-UA" smtClean="0"/>
-              <a:t>03/16/2022</a:t>
+              <a:t>03/17/2022</a:t>
             </a:fld>
             <a:endParaRPr lang="ru-UA" dirty="0"/>
           </a:p>
@@ -4865,7 +4868,7 @@
           <a:p>
             <a:fld id="{091F3938-AD95-4596-9336-33B58B527CCD}" type="datetimeFigureOut">
               <a:rPr lang="ru-UA" smtClean="0"/>
-              <a:t>03/16/2022</a:t>
+              <a:t>03/17/2022</a:t>
             </a:fld>
             <a:endParaRPr lang="ru-UA" dirty="0"/>
           </a:p>
@@ -5140,7 +5143,7 @@
           <a:p>
             <a:fld id="{091F3938-AD95-4596-9336-33B58B527CCD}" type="datetimeFigureOut">
               <a:rPr lang="ru-UA" smtClean="0"/>
-              <a:t>03/16/2022</a:t>
+              <a:t>03/17/2022</a:t>
             </a:fld>
             <a:endParaRPr lang="ru-UA" dirty="0"/>
           </a:p>
@@ -5569,7 +5572,7 @@
           <a:p>
             <a:fld id="{091F3938-AD95-4596-9336-33B58B527CCD}" type="datetimeFigureOut">
               <a:rPr lang="ru-UA" smtClean="0"/>
-              <a:t>03/16/2022</a:t>
+              <a:t>03/17/2022</a:t>
             </a:fld>
             <a:endParaRPr lang="ru-UA" dirty="0"/>
           </a:p>
@@ -6174,6 +6177,519 @@
 </p:sld>
 </file>
 
+<file path=ppt/slides/slide10.xml><?xml version="1.0" encoding="utf-8"?>
+<p:sld xmlns:a="http://schemas.openxmlformats.org/drawingml/2006/main" xmlns:r="http://schemas.openxmlformats.org/officeDocument/2006/relationships" xmlns:p="http://schemas.openxmlformats.org/presentationml/2006/main">
+  <p:cSld>
+    <p:bg>
+      <p:bgPr>
+        <a:solidFill>
+          <a:schemeClr val="bg1"/>
+        </a:solidFill>
+        <a:effectLst/>
+      </p:bgPr>
+    </p:bg>
+    <p:spTree>
+      <p:nvGrpSpPr>
+        <p:cNvPr id="1" name=""/>
+        <p:cNvGrpSpPr/>
+        <p:nvPr/>
+      </p:nvGrpSpPr>
+      <p:grpSpPr>
+        <a:xfrm>
+          <a:off x="0" y="0"/>
+          <a:ext cx="0" cy="0"/>
+          <a:chOff x="0" y="0"/>
+          <a:chExt cx="0" cy="0"/>
+        </a:xfrm>
+      </p:grpSpPr>
+      <p:pic>
+        <p:nvPicPr>
+          <p:cNvPr id="71" name="Picture 70">
+            <a:extLst>
+              <a:ext uri="{FF2B5EF4-FFF2-40B4-BE49-F238E27FC236}">
+                <a16:creationId xmlns:a16="http://schemas.microsoft.com/office/drawing/2014/main" id="{DF19BAF3-7E20-4B9D-B544-BABAEEA1FA75}"/>
+              </a:ext>
+              <a:ext uri="{C183D7F6-B498-43B3-948B-1728B52AA6E4}">
+                <adec:decorative xmlns:adec="http://schemas.microsoft.com/office/drawing/2017/decorative" xmlns="" val="1"/>
+              </a:ext>
+            </a:extLst>
+          </p:cNvPr>
+          <p:cNvPicPr>
+            <a:picLocks noGrp="1" noRot="1" noChangeAspect="1" noMove="1" noResize="1" noEditPoints="1" noAdjustHandles="1" noChangeArrowheads="1" noChangeShapeType="1" noCrop="1"/>
+          </p:cNvPicPr>
+          <p:nvPr>
+            <p:extLst>
+              <p:ext uri="{386F3935-93C4-4BCD-93E2-E3B085C9AB24}">
+                <p16:designElem xmlns:p16="http://schemas.microsoft.com/office/powerpoint/2015/main" val="1"/>
+              </p:ext>
+            </p:extLst>
+          </p:nvPr>
+        </p:nvPicPr>
+        <p:blipFill rotWithShape="1">
+          <a:blip r:embed="rId2">
+            <a:extLst>
+              <a:ext uri="{28A0092B-C50C-407E-A947-70E740481C1C}">
+                <a14:useLocalDpi xmlns:a14="http://schemas.microsoft.com/office/drawing/2010/main" val="0"/>
+              </a:ext>
+            </a:extLst>
+          </a:blip>
+          <a:srcRect l="3613"/>
+          <a:stretch/>
+        </p:blipFill>
+        <p:spPr>
+          <a:xfrm>
+            <a:off x="0" y="2669685"/>
+            <a:ext cx="4037012" cy="4188315"/>
+          </a:xfrm>
+          <a:prstGeom prst="rect">
+            <a:avLst/>
+          </a:prstGeom>
+        </p:spPr>
+      </p:pic>
+      <p:pic>
+        <p:nvPicPr>
+          <p:cNvPr id="73" name="Picture 72">
+            <a:extLst>
+              <a:ext uri="{FF2B5EF4-FFF2-40B4-BE49-F238E27FC236}">
+                <a16:creationId xmlns:a16="http://schemas.microsoft.com/office/drawing/2014/main" id="{950648F4-ABCD-4DF0-8641-76CFB2354721}"/>
+              </a:ext>
+              <a:ext uri="{C183D7F6-B498-43B3-948B-1728B52AA6E4}">
+                <adec:decorative xmlns:adec="http://schemas.microsoft.com/office/drawing/2017/decorative" xmlns="" val="1"/>
+              </a:ext>
+            </a:extLst>
+          </p:cNvPr>
+          <p:cNvPicPr>
+            <a:picLocks noGrp="1" noRot="1" noChangeAspect="1" noMove="1" noResize="1" noEditPoints="1" noAdjustHandles="1" noChangeArrowheads="1" noChangeShapeType="1" noCrop="1"/>
+          </p:cNvPicPr>
+          <p:nvPr>
+            <p:extLst>
+              <p:ext uri="{386F3935-93C4-4BCD-93E2-E3B085C9AB24}">
+                <p16:designElem xmlns:p16="http://schemas.microsoft.com/office/powerpoint/2015/main" val="1"/>
+              </p:ext>
+            </p:extLst>
+          </p:nvPr>
+        </p:nvPicPr>
+        <p:blipFill rotWithShape="1">
+          <a:blip r:embed="rId3">
+            <a:extLst>
+              <a:ext uri="{28A0092B-C50C-407E-A947-70E740481C1C}">
+                <a14:useLocalDpi xmlns:a14="http://schemas.microsoft.com/office/drawing/2010/main" val="0"/>
+              </a:ext>
+            </a:extLst>
+          </a:blip>
+          <a:srcRect l="35640"/>
+          <a:stretch/>
+        </p:blipFill>
+        <p:spPr>
+          <a:xfrm>
+            <a:off x="0" y="2892347"/>
+            <a:ext cx="1522412" cy="2365453"/>
+          </a:xfrm>
+          <a:prstGeom prst="rect">
+            <a:avLst/>
+          </a:prstGeom>
+        </p:spPr>
+      </p:pic>
+      <p:sp>
+        <p:nvSpPr>
+          <p:cNvPr id="75" name="Oval 74">
+            <a:extLst>
+              <a:ext uri="{FF2B5EF4-FFF2-40B4-BE49-F238E27FC236}">
+                <a16:creationId xmlns:a16="http://schemas.microsoft.com/office/drawing/2014/main" id="{989BE678-777B-482A-A616-FEDC47B162E5}"/>
+              </a:ext>
+              <a:ext uri="{C183D7F6-B498-43B3-948B-1728B52AA6E4}">
+                <adec:decorative xmlns:adec="http://schemas.microsoft.com/office/drawing/2017/decorative" xmlns="" val="1"/>
+              </a:ext>
+            </a:extLst>
+          </p:cNvPr>
+          <p:cNvSpPr>
+            <a:spLocks noGrp="1" noRot="1" noChangeAspect="1" noMove="1" noResize="1" noEditPoints="1" noAdjustHandles="1" noChangeArrowheads="1" noChangeShapeType="1" noTextEdit="1"/>
+          </p:cNvSpPr>
+          <p:nvPr>
+            <p:extLst>
+              <p:ext uri="{386F3935-93C4-4BCD-93E2-E3B085C9AB24}">
+                <p16:designElem xmlns:p16="http://schemas.microsoft.com/office/powerpoint/2015/main" val="1"/>
+              </p:ext>
+            </p:extLst>
+          </p:nvPr>
+        </p:nvSpPr>
+        <p:spPr>
+          <a:xfrm>
+            <a:off x="8609012" y="1676400"/>
+            <a:ext cx="2819400" cy="2819400"/>
+          </a:xfrm>
+          <a:prstGeom prst="ellipse">
+            <a:avLst/>
+          </a:prstGeom>
+          <a:gradFill flip="none" rotWithShape="1">
+            <a:gsLst>
+              <a:gs pos="0">
+                <a:schemeClr val="bg2">
+                  <a:lumMod val="60000"/>
+                  <a:lumOff val="40000"/>
+                  <a:alpha val="7000"/>
+                </a:schemeClr>
+              </a:gs>
+              <a:gs pos="69000">
+                <a:schemeClr val="bg2">
+                  <a:lumMod val="60000"/>
+                  <a:lumOff val="40000"/>
+                  <a:alpha val="0"/>
+                </a:schemeClr>
+              </a:gs>
+              <a:gs pos="36000">
+                <a:schemeClr val="bg2">
+                  <a:lumMod val="60000"/>
+                  <a:lumOff val="40000"/>
+                  <a:alpha val="6000"/>
+                </a:schemeClr>
+              </a:gs>
+            </a:gsLst>
+            <a:path path="circle">
+              <a:fillToRect l="50000" t="50000" r="50000" b="50000"/>
+            </a:path>
+            <a:tileRect/>
+          </a:gradFill>
+          <a:ln>
+            <a:noFill/>
+          </a:ln>
+          <a:effectLst/>
+        </p:spPr>
+        <p:style>
+          <a:lnRef idx="1">
+            <a:schemeClr val="accent1"/>
+          </a:lnRef>
+          <a:fillRef idx="3">
+            <a:schemeClr val="accent1"/>
+          </a:fillRef>
+          <a:effectRef idx="2">
+            <a:schemeClr val="accent1"/>
+          </a:effectRef>
+          <a:fontRef idx="minor">
+            <a:schemeClr val="lt1"/>
+          </a:fontRef>
+        </p:style>
+      </p:sp>
+      <p:pic>
+        <p:nvPicPr>
+          <p:cNvPr id="77" name="Picture 76">
+            <a:extLst>
+              <a:ext uri="{FF2B5EF4-FFF2-40B4-BE49-F238E27FC236}">
+                <a16:creationId xmlns:a16="http://schemas.microsoft.com/office/drawing/2014/main" id="{CF1EB4BD-9C7E-4AA3-9681-C7EB0DA6250B}"/>
+              </a:ext>
+              <a:ext uri="{C183D7F6-B498-43B3-948B-1728B52AA6E4}">
+                <adec:decorative xmlns:adec="http://schemas.microsoft.com/office/drawing/2017/decorative" xmlns="" val="1"/>
+              </a:ext>
+            </a:extLst>
+          </p:cNvPr>
+          <p:cNvPicPr>
+            <a:picLocks noGrp="1" noRot="1" noChangeAspect="1" noMove="1" noResize="1" noEditPoints="1" noAdjustHandles="1" noChangeArrowheads="1" noChangeShapeType="1" noCrop="1"/>
+          </p:cNvPicPr>
+          <p:nvPr>
+            <p:extLst>
+              <p:ext uri="{386F3935-93C4-4BCD-93E2-E3B085C9AB24}">
+                <p16:designElem xmlns:p16="http://schemas.microsoft.com/office/powerpoint/2015/main" val="1"/>
+              </p:ext>
+            </p:extLst>
+          </p:nvPr>
+        </p:nvPicPr>
+        <p:blipFill rotWithShape="1">
+          <a:blip r:embed="rId4">
+            <a:extLst>
+              <a:ext uri="{28A0092B-C50C-407E-A947-70E740481C1C}">
+                <a14:useLocalDpi xmlns:a14="http://schemas.microsoft.com/office/drawing/2010/main" val="0"/>
+              </a:ext>
+            </a:extLst>
+          </a:blip>
+          <a:srcRect t="28813"/>
+          <a:stretch/>
+        </p:blipFill>
+        <p:spPr>
+          <a:xfrm>
+            <a:off x="7999412" y="0"/>
+            <a:ext cx="1603387" cy="1141407"/>
+          </a:xfrm>
+          <a:prstGeom prst="rect">
+            <a:avLst/>
+          </a:prstGeom>
+        </p:spPr>
+      </p:pic>
+      <p:pic>
+        <p:nvPicPr>
+          <p:cNvPr id="79" name="Picture 78">
+            <a:extLst>
+              <a:ext uri="{FF2B5EF4-FFF2-40B4-BE49-F238E27FC236}">
+                <a16:creationId xmlns:a16="http://schemas.microsoft.com/office/drawing/2014/main" id="{94AAE3AA-3759-4D28-B0EF-575F25A5146C}"/>
+              </a:ext>
+              <a:ext uri="{C183D7F6-B498-43B3-948B-1728B52AA6E4}">
+                <adec:decorative xmlns:adec="http://schemas.microsoft.com/office/drawing/2017/decorative" xmlns="" val="1"/>
+              </a:ext>
+            </a:extLst>
+          </p:cNvPr>
+          <p:cNvPicPr>
+            <a:picLocks noGrp="1" noRot="1" noChangeAspect="1" noMove="1" noResize="1" noEditPoints="1" noAdjustHandles="1" noChangeArrowheads="1" noChangeShapeType="1" noCrop="1"/>
+          </p:cNvPicPr>
+          <p:nvPr>
+            <p:extLst>
+              <p:ext uri="{386F3935-93C4-4BCD-93E2-E3B085C9AB24}">
+                <p16:designElem xmlns:p16="http://schemas.microsoft.com/office/powerpoint/2015/main" val="1"/>
+              </p:ext>
+            </p:extLst>
+          </p:nvPr>
+        </p:nvPicPr>
+        <p:blipFill rotWithShape="1">
+          <a:blip r:embed="rId5">
+            <a:extLst>
+              <a:ext uri="{28A0092B-C50C-407E-A947-70E740481C1C}">
+                <a14:useLocalDpi xmlns:a14="http://schemas.microsoft.com/office/drawing/2010/main" val="0"/>
+              </a:ext>
+            </a:extLst>
+          </a:blip>
+          <a:srcRect b="23320"/>
+          <a:stretch/>
+        </p:blipFill>
+        <p:spPr>
+          <a:xfrm>
+            <a:off x="8605878" y="6096000"/>
+            <a:ext cx="993734" cy="762000"/>
+          </a:xfrm>
+          <a:prstGeom prst="rect">
+            <a:avLst/>
+          </a:prstGeom>
+        </p:spPr>
+      </p:pic>
+      <p:sp>
+        <p:nvSpPr>
+          <p:cNvPr id="81" name="Rectangle 80">
+            <a:extLst>
+              <a:ext uri="{FF2B5EF4-FFF2-40B4-BE49-F238E27FC236}">
+                <a16:creationId xmlns:a16="http://schemas.microsoft.com/office/drawing/2014/main" id="{D28BE0C3-2102-4820-B88B-A448B1840D14}"/>
+              </a:ext>
+              <a:ext uri="{C183D7F6-B498-43B3-948B-1728B52AA6E4}">
+                <adec:decorative xmlns:adec="http://schemas.microsoft.com/office/drawing/2017/decorative" xmlns="" val="1"/>
+              </a:ext>
+            </a:extLst>
+          </p:cNvPr>
+          <p:cNvSpPr>
+            <a:spLocks noGrp="1" noRot="1" noChangeAspect="1" noMove="1" noResize="1" noEditPoints="1" noAdjustHandles="1" noChangeArrowheads="1" noChangeShapeType="1" noTextEdit="1"/>
+          </p:cNvSpPr>
+          <p:nvPr>
+            <p:extLst>
+              <p:ext uri="{386F3935-93C4-4BCD-93E2-E3B085C9AB24}">
+                <p16:designElem xmlns:p16="http://schemas.microsoft.com/office/powerpoint/2015/main" val="1"/>
+              </p:ext>
+            </p:extLst>
+          </p:nvPr>
+        </p:nvSpPr>
+        <p:spPr>
+          <a:xfrm>
+            <a:off x="10437812" y="0"/>
+            <a:ext cx="685800" cy="1143000"/>
+          </a:xfrm>
+          <a:prstGeom prst="rect">
+            <a:avLst/>
+          </a:prstGeom>
+          <a:solidFill>
+            <a:schemeClr val="accent1"/>
+          </a:solidFill>
+          <a:ln>
+            <a:noFill/>
+          </a:ln>
+        </p:spPr>
+        <p:style>
+          <a:lnRef idx="1">
+            <a:schemeClr val="accent1"/>
+          </a:lnRef>
+          <a:fillRef idx="3">
+            <a:schemeClr val="accent1"/>
+          </a:fillRef>
+          <a:effectRef idx="2">
+            <a:schemeClr val="accent1"/>
+          </a:effectRef>
+          <a:fontRef idx="minor">
+            <a:schemeClr val="lt1"/>
+          </a:fontRef>
+        </p:style>
+      </p:sp>
+      <p:sp useBgFill="1">
+        <p:nvSpPr>
+          <p:cNvPr id="83" name="Rectangle 82">
+            <a:extLst>
+              <a:ext uri="{FF2B5EF4-FFF2-40B4-BE49-F238E27FC236}">
+                <a16:creationId xmlns:a16="http://schemas.microsoft.com/office/drawing/2014/main" id="{A4322390-8B58-46BE-88EB-D9FD30C08743}"/>
+              </a:ext>
+              <a:ext uri="{C183D7F6-B498-43B3-948B-1728B52AA6E4}">
+                <adec:decorative xmlns:adec="http://schemas.microsoft.com/office/drawing/2017/decorative" xmlns="" val="1"/>
+              </a:ext>
+            </a:extLst>
+          </p:cNvPr>
+          <p:cNvSpPr>
+            <a:spLocks noGrp="1" noRot="1" noChangeAspect="1" noMove="1" noResize="1" noEditPoints="1" noAdjustHandles="1" noChangeArrowheads="1" noChangeShapeType="1" noTextEdit="1"/>
+          </p:cNvSpPr>
+          <p:nvPr>
+            <p:extLst>
+              <p:ext uri="{386F3935-93C4-4BCD-93E2-E3B085C9AB24}">
+                <p16:designElem xmlns:p16="http://schemas.microsoft.com/office/powerpoint/2015/main" val="1"/>
+              </p:ext>
+            </p:extLst>
+          </p:nvPr>
+        </p:nvSpPr>
+        <p:spPr>
+          <a:xfrm>
+            <a:off x="0" y="0"/>
+            <a:ext cx="12192000" cy="6858000"/>
+          </a:xfrm>
+          <a:prstGeom prst="rect">
+            <a:avLst/>
+          </a:prstGeom>
+          <a:ln>
+            <a:noFill/>
+          </a:ln>
+        </p:spPr>
+        <p:style>
+          <a:lnRef idx="2">
+            <a:schemeClr val="accent1">
+              <a:shade val="50000"/>
+            </a:schemeClr>
+          </a:lnRef>
+          <a:fillRef idx="1">
+            <a:schemeClr val="accent1"/>
+          </a:fillRef>
+          <a:effectRef idx="0">
+            <a:schemeClr val="accent1"/>
+          </a:effectRef>
+          <a:fontRef idx="minor">
+            <a:schemeClr val="lt1"/>
+          </a:fontRef>
+        </p:style>
+        <p:txBody>
+          <a:bodyPr rtlCol="0" anchor="ctr"/>
+          <a:lstStyle/>
+          <a:p>
+            <a:pPr algn="ctr"/>
+            <a:endParaRPr lang="en-US"/>
+          </a:p>
+        </p:txBody>
+      </p:sp>
+      <p:pic>
+        <p:nvPicPr>
+          <p:cNvPr id="1026" name="Picture 2">
+            <a:extLst>
+              <a:ext uri="{FF2B5EF4-FFF2-40B4-BE49-F238E27FC236}">
+                <a16:creationId xmlns:a16="http://schemas.microsoft.com/office/drawing/2014/main" id="{7BF7480A-F9B7-4830-9D9F-27413886C07E}"/>
+              </a:ext>
+            </a:extLst>
+          </p:cNvPr>
+          <p:cNvPicPr>
+            <a:picLocks noChangeAspect="1" noChangeArrowheads="1"/>
+          </p:cNvPicPr>
+          <p:nvPr/>
+        </p:nvPicPr>
+        <p:blipFill rotWithShape="1">
+          <a:blip r:embed="rId6">
+            <a:alphaModFix amt="40000"/>
+            <a:extLst>
+              <a:ext uri="{28A0092B-C50C-407E-A947-70E740481C1C}">
+                <a14:useLocalDpi xmlns:a14="http://schemas.microsoft.com/office/drawing/2010/main" val="0"/>
+              </a:ext>
+            </a:extLst>
+          </a:blip>
+          <a:srcRect t="34814" b="12452"/>
+          <a:stretch/>
+        </p:blipFill>
+        <p:spPr bwMode="auto">
+          <a:xfrm>
+            <a:off x="20" y="10"/>
+            <a:ext cx="12191980" cy="6857990"/>
+          </a:xfrm>
+          <a:prstGeom prst="rect">
+            <a:avLst/>
+          </a:prstGeom>
+          <a:noFill/>
+          <a:extLst>
+            <a:ext uri="{909E8E84-426E-40DD-AFC4-6F175D3DCCD1}">
+              <a14:hiddenFill xmlns:a14="http://schemas.microsoft.com/office/drawing/2010/main">
+                <a:solidFill>
+                  <a:srgbClr val="FFFFFF"/>
+                </a:solidFill>
+              </a14:hiddenFill>
+            </a:ext>
+          </a:extLst>
+        </p:spPr>
+      </p:pic>
+      <p:sp>
+        <p:nvSpPr>
+          <p:cNvPr id="2" name="Title 1">
+            <a:extLst>
+              <a:ext uri="{FF2B5EF4-FFF2-40B4-BE49-F238E27FC236}">
+                <a16:creationId xmlns:a16="http://schemas.microsoft.com/office/drawing/2014/main" id="{549EB712-B07E-4594-9F07-880A6D797D6E}"/>
+              </a:ext>
+            </a:extLst>
+          </p:cNvPr>
+          <p:cNvSpPr>
+            <a:spLocks noGrp="1"/>
+          </p:cNvSpPr>
+          <p:nvPr>
+            <p:ph type="title"/>
+          </p:nvPr>
+        </p:nvSpPr>
+        <p:spPr>
+          <a:xfrm>
+            <a:off x="1154955" y="3635974"/>
+            <a:ext cx="9436846" cy="1141407"/>
+          </a:xfrm>
+        </p:spPr>
+        <p:txBody>
+          <a:bodyPr vert="horz" lIns="91440" tIns="45720" rIns="91440" bIns="45720" rtlCol="0" anchor="b">
+            <a:normAutofit fontScale="90000"/>
+          </a:bodyPr>
+          <a:lstStyle/>
+          <a:p>
+            <a:r>
+              <a:rPr lang="en-US" sz="7200" dirty="0" err="1">
+                <a:solidFill>
+                  <a:schemeClr val="tx1"/>
+                </a:solidFill>
+              </a:rPr>
+              <a:t>Dziękujemy</a:t>
+            </a:r>
+            <a:r>
+              <a:rPr lang="en-US" sz="7200" dirty="0">
+                <a:solidFill>
+                  <a:schemeClr val="tx1"/>
+                </a:solidFill>
+              </a:rPr>
+              <a:t> za </a:t>
+            </a:r>
+            <a:r>
+              <a:rPr lang="en-US" sz="7200" dirty="0" err="1">
+                <a:solidFill>
+                  <a:schemeClr val="tx1"/>
+                </a:solidFill>
+              </a:rPr>
+              <a:t>uwagę</a:t>
+            </a:r>
+            <a:endParaRPr lang="en-US" sz="7200" dirty="0">
+              <a:solidFill>
+                <a:schemeClr val="tx1"/>
+              </a:solidFill>
+            </a:endParaRPr>
+          </a:p>
+        </p:txBody>
+      </p:sp>
+    </p:spTree>
+    <p:extLst>
+      <p:ext uri="{BB962C8B-B14F-4D97-AF65-F5344CB8AC3E}">
+        <p14:creationId xmlns:p14="http://schemas.microsoft.com/office/powerpoint/2010/main" val="2367042064"/>
+      </p:ext>
+    </p:extLst>
+  </p:cSld>
+  <p:clrMapOvr>
+    <a:masterClrMapping/>
+  </p:clrMapOvr>
+</p:sld>
+</file>
+
 <file path=ppt/slides/slide2.xml><?xml version="1.0" encoding="utf-8"?>
 <p:sld xmlns:a="http://schemas.openxmlformats.org/drawingml/2006/main" xmlns:r="http://schemas.openxmlformats.org/officeDocument/2006/relationships" xmlns:p="http://schemas.openxmlformats.org/presentationml/2006/main">
   <p:cSld>
@@ -6207,7 +6723,7 @@
                 <a16:creationId xmlns:a16="http://schemas.microsoft.com/office/drawing/2014/main" id="{61515115-95FB-41E0-86F3-8744438C09D0}"/>
               </a:ext>
               <a:ext uri="{C183D7F6-B498-43B3-948B-1728B52AA6E4}">
-                <adec:decorative xmlns:adec="http://schemas.microsoft.com/office/drawing/2017/decorative" val="1"/>
+                <adec:decorative xmlns:adec="http://schemas.microsoft.com/office/drawing/2017/decorative" xmlns="" val="1"/>
               </a:ext>
             </a:extLst>
           </p:cNvPr>
@@ -6255,7 +6771,7 @@
           <a:lstStyle/>
           <a:p>
             <a:pPr algn="ctr"/>
-            <a:endParaRPr lang="en-US"/>
+            <a:endParaRPr lang="en-US" dirty="0"/>
           </a:p>
         </p:txBody>
       </p:sp>
@@ -6288,7 +6804,7 @@
           <a:lstStyle/>
           <a:p>
             <a:r>
-              <a:rPr lang="pl-PL">
+              <a:rPr lang="pl-PL" dirty="0">
                 <a:solidFill>
                   <a:srgbClr val="EBEBEB"/>
                 </a:solidFill>
@@ -6296,12 +6812,20 @@
               <a:t>Główna</a:t>
             </a:r>
             <a:r>
-              <a:rPr lang="en-US">
+              <a:rPr lang="en-US" dirty="0">
                 <a:solidFill>
                   <a:srgbClr val="EBEBEB"/>
                 </a:solidFill>
               </a:rPr>
-              <a:t> idea projektu</a:t>
+              <a:t> idea </a:t>
+            </a:r>
+            <a:r>
+              <a:rPr lang="en-US" dirty="0" err="1">
+                <a:solidFill>
+                  <a:srgbClr val="EBEBEB"/>
+                </a:solidFill>
+              </a:rPr>
+              <a:t>projektu</a:t>
             </a:r>
             <a:endParaRPr lang="ru-UA">
               <a:solidFill>
@@ -6319,7 +6843,7 @@
                 <a16:creationId xmlns:a16="http://schemas.microsoft.com/office/drawing/2014/main" id="{8222A33F-BE2D-4D69-92A0-5DF8B17BAACA}"/>
               </a:ext>
               <a:ext uri="{C183D7F6-B498-43B3-948B-1728B52AA6E4}">
-                <adec:decorative xmlns:adec="http://schemas.microsoft.com/office/drawing/2017/decorative" val="1"/>
+                <adec:decorative xmlns:adec="http://schemas.microsoft.com/office/drawing/2017/decorative" xmlns="" val="1"/>
               </a:ext>
             </a:extLst>
           </p:cNvPr>
@@ -6675,7 +7199,7 @@
                 <a16:creationId xmlns:a16="http://schemas.microsoft.com/office/drawing/2014/main" id="{CE1C74D0-9609-468A-9597-5D87C8A42B58}"/>
               </a:ext>
               <a:ext uri="{C183D7F6-B498-43B3-948B-1728B52AA6E4}">
-                <adec:decorative xmlns:adec="http://schemas.microsoft.com/office/drawing/2017/decorative" val="1"/>
+                <adec:decorative xmlns:adec="http://schemas.microsoft.com/office/drawing/2017/decorative" xmlns="" val="1"/>
               </a:ext>
             </a:extLst>
           </p:cNvPr>
@@ -7185,7 +7709,7 @@
                 <a16:creationId xmlns:a16="http://schemas.microsoft.com/office/drawing/2014/main" id="{C137128D-E594-4905-9F76-E385F0831D60}"/>
               </a:ext>
               <a:ext uri="{C183D7F6-B498-43B3-948B-1728B52AA6E4}">
-                <adec:decorative xmlns:adec="http://schemas.microsoft.com/office/drawing/2017/decorative" val="1"/>
+                <adec:decorative xmlns:adec="http://schemas.microsoft.com/office/drawing/2017/decorative" xmlns="" val="1"/>
               </a:ext>
             </a:extLst>
           </p:cNvPr>
@@ -7480,10 +8004,9 @@
               </a:lnSpc>
             </a:pPr>
             <a:r>
-              <a:rPr lang="pl-PL" dirty="0"/>
-              <a:t>Szybkie przesyłanie na serwer i podgląd plików</a:t>
-            </a:r>
-            <a:endParaRPr lang="ru-RU" dirty="0"/>
+              <a:rPr lang="pl-PL" dirty="0" smtClean="0"/>
+              <a:t>Możliwość przesyłania różnych plików na serwer</a:t>
+            </a:r>
           </a:p>
           <a:p>
             <a:pPr>
@@ -7492,10 +8015,17 @@
               </a:lnSpc>
             </a:pPr>
             <a:r>
+              <a:rPr lang="pl-PL" dirty="0" smtClean="0"/>
+              <a:t>Możliwość udostępniania </a:t>
+            </a:r>
+            <a:r>
               <a:rPr lang="pl-PL" dirty="0"/>
-              <a:t>Możliwość usuwania, przemieszczania się między folderami i udostępniania innym użytkownikom</a:t>
-            </a:r>
-            <a:endParaRPr lang="ru-RU" dirty="0"/>
+              <a:t>własnych </a:t>
+            </a:r>
+            <a:r>
+              <a:rPr lang="pl-PL" dirty="0" smtClean="0"/>
+              <a:t>plików innym użytkownikom </a:t>
+            </a:r>
           </a:p>
           <a:p>
             <a:pPr>
@@ -7504,14 +8034,17 @@
               </a:lnSpc>
             </a:pPr>
             <a:r>
-              <a:rPr lang="en-US" dirty="0"/>
-              <a:t>M</a:t>
+              <a:rPr lang="pl-PL" dirty="0" smtClean="0"/>
+              <a:t>Możliwość </a:t>
             </a:r>
             <a:r>
               <a:rPr lang="pl-PL" dirty="0"/>
-              <a:t>ożliwość przesyłania dużej ilości plików</a:t>
-            </a:r>
-            <a:endParaRPr lang="en-US" dirty="0"/>
+              <a:t>usuwania, </a:t>
+            </a:r>
+            <a:r>
+              <a:rPr lang="pl-PL" dirty="0" smtClean="0"/>
+              <a:t>przemieszczania się między folderami </a:t>
+            </a:r>
           </a:p>
           <a:p>
             <a:pPr>
@@ -7520,28 +8053,12 @@
               </a:lnSpc>
             </a:pPr>
             <a:r>
-              <a:rPr lang="en-US" dirty="0" err="1"/>
-              <a:t>Prosty</a:t>
-            </a:r>
-            <a:r>
-              <a:rPr lang="en-US" dirty="0"/>
-              <a:t> I p</a:t>
-            </a:r>
-            <a:r>
-              <a:rPr lang="pl-PL" dirty="0" err="1"/>
-              <a:t>rzyjazny</a:t>
+              <a:rPr lang="en-US" dirty="0" smtClean="0"/>
+              <a:t>M</a:t>
             </a:r>
             <a:r>
               <a:rPr lang="pl-PL" dirty="0"/>
-              <a:t> dla użytkownika</a:t>
-            </a:r>
-            <a:r>
-              <a:rPr lang="en-US" dirty="0"/>
-              <a:t> </a:t>
-            </a:r>
-            <a:r>
-              <a:rPr lang="en-US" dirty="0" err="1"/>
-              <a:t>interfejs</a:t>
+              <a:t>ożliwość przesyłania dużej ilości plików</a:t>
             </a:r>
             <a:endParaRPr lang="en-US" dirty="0"/>
           </a:p>
@@ -7552,9 +8069,36 @@
               </a:lnSpc>
             </a:pPr>
             <a:r>
+              <a:rPr lang="pl-PL" dirty="0" smtClean="0"/>
+              <a:t>Możliwość </a:t>
+            </a:r>
+            <a:r>
               <a:rPr lang="pl-PL" dirty="0"/>
-              <a:t>Możliwość sortowania plików (według rozmiaru, daty, nazwy)</a:t>
-            </a:r>
+              <a:t>sortowania plików (według rozmiaru, daty, nazwy</a:t>
+            </a:r>
+            <a:r>
+              <a:rPr lang="pl-PL" dirty="0" smtClean="0"/>
+              <a:t>)</a:t>
+            </a:r>
+          </a:p>
+          <a:p>
+            <a:pPr>
+              <a:lnSpc>
+                <a:spcPct val="90000"/>
+              </a:lnSpc>
+            </a:pPr>
+            <a:r>
+              <a:rPr lang="pl-PL" dirty="0" smtClean="0"/>
+              <a:t>Możliwość pobierania plików z serwera w jakikolwiek czas</a:t>
+            </a:r>
+            <a:endParaRPr lang="pl-PL" dirty="0" smtClean="0"/>
+          </a:p>
+          <a:p>
+            <a:pPr>
+              <a:lnSpc>
+                <a:spcPct val="90000"/>
+              </a:lnSpc>
+            </a:pPr>
             <a:endParaRPr lang="en-US" dirty="0"/>
           </a:p>
           <a:p>
@@ -7581,6 +8125,602 @@
 </file>
 
 <file path=ppt/slides/slide4.xml><?xml version="1.0" encoding="utf-8"?>
+<p:sld xmlns:a="http://schemas.openxmlformats.org/drawingml/2006/main" xmlns:r="http://schemas.openxmlformats.org/officeDocument/2006/relationships" xmlns:p="http://schemas.openxmlformats.org/presentationml/2006/main">
+  <p:cSld>
+    <p:spTree>
+      <p:nvGrpSpPr>
+        <p:cNvPr id="1" name=""/>
+        <p:cNvGrpSpPr/>
+        <p:nvPr/>
+      </p:nvGrpSpPr>
+      <p:grpSpPr>
+        <a:xfrm>
+          <a:off x="0" y="0"/>
+          <a:ext cx="0" cy="0"/>
+          <a:chOff x="0" y="0"/>
+          <a:chExt cx="0" cy="0"/>
+        </a:xfrm>
+      </p:grpSpPr>
+      <p:sp>
+        <p:nvSpPr>
+          <p:cNvPr id="2" name="Tytuł 1"/>
+          <p:cNvSpPr>
+            <a:spLocks noGrp="1"/>
+          </p:cNvSpPr>
+          <p:nvPr>
+            <p:ph type="title"/>
+          </p:nvPr>
+        </p:nvSpPr>
+        <p:spPr/>
+        <p:txBody>
+          <a:bodyPr/>
+          <a:lstStyle/>
+          <a:p>
+            <a:r>
+              <a:rPr lang="pl-PL" dirty="0" smtClean="0"/>
+              <a:t>Wymagania systemowe</a:t>
+            </a:r>
+            <a:endParaRPr lang="pl-PL" dirty="0"/>
+          </a:p>
+        </p:txBody>
+      </p:sp>
+      <p:sp>
+        <p:nvSpPr>
+          <p:cNvPr id="3" name="Symbol zastępczy zawartości 2"/>
+          <p:cNvSpPr>
+            <a:spLocks noGrp="1"/>
+          </p:cNvSpPr>
+          <p:nvPr>
+            <p:ph idx="1"/>
+          </p:nvPr>
+        </p:nvSpPr>
+        <p:spPr>
+          <a:xfrm>
+            <a:off x="646111" y="1504047"/>
+            <a:ext cx="8946541" cy="4195481"/>
+          </a:xfrm>
+        </p:spPr>
+        <p:txBody>
+          <a:bodyPr>
+            <a:normAutofit fontScale="55000" lnSpcReduction="20000"/>
+          </a:bodyPr>
+          <a:lstStyle/>
+          <a:p>
+            <a:r>
+              <a:rPr lang="pl-PL" dirty="0" smtClean="0"/>
+              <a:t>Przy wejściu na stronę główną nowy użytkownik widzi dwa przyciski: „logowanie”, „rejestracja”</a:t>
+            </a:r>
+          </a:p>
+          <a:p>
+            <a:r>
+              <a:rPr lang="pl-PL" dirty="0" smtClean="0"/>
+              <a:t>Przy kliknięciu na przycisk „Logowanie” użytkownik będzie skierowany do okna logowania</a:t>
+            </a:r>
+          </a:p>
+          <a:p>
+            <a:r>
+              <a:rPr lang="pl-PL" dirty="0"/>
+              <a:t>Przy kliknięciu na przycisk </a:t>
+            </a:r>
+            <a:r>
+              <a:rPr lang="pl-PL" dirty="0" smtClean="0"/>
+              <a:t>„Rejestracja” </a:t>
+            </a:r>
+            <a:r>
+              <a:rPr lang="pl-PL" dirty="0"/>
+              <a:t>użytkownik będzie skierowany do okna </a:t>
+            </a:r>
+            <a:r>
+              <a:rPr lang="pl-PL" dirty="0" smtClean="0"/>
+              <a:t>rejestracji</a:t>
+            </a:r>
+          </a:p>
+          <a:p>
+            <a:r>
+              <a:rPr lang="pl-PL" dirty="0" smtClean="0"/>
+              <a:t>Po rejestracji będzie automatycznie jednorazowe logowanie</a:t>
+            </a:r>
+          </a:p>
+          <a:p>
+            <a:r>
+              <a:rPr lang="pl-PL" dirty="0" smtClean="0"/>
+              <a:t>Przy logowaniu się na stronie głównej pojawią się przyciski: ”Prześlij”,”</a:t>
+            </a:r>
+            <a:r>
+              <a:rPr lang="pl-PL" dirty="0" err="1" smtClean="0"/>
+              <a:t>Stworz</a:t>
+            </a:r>
+            <a:r>
+              <a:rPr lang="pl-PL" dirty="0" smtClean="0"/>
+              <a:t> </a:t>
+            </a:r>
+            <a:r>
+              <a:rPr lang="pl-PL" dirty="0" err="1" smtClean="0"/>
+              <a:t>folder”,”Sortowanie”,”Wyszukiwanie</a:t>
+            </a:r>
+            <a:r>
+              <a:rPr lang="pl-PL" dirty="0" smtClean="0"/>
+              <a:t>”</a:t>
+            </a:r>
+          </a:p>
+          <a:p>
+            <a:r>
+              <a:rPr lang="pl-PL" dirty="0" smtClean="0"/>
+              <a:t>Przy kliknięciu na przycisk „Prześlij” pojawi się okno do wyboru pliku do wysłania na serwer </a:t>
+            </a:r>
+          </a:p>
+          <a:p>
+            <a:r>
+              <a:rPr lang="pl-PL" dirty="0"/>
+              <a:t>Przy kliknięciu na przycisk </a:t>
+            </a:r>
+            <a:r>
+              <a:rPr lang="pl-PL" dirty="0" smtClean="0"/>
+              <a:t>„</a:t>
+            </a:r>
+            <a:r>
+              <a:rPr lang="pl-PL" dirty="0" err="1" smtClean="0"/>
+              <a:t>Stworz</a:t>
+            </a:r>
+            <a:r>
+              <a:rPr lang="pl-PL" dirty="0" smtClean="0"/>
+              <a:t> folder” </a:t>
+            </a:r>
+            <a:r>
+              <a:rPr lang="pl-PL" dirty="0"/>
+              <a:t>pojawi </a:t>
+            </a:r>
+            <a:r>
+              <a:rPr lang="pl-PL" dirty="0" smtClean="0"/>
+              <a:t>się okno do wpisywania nazwy foldera, potem tworzy się nowy folder z wskazaną nazwą</a:t>
+            </a:r>
+          </a:p>
+          <a:p>
+            <a:r>
+              <a:rPr lang="pl-PL" dirty="0"/>
+              <a:t>Przy kliknięciu na przycisk </a:t>
+            </a:r>
+            <a:r>
+              <a:rPr lang="pl-PL" dirty="0" smtClean="0"/>
+              <a:t>„Sortowanie” pojawia się okno do wyboru kryterium do sortowania, po wyborze konkretnego kryterium będą wyświetlane pliki </a:t>
+            </a:r>
+            <a:r>
+              <a:rPr lang="pl-PL" dirty="0" err="1" smtClean="0"/>
+              <a:t>odsortowane</a:t>
+            </a:r>
+            <a:endParaRPr lang="pl-PL" dirty="0"/>
+          </a:p>
+          <a:p>
+            <a:r>
+              <a:rPr lang="pl-PL" dirty="0"/>
+              <a:t>Przy kliknięciu na przycisk </a:t>
+            </a:r>
+            <a:r>
+              <a:rPr lang="pl-PL" dirty="0" smtClean="0"/>
+              <a:t>„Wyszukiwanie” </a:t>
+            </a:r>
+            <a:r>
+              <a:rPr lang="pl-PL" dirty="0"/>
+              <a:t>pojawi </a:t>
+            </a:r>
+            <a:r>
+              <a:rPr lang="pl-PL" dirty="0" smtClean="0"/>
+              <a:t>się okno tekstowe do poszukiwania plików/folderów za nazwą</a:t>
+            </a:r>
+          </a:p>
+          <a:p>
+            <a:r>
+              <a:rPr lang="pl-PL" dirty="0" smtClean="0"/>
+              <a:t>Pod pasmem nawigacji będzie się znajdowała lista plików/folderów użytkownika</a:t>
+            </a:r>
+          </a:p>
+          <a:p>
+            <a:r>
+              <a:rPr lang="pl-PL" dirty="0" smtClean="0"/>
+              <a:t>Przy kliknięciu prawym przyciskiem na ikonkę pliku będą wyświetlane wszystkie dodatkowe funkcje (pośród których – „Pobierz”, „</a:t>
+            </a:r>
+            <a:r>
+              <a:rPr lang="pl-PL" dirty="0" err="1" smtClean="0"/>
+              <a:t>Udostępnij”,”Usuń</a:t>
+            </a:r>
+            <a:r>
+              <a:rPr lang="pl-PL" dirty="0" smtClean="0"/>
+              <a:t>”)</a:t>
+            </a:r>
+          </a:p>
+          <a:p>
+            <a:r>
+              <a:rPr lang="pl-PL" dirty="0"/>
+              <a:t>Przy kliknięciu na przycisk </a:t>
+            </a:r>
+            <a:r>
+              <a:rPr lang="pl-PL" dirty="0" smtClean="0"/>
+              <a:t>„Pobierz” plik będzie pobrany na komputer użytkownika</a:t>
+            </a:r>
+          </a:p>
+          <a:p>
+            <a:r>
+              <a:rPr lang="pl-PL" dirty="0"/>
+              <a:t>Przy kliknięciu na przycisk </a:t>
+            </a:r>
+            <a:r>
+              <a:rPr lang="pl-PL" dirty="0" smtClean="0"/>
+              <a:t>„Udostępnij” </a:t>
+            </a:r>
+            <a:r>
+              <a:rPr lang="pl-PL" dirty="0"/>
+              <a:t>pojawi </a:t>
+            </a:r>
+            <a:r>
+              <a:rPr lang="pl-PL" dirty="0" smtClean="0"/>
+              <a:t>się okno wyboru ustawień dostępu(prywatne/dostępne po linku/dostępne dla konkretnych użytkowników)</a:t>
+            </a:r>
+          </a:p>
+          <a:p>
+            <a:r>
+              <a:rPr lang="pl-PL" dirty="0"/>
+              <a:t>Przy kliknięciu na przycisk </a:t>
+            </a:r>
+            <a:r>
+              <a:rPr lang="pl-PL" dirty="0" smtClean="0"/>
+              <a:t>„Usuń” pojawi się okno potwierdzające </a:t>
+            </a:r>
+            <a:r>
+              <a:rPr lang="pl-PL" dirty="0" err="1" smtClean="0"/>
+              <a:t>usunęcie</a:t>
+            </a:r>
+            <a:endParaRPr lang="pl-PL" dirty="0" smtClean="0"/>
+          </a:p>
+          <a:p>
+            <a:endParaRPr lang="pl-PL" dirty="0"/>
+          </a:p>
+        </p:txBody>
+      </p:sp>
+    </p:spTree>
+    <p:extLst>
+      <p:ext uri="{BB962C8B-B14F-4D97-AF65-F5344CB8AC3E}">
+        <p14:creationId xmlns:p14="http://schemas.microsoft.com/office/powerpoint/2010/main" val="762182312"/>
+      </p:ext>
+    </p:extLst>
+  </p:cSld>
+  <p:clrMapOvr>
+    <a:masterClrMapping/>
+  </p:clrMapOvr>
+</p:sld>
+</file>
+
+<file path=ppt/slides/slide5.xml><?xml version="1.0" encoding="utf-8"?>
+<p:sld xmlns:a="http://schemas.openxmlformats.org/drawingml/2006/main" xmlns:r="http://schemas.openxmlformats.org/officeDocument/2006/relationships" xmlns:p="http://schemas.openxmlformats.org/presentationml/2006/main">
+  <p:cSld>
+    <p:spTree>
+      <p:nvGrpSpPr>
+        <p:cNvPr id="1" name=""/>
+        <p:cNvGrpSpPr/>
+        <p:nvPr/>
+      </p:nvGrpSpPr>
+      <p:grpSpPr>
+        <a:xfrm>
+          <a:off x="0" y="0"/>
+          <a:ext cx="0" cy="0"/>
+          <a:chOff x="0" y="0"/>
+          <a:chExt cx="0" cy="0"/>
+        </a:xfrm>
+      </p:grpSpPr>
+      <p:sp>
+        <p:nvSpPr>
+          <p:cNvPr id="2" name="Tytuł 1"/>
+          <p:cNvSpPr>
+            <a:spLocks noGrp="1"/>
+          </p:cNvSpPr>
+          <p:nvPr>
+            <p:ph type="title"/>
+          </p:nvPr>
+        </p:nvSpPr>
+        <p:spPr/>
+        <p:txBody>
+          <a:bodyPr/>
+          <a:lstStyle/>
+          <a:p>
+            <a:r>
+              <a:rPr lang="pl-PL" dirty="0" smtClean="0"/>
+              <a:t>Wymagania niefunkcjonalne</a:t>
+            </a:r>
+            <a:endParaRPr lang="pl-PL" dirty="0"/>
+          </a:p>
+        </p:txBody>
+      </p:sp>
+      <p:sp>
+        <p:nvSpPr>
+          <p:cNvPr id="3" name="Symbol zastępczy zawartości 2"/>
+          <p:cNvSpPr>
+            <a:spLocks noGrp="1"/>
+          </p:cNvSpPr>
+          <p:nvPr>
+            <p:ph idx="1"/>
+          </p:nvPr>
+        </p:nvSpPr>
+        <p:spPr/>
+        <p:txBody>
+          <a:bodyPr/>
+          <a:lstStyle/>
+          <a:p>
+            <a:r>
+              <a:rPr lang="pl-PL" dirty="0"/>
+              <a:t>Szybkie przesyłanie na serwer i podgląd </a:t>
+            </a:r>
+            <a:r>
+              <a:rPr lang="pl-PL" dirty="0" smtClean="0"/>
+              <a:t>plików( użycie szybkiego </a:t>
+            </a:r>
+            <a:r>
+              <a:rPr lang="pl-PL" dirty="0" err="1" smtClean="0"/>
+              <a:t>serweru</a:t>
+            </a:r>
+            <a:r>
+              <a:rPr lang="pl-PL" dirty="0" smtClean="0"/>
+              <a:t>, </a:t>
+            </a:r>
+            <a:r>
+              <a:rPr lang="pl-PL" dirty="0" err="1" smtClean="0"/>
+              <a:t>najawność</a:t>
+            </a:r>
+            <a:r>
+              <a:rPr lang="pl-PL" dirty="0" smtClean="0"/>
+              <a:t> przycisku do podglądu plików )</a:t>
+            </a:r>
+            <a:endParaRPr lang="ru-RU" dirty="0"/>
+          </a:p>
+          <a:p>
+            <a:r>
+              <a:rPr lang="en-US" dirty="0" err="1"/>
+              <a:t>Prosty</a:t>
+            </a:r>
+            <a:r>
+              <a:rPr lang="en-US" dirty="0"/>
+              <a:t> </a:t>
+            </a:r>
+            <a:r>
+              <a:rPr lang="pl-PL" dirty="0" smtClean="0"/>
+              <a:t>i</a:t>
+            </a:r>
+            <a:r>
+              <a:rPr lang="en-US" dirty="0" smtClean="0"/>
+              <a:t> </a:t>
+            </a:r>
+            <a:r>
+              <a:rPr lang="en-US" dirty="0"/>
+              <a:t>p</a:t>
+            </a:r>
+            <a:r>
+              <a:rPr lang="pl-PL" dirty="0" err="1"/>
+              <a:t>rzyjazny</a:t>
+            </a:r>
+            <a:r>
+              <a:rPr lang="pl-PL" dirty="0"/>
+              <a:t> dla użytkownika</a:t>
+            </a:r>
+            <a:r>
+              <a:rPr lang="en-US" dirty="0"/>
+              <a:t> </a:t>
+            </a:r>
+            <a:r>
+              <a:rPr lang="en-US" dirty="0" err="1" smtClean="0"/>
+              <a:t>interfejs</a:t>
+            </a:r>
+            <a:endParaRPr lang="pl-PL" dirty="0" smtClean="0"/>
+          </a:p>
+          <a:p>
+            <a:r>
+              <a:rPr lang="pl-PL" dirty="0" err="1" smtClean="0"/>
+              <a:t>Biezpieczność</a:t>
+            </a:r>
+            <a:r>
+              <a:rPr lang="pl-PL" dirty="0" smtClean="0"/>
+              <a:t> danych użytkownika (standard autoryzujący </a:t>
+            </a:r>
+            <a:r>
+              <a:rPr lang="pl-PL" dirty="0" err="1" smtClean="0"/>
+              <a:t>OAuth</a:t>
+            </a:r>
+            <a:r>
+              <a:rPr lang="pl-PL" dirty="0" smtClean="0"/>
+              <a:t>)</a:t>
+            </a:r>
+          </a:p>
+          <a:p>
+            <a:r>
+              <a:rPr lang="pl-PL" dirty="0" smtClean="0"/>
+              <a:t>Model procesu tworzenia oprogramowania: SCRUM</a:t>
+            </a:r>
+          </a:p>
+          <a:p>
+            <a:r>
+              <a:rPr lang="pl-PL" dirty="0" smtClean="0"/>
+              <a:t>Aplikacja działająca w przeglądarce internetowej</a:t>
+            </a:r>
+          </a:p>
+          <a:p>
+            <a:endParaRPr lang="pl-PL" dirty="0" smtClean="0"/>
+          </a:p>
+        </p:txBody>
+      </p:sp>
+    </p:spTree>
+    <p:extLst>
+      <p:ext uri="{BB962C8B-B14F-4D97-AF65-F5344CB8AC3E}">
+        <p14:creationId xmlns:p14="http://schemas.microsoft.com/office/powerpoint/2010/main" val="955818002"/>
+      </p:ext>
+    </p:extLst>
+  </p:cSld>
+  <p:clrMapOvr>
+    <a:masterClrMapping/>
+  </p:clrMapOvr>
+  <p:timing>
+    <p:tnLst>
+      <p:par>
+        <p:cTn id="1" dur="indefinite" restart="never" nodeType="tmRoot"/>
+      </p:par>
+    </p:tnLst>
+  </p:timing>
+</p:sld>
+</file>
+
+<file path=ppt/slides/slide6.xml><?xml version="1.0" encoding="utf-8"?>
+<p:sld xmlns:a="http://schemas.openxmlformats.org/drawingml/2006/main" xmlns:r="http://schemas.openxmlformats.org/officeDocument/2006/relationships" xmlns:p="http://schemas.openxmlformats.org/presentationml/2006/main">
+  <p:cSld>
+    <p:spTree>
+      <p:nvGrpSpPr>
+        <p:cNvPr id="1" name=""/>
+        <p:cNvGrpSpPr/>
+        <p:nvPr/>
+      </p:nvGrpSpPr>
+      <p:grpSpPr>
+        <a:xfrm>
+          <a:off x="0" y="0"/>
+          <a:ext cx="0" cy="0"/>
+          <a:chOff x="0" y="0"/>
+          <a:chExt cx="0" cy="0"/>
+        </a:xfrm>
+      </p:grpSpPr>
+      <p:sp>
+        <p:nvSpPr>
+          <p:cNvPr id="2" name="Tytuł 1"/>
+          <p:cNvSpPr>
+            <a:spLocks noGrp="1"/>
+          </p:cNvSpPr>
+          <p:nvPr>
+            <p:ph type="title"/>
+          </p:nvPr>
+        </p:nvSpPr>
+        <p:spPr>
+          <a:xfrm>
+            <a:off x="539976" y="1001572"/>
+            <a:ext cx="9404723" cy="1400530"/>
+          </a:xfrm>
+        </p:spPr>
+        <p:txBody>
+          <a:bodyPr/>
+          <a:lstStyle/>
+          <a:p>
+            <a:r>
+              <a:rPr lang="pl-PL" dirty="0" smtClean="0"/>
+              <a:t>Model SCRUM</a:t>
+            </a:r>
+            <a:endParaRPr lang="pl-PL" dirty="0"/>
+          </a:p>
+        </p:txBody>
+      </p:sp>
+      <p:sp>
+        <p:nvSpPr>
+          <p:cNvPr id="3" name="Symbol zastępczy zawartości 2"/>
+          <p:cNvSpPr>
+            <a:spLocks noGrp="1"/>
+          </p:cNvSpPr>
+          <p:nvPr>
+            <p:ph idx="1"/>
+          </p:nvPr>
+        </p:nvSpPr>
+        <p:spPr>
+          <a:xfrm>
+            <a:off x="916514" y="2402102"/>
+            <a:ext cx="5467957" cy="3936104"/>
+          </a:xfrm>
+        </p:spPr>
+        <p:txBody>
+          <a:bodyPr/>
+          <a:lstStyle/>
+          <a:p>
+            <a:pPr marL="0" indent="0">
+              <a:buNone/>
+            </a:pPr>
+            <a:r>
+              <a:rPr lang="pl-PL" dirty="0" smtClean="0"/>
+              <a:t>Użycie tego modelu argumentujemy tym: </a:t>
+            </a:r>
+          </a:p>
+          <a:p>
+            <a:r>
+              <a:rPr lang="pl-PL" dirty="0" smtClean="0"/>
+              <a:t>pozwala optymizować proces tworzenia aplikacji </a:t>
+            </a:r>
+          </a:p>
+          <a:p>
+            <a:r>
+              <a:rPr lang="pl-PL" dirty="0" smtClean="0"/>
+              <a:t>ułatwia pracę w zespolę </a:t>
+            </a:r>
+          </a:p>
+          <a:p>
+            <a:r>
+              <a:rPr lang="pl-PL" dirty="0"/>
+              <a:t>p</a:t>
+            </a:r>
+            <a:r>
+              <a:rPr lang="pl-PL" dirty="0" smtClean="0"/>
+              <a:t>roces się staje bardziej przewidywany</a:t>
+            </a:r>
+            <a:endParaRPr lang="pl-PL" dirty="0"/>
+          </a:p>
+        </p:txBody>
+      </p:sp>
+      <p:pic>
+        <p:nvPicPr>
+          <p:cNvPr id="5" name="Obraz 4"/>
+          <p:cNvPicPr>
+            <a:picLocks noChangeAspect="1"/>
+          </p:cNvPicPr>
+          <p:nvPr/>
+        </p:nvPicPr>
+        <p:blipFill>
+          <a:blip r:embed="rId2">
+            <a:extLst>
+              <a:ext uri="{28A0092B-C50C-407E-A947-70E740481C1C}">
+                <a14:useLocalDpi xmlns:a14="http://schemas.microsoft.com/office/drawing/2010/main" val="0"/>
+              </a:ext>
+            </a:extLst>
+          </a:blip>
+          <a:stretch>
+            <a:fillRect/>
+          </a:stretch>
+        </p:blipFill>
+        <p:spPr>
+          <a:xfrm>
+            <a:off x="6165631" y="1275429"/>
+            <a:ext cx="6026369" cy="4594691"/>
+          </a:xfrm>
+          <a:prstGeom prst="rect">
+            <a:avLst/>
+          </a:prstGeom>
+        </p:spPr>
+      </p:pic>
+    </p:spTree>
+    <p:extLst>
+      <p:ext uri="{BB962C8B-B14F-4D97-AF65-F5344CB8AC3E}">
+        <p14:creationId xmlns:p14="http://schemas.microsoft.com/office/powerpoint/2010/main" val="591769342"/>
+      </p:ext>
+    </p:extLst>
+  </p:cSld>
+  <p:clrMapOvr>
+    <a:masterClrMapping/>
+  </p:clrMapOvr>
+  <mc:AlternateContent xmlns:mc="http://schemas.openxmlformats.org/markup-compatibility/2006">
+    <mc:Choice xmlns:p14="http://schemas.microsoft.com/office/powerpoint/2010/main" Requires="p14">
+      <p:transition spd="slow" p14:dur="2000"/>
+    </mc:Choice>
+    <mc:Fallback>
+      <p:transition spd="slow"/>
+    </mc:Fallback>
+  </mc:AlternateContent>
+  <p:timing>
+    <p:tnLst>
+      <p:par>
+        <p:cTn id="1" dur="indefinite" restart="never" nodeType="tmRoot"/>
+      </p:par>
+    </p:tnLst>
+  </p:timing>
+</p:sld>
+</file>
+
+<file path=ppt/slides/slide7.xml><?xml version="1.0" encoding="utf-8"?>
 <p:sld xmlns:a="http://schemas.openxmlformats.org/drawingml/2006/main" xmlns:r="http://schemas.openxmlformats.org/officeDocument/2006/relationships" xmlns:p="http://schemas.openxmlformats.org/presentationml/2006/main" showMasterSp="0">
   <p:cSld>
     <p:bg>
@@ -7615,7 +8755,7 @@
                 <a16:creationId xmlns:a16="http://schemas.microsoft.com/office/drawing/2014/main" id="{9362849A-570D-49DB-954C-63F144E88A4A}"/>
               </a:ext>
               <a:ext uri="{C183D7F6-B498-43B3-948B-1728B52AA6E4}">
-                <adec:decorative xmlns:adec="http://schemas.microsoft.com/office/drawing/2017/decorative" val="1"/>
+                <adec:decorative xmlns:adec="http://schemas.microsoft.com/office/drawing/2017/decorative" xmlns="" val="1"/>
               </a:ext>
             </a:extLst>
           </p:cNvPr>
@@ -7675,7 +8815,7 @@
                 <a16:creationId xmlns:a16="http://schemas.microsoft.com/office/drawing/2014/main" id="{1CA42011-E478-428B-9D15-A98E338BF8C1}"/>
               </a:ext>
               <a:ext uri="{C183D7F6-B498-43B3-948B-1728B52AA6E4}">
-                <adec:decorative xmlns:adec="http://schemas.microsoft.com/office/drawing/2017/decorative" val="1"/>
+                <adec:decorative xmlns:adec="http://schemas.microsoft.com/office/drawing/2017/decorative" xmlns="" val="1"/>
               </a:ext>
             </a:extLst>
           </p:cNvPr>
@@ -7728,7 +8868,7 @@
                 <a16:creationId xmlns:a16="http://schemas.microsoft.com/office/drawing/2014/main" id="{9ED2773C-FE51-4632-BA46-036BDCDA6E5C}"/>
               </a:ext>
               <a:ext uri="{C183D7F6-B498-43B3-948B-1728B52AA6E4}">
-                <adec:decorative xmlns:adec="http://schemas.microsoft.com/office/drawing/2017/decorative" val="1"/>
+                <adec:decorative xmlns:adec="http://schemas.microsoft.com/office/drawing/2017/decorative" xmlns="" val="1"/>
               </a:ext>
             </a:extLst>
           </p:cNvPr>
@@ -8136,7 +9276,7 @@
                 <a16:creationId xmlns:a16="http://schemas.microsoft.com/office/drawing/2014/main" id="{E02F9158-C4C2-46A8-BE73-A4F77E139FB6}"/>
               </a:ext>
               <a:ext uri="{C183D7F6-B498-43B3-948B-1728B52AA6E4}">
-                <adec:decorative xmlns:adec="http://schemas.microsoft.com/office/drawing/2017/decorative" val="1"/>
+                <adec:decorative xmlns:adec="http://schemas.microsoft.com/office/drawing/2017/decorative" xmlns="" val="1"/>
               </a:ext>
             </a:extLst>
           </p:cNvPr>
@@ -8848,7 +9988,7 @@
 </p:sld>
 </file>
 
-<file path=ppt/slides/slide5.xml><?xml version="1.0" encoding="utf-8"?>
+<file path=ppt/slides/slide8.xml><?xml version="1.0" encoding="utf-8"?>
 <p:sld xmlns:a="http://schemas.openxmlformats.org/drawingml/2006/main" xmlns:r="http://schemas.openxmlformats.org/officeDocument/2006/relationships" xmlns:p="http://schemas.openxmlformats.org/presentationml/2006/main">
   <p:cSld>
     <p:bg>
@@ -8881,7 +10021,7 @@
                 <a16:creationId xmlns:a16="http://schemas.microsoft.com/office/drawing/2014/main" id="{C0B13FF8-2B3C-4BC1-B3E4-254B3F8C3EF4}"/>
               </a:ext>
               <a:ext uri="{C183D7F6-B498-43B3-948B-1728B52AA6E4}">
-                <adec:decorative xmlns:adec="http://schemas.microsoft.com/office/drawing/2017/decorative" val="1"/>
+                <adec:decorative xmlns:adec="http://schemas.microsoft.com/office/drawing/2017/decorative" xmlns="" val="1"/>
               </a:ext>
             </a:extLst>
           </p:cNvPr>
@@ -8985,7 +10125,7 @@
                 <a16:creationId xmlns:a16="http://schemas.microsoft.com/office/drawing/2014/main" id="{B9C1207E-FFD8-4821-AFE6-71C724360939}"/>
               </a:ext>
               <a:ext uri="{C183D7F6-B498-43B3-948B-1728B52AA6E4}">
-                <adec:decorative xmlns:adec="http://schemas.microsoft.com/office/drawing/2017/decorative" val="1"/>
+                <adec:decorative xmlns:adec="http://schemas.microsoft.com/office/drawing/2017/decorative" xmlns="" val="1"/>
               </a:ext>
             </a:extLst>
           </p:cNvPr>
@@ -9337,7 +10477,7 @@
                 <a16:creationId xmlns:a16="http://schemas.microsoft.com/office/drawing/2014/main" id="{2B199503-2632-490F-8EB2-759D88708F96}"/>
               </a:ext>
               <a:ext uri="{C183D7F6-B498-43B3-948B-1728B52AA6E4}">
-                <adec:decorative xmlns:adec="http://schemas.microsoft.com/office/drawing/2017/decorative" val="1"/>
+                <adec:decorative xmlns:adec="http://schemas.microsoft.com/office/drawing/2017/decorative" xmlns="" val="1"/>
               </a:ext>
             </a:extLst>
           </p:cNvPr>
@@ -9800,7 +10940,7 @@
                 <a16:creationId xmlns:a16="http://schemas.microsoft.com/office/drawing/2014/main" id="{F11C7CB4-0228-486A-931A-262ABB670EB0}"/>
               </a:ext>
               <a:ext uri="{C183D7F6-B498-43B3-948B-1728B52AA6E4}">
-                <adec:decorative xmlns:adec="http://schemas.microsoft.com/office/drawing/2017/decorative" val="1"/>
+                <adec:decorative xmlns:adec="http://schemas.microsoft.com/office/drawing/2017/decorative" xmlns="" val="1"/>
               </a:ext>
             </a:extLst>
           </p:cNvPr>
@@ -9953,7 +11093,7 @@
 </p:sld>
 </file>
 
-<file path=ppt/slides/slide6.xml><?xml version="1.0" encoding="utf-8"?>
+<file path=ppt/slides/slide9.xml><?xml version="1.0" encoding="utf-8"?>
 <p:sld xmlns:a="http://schemas.openxmlformats.org/drawingml/2006/main" xmlns:r="http://schemas.openxmlformats.org/officeDocument/2006/relationships" xmlns:p="http://schemas.openxmlformats.org/presentationml/2006/main">
   <p:cSld>
     <p:bg>
@@ -10002,7 +11142,7 @@
                 <a16:creationId xmlns:a16="http://schemas.microsoft.com/office/drawing/2014/main" id="{923E8915-D2AA-4327-A45A-972C3CA9574B}"/>
               </a:ext>
               <a:ext uri="{C183D7F6-B498-43B3-948B-1728B52AA6E4}">
-                <adec:decorative xmlns:adec="http://schemas.microsoft.com/office/drawing/2017/decorative" val="1"/>
+                <adec:decorative xmlns:adec="http://schemas.microsoft.com/office/drawing/2017/decorative" xmlns="" val="1"/>
               </a:ext>
             </a:extLst>
           </p:cNvPr>
@@ -10065,7 +11205,7 @@
                 <a16:creationId xmlns:a16="http://schemas.microsoft.com/office/drawing/2014/main" id="{8302FC3C-9804-4950-B721-5FD704BA6065}"/>
               </a:ext>
               <a:ext uri="{C183D7F6-B498-43B3-948B-1728B52AA6E4}">
-                <adec:decorative xmlns:adec="http://schemas.microsoft.com/office/drawing/2017/decorative" val="1"/>
+                <adec:decorative xmlns:adec="http://schemas.microsoft.com/office/drawing/2017/decorative" xmlns="" val="1"/>
               </a:ext>
             </a:extLst>
           </p:cNvPr>
@@ -10125,7 +11265,7 @@
                 <a16:creationId xmlns:a16="http://schemas.microsoft.com/office/drawing/2014/main" id="{6B9695BD-ECF6-49CA-8877-8C493193C65D}"/>
               </a:ext>
               <a:ext uri="{C183D7F6-B498-43B3-948B-1728B52AA6E4}">
-                <adec:decorative xmlns:adec="http://schemas.microsoft.com/office/drawing/2017/decorative" val="1"/>
+                <adec:decorative xmlns:adec="http://schemas.microsoft.com/office/drawing/2017/decorative" xmlns="" val="1"/>
               </a:ext>
             </a:extLst>
           </p:cNvPr>
@@ -10180,7 +11320,7 @@
                 <a16:creationId xmlns:a16="http://schemas.microsoft.com/office/drawing/2014/main" id="{3BC6EBB2-9BDC-4075-BA6B-43A9FBF9C86C}"/>
               </a:ext>
               <a:ext uri="{C183D7F6-B498-43B3-948B-1728B52AA6E4}">
-                <adec:decorative xmlns:adec="http://schemas.microsoft.com/office/drawing/2017/decorative" val="1"/>
+                <adec:decorative xmlns:adec="http://schemas.microsoft.com/office/drawing/2017/decorative" xmlns="" val="1"/>
               </a:ext>
             </a:extLst>
           </p:cNvPr>
@@ -10224,7 +11364,7 @@
                 <a16:creationId xmlns:a16="http://schemas.microsoft.com/office/drawing/2014/main" id="{F3798573-F27B-47EB-8EA4-7EE34954C2D6}"/>
               </a:ext>
               <a:ext uri="{C183D7F6-B498-43B3-948B-1728B52AA6E4}">
-                <adec:decorative xmlns:adec="http://schemas.microsoft.com/office/drawing/2017/decorative" val="1"/>
+                <adec:decorative xmlns:adec="http://schemas.microsoft.com/office/drawing/2017/decorative" xmlns="" val="1"/>
               </a:ext>
             </a:extLst>
           </p:cNvPr>
@@ -10509,519 +11649,6 @@
     <p:extLst>
       <p:ext uri="{BB962C8B-B14F-4D97-AF65-F5344CB8AC3E}">
         <p14:creationId xmlns:p14="http://schemas.microsoft.com/office/powerpoint/2010/main" val="256327961"/>
-      </p:ext>
-    </p:extLst>
-  </p:cSld>
-  <p:clrMapOvr>
-    <a:masterClrMapping/>
-  </p:clrMapOvr>
-</p:sld>
-</file>
-
-<file path=ppt/slides/slide7.xml><?xml version="1.0" encoding="utf-8"?>
-<p:sld xmlns:a="http://schemas.openxmlformats.org/drawingml/2006/main" xmlns:r="http://schemas.openxmlformats.org/officeDocument/2006/relationships" xmlns:p="http://schemas.openxmlformats.org/presentationml/2006/main">
-  <p:cSld>
-    <p:bg>
-      <p:bgPr>
-        <a:solidFill>
-          <a:schemeClr val="bg1"/>
-        </a:solidFill>
-        <a:effectLst/>
-      </p:bgPr>
-    </p:bg>
-    <p:spTree>
-      <p:nvGrpSpPr>
-        <p:cNvPr id="1" name=""/>
-        <p:cNvGrpSpPr/>
-        <p:nvPr/>
-      </p:nvGrpSpPr>
-      <p:grpSpPr>
-        <a:xfrm>
-          <a:off x="0" y="0"/>
-          <a:ext cx="0" cy="0"/>
-          <a:chOff x="0" y="0"/>
-          <a:chExt cx="0" cy="0"/>
-        </a:xfrm>
-      </p:grpSpPr>
-      <p:pic>
-        <p:nvPicPr>
-          <p:cNvPr id="71" name="Picture 70">
-            <a:extLst>
-              <a:ext uri="{FF2B5EF4-FFF2-40B4-BE49-F238E27FC236}">
-                <a16:creationId xmlns:a16="http://schemas.microsoft.com/office/drawing/2014/main" id="{DF19BAF3-7E20-4B9D-B544-BABAEEA1FA75}"/>
-              </a:ext>
-              <a:ext uri="{C183D7F6-B498-43B3-948B-1728B52AA6E4}">
-                <adec:decorative xmlns:adec="http://schemas.microsoft.com/office/drawing/2017/decorative" val="1"/>
-              </a:ext>
-            </a:extLst>
-          </p:cNvPr>
-          <p:cNvPicPr>
-            <a:picLocks noGrp="1" noRot="1" noChangeAspect="1" noMove="1" noResize="1" noEditPoints="1" noAdjustHandles="1" noChangeArrowheads="1" noChangeShapeType="1" noCrop="1"/>
-          </p:cNvPicPr>
-          <p:nvPr>
-            <p:extLst>
-              <p:ext uri="{386F3935-93C4-4BCD-93E2-E3B085C9AB24}">
-                <p16:designElem xmlns:p16="http://schemas.microsoft.com/office/powerpoint/2015/main" val="1"/>
-              </p:ext>
-            </p:extLst>
-          </p:nvPr>
-        </p:nvPicPr>
-        <p:blipFill rotWithShape="1">
-          <a:blip r:embed="rId2">
-            <a:extLst>
-              <a:ext uri="{28A0092B-C50C-407E-A947-70E740481C1C}">
-                <a14:useLocalDpi xmlns:a14="http://schemas.microsoft.com/office/drawing/2010/main" val="0"/>
-              </a:ext>
-            </a:extLst>
-          </a:blip>
-          <a:srcRect l="3613"/>
-          <a:stretch/>
-        </p:blipFill>
-        <p:spPr>
-          <a:xfrm>
-            <a:off x="0" y="2669685"/>
-            <a:ext cx="4037012" cy="4188315"/>
-          </a:xfrm>
-          <a:prstGeom prst="rect">
-            <a:avLst/>
-          </a:prstGeom>
-        </p:spPr>
-      </p:pic>
-      <p:pic>
-        <p:nvPicPr>
-          <p:cNvPr id="73" name="Picture 72">
-            <a:extLst>
-              <a:ext uri="{FF2B5EF4-FFF2-40B4-BE49-F238E27FC236}">
-                <a16:creationId xmlns:a16="http://schemas.microsoft.com/office/drawing/2014/main" id="{950648F4-ABCD-4DF0-8641-76CFB2354721}"/>
-              </a:ext>
-              <a:ext uri="{C183D7F6-B498-43B3-948B-1728B52AA6E4}">
-                <adec:decorative xmlns:adec="http://schemas.microsoft.com/office/drawing/2017/decorative" val="1"/>
-              </a:ext>
-            </a:extLst>
-          </p:cNvPr>
-          <p:cNvPicPr>
-            <a:picLocks noGrp="1" noRot="1" noChangeAspect="1" noMove="1" noResize="1" noEditPoints="1" noAdjustHandles="1" noChangeArrowheads="1" noChangeShapeType="1" noCrop="1"/>
-          </p:cNvPicPr>
-          <p:nvPr>
-            <p:extLst>
-              <p:ext uri="{386F3935-93C4-4BCD-93E2-E3B085C9AB24}">
-                <p16:designElem xmlns:p16="http://schemas.microsoft.com/office/powerpoint/2015/main" val="1"/>
-              </p:ext>
-            </p:extLst>
-          </p:nvPr>
-        </p:nvPicPr>
-        <p:blipFill rotWithShape="1">
-          <a:blip r:embed="rId3">
-            <a:extLst>
-              <a:ext uri="{28A0092B-C50C-407E-A947-70E740481C1C}">
-                <a14:useLocalDpi xmlns:a14="http://schemas.microsoft.com/office/drawing/2010/main" val="0"/>
-              </a:ext>
-            </a:extLst>
-          </a:blip>
-          <a:srcRect l="35640"/>
-          <a:stretch/>
-        </p:blipFill>
-        <p:spPr>
-          <a:xfrm>
-            <a:off x="0" y="2892347"/>
-            <a:ext cx="1522412" cy="2365453"/>
-          </a:xfrm>
-          <a:prstGeom prst="rect">
-            <a:avLst/>
-          </a:prstGeom>
-        </p:spPr>
-      </p:pic>
-      <p:sp>
-        <p:nvSpPr>
-          <p:cNvPr id="75" name="Oval 74">
-            <a:extLst>
-              <a:ext uri="{FF2B5EF4-FFF2-40B4-BE49-F238E27FC236}">
-                <a16:creationId xmlns:a16="http://schemas.microsoft.com/office/drawing/2014/main" id="{989BE678-777B-482A-A616-FEDC47B162E5}"/>
-              </a:ext>
-              <a:ext uri="{C183D7F6-B498-43B3-948B-1728B52AA6E4}">
-                <adec:decorative xmlns:adec="http://schemas.microsoft.com/office/drawing/2017/decorative" val="1"/>
-              </a:ext>
-            </a:extLst>
-          </p:cNvPr>
-          <p:cNvSpPr>
-            <a:spLocks noGrp="1" noRot="1" noChangeAspect="1" noMove="1" noResize="1" noEditPoints="1" noAdjustHandles="1" noChangeArrowheads="1" noChangeShapeType="1" noTextEdit="1"/>
-          </p:cNvSpPr>
-          <p:nvPr>
-            <p:extLst>
-              <p:ext uri="{386F3935-93C4-4BCD-93E2-E3B085C9AB24}">
-                <p16:designElem xmlns:p16="http://schemas.microsoft.com/office/powerpoint/2015/main" val="1"/>
-              </p:ext>
-            </p:extLst>
-          </p:nvPr>
-        </p:nvSpPr>
-        <p:spPr>
-          <a:xfrm>
-            <a:off x="8609012" y="1676400"/>
-            <a:ext cx="2819400" cy="2819400"/>
-          </a:xfrm>
-          <a:prstGeom prst="ellipse">
-            <a:avLst/>
-          </a:prstGeom>
-          <a:gradFill flip="none" rotWithShape="1">
-            <a:gsLst>
-              <a:gs pos="0">
-                <a:schemeClr val="bg2">
-                  <a:lumMod val="60000"/>
-                  <a:lumOff val="40000"/>
-                  <a:alpha val="7000"/>
-                </a:schemeClr>
-              </a:gs>
-              <a:gs pos="69000">
-                <a:schemeClr val="bg2">
-                  <a:lumMod val="60000"/>
-                  <a:lumOff val="40000"/>
-                  <a:alpha val="0"/>
-                </a:schemeClr>
-              </a:gs>
-              <a:gs pos="36000">
-                <a:schemeClr val="bg2">
-                  <a:lumMod val="60000"/>
-                  <a:lumOff val="40000"/>
-                  <a:alpha val="6000"/>
-                </a:schemeClr>
-              </a:gs>
-            </a:gsLst>
-            <a:path path="circle">
-              <a:fillToRect l="50000" t="50000" r="50000" b="50000"/>
-            </a:path>
-            <a:tileRect/>
-          </a:gradFill>
-          <a:ln>
-            <a:noFill/>
-          </a:ln>
-          <a:effectLst/>
-        </p:spPr>
-        <p:style>
-          <a:lnRef idx="1">
-            <a:schemeClr val="accent1"/>
-          </a:lnRef>
-          <a:fillRef idx="3">
-            <a:schemeClr val="accent1"/>
-          </a:fillRef>
-          <a:effectRef idx="2">
-            <a:schemeClr val="accent1"/>
-          </a:effectRef>
-          <a:fontRef idx="minor">
-            <a:schemeClr val="lt1"/>
-          </a:fontRef>
-        </p:style>
-      </p:sp>
-      <p:pic>
-        <p:nvPicPr>
-          <p:cNvPr id="77" name="Picture 76">
-            <a:extLst>
-              <a:ext uri="{FF2B5EF4-FFF2-40B4-BE49-F238E27FC236}">
-                <a16:creationId xmlns:a16="http://schemas.microsoft.com/office/drawing/2014/main" id="{CF1EB4BD-9C7E-4AA3-9681-C7EB0DA6250B}"/>
-              </a:ext>
-              <a:ext uri="{C183D7F6-B498-43B3-948B-1728B52AA6E4}">
-                <adec:decorative xmlns:adec="http://schemas.microsoft.com/office/drawing/2017/decorative" val="1"/>
-              </a:ext>
-            </a:extLst>
-          </p:cNvPr>
-          <p:cNvPicPr>
-            <a:picLocks noGrp="1" noRot="1" noChangeAspect="1" noMove="1" noResize="1" noEditPoints="1" noAdjustHandles="1" noChangeArrowheads="1" noChangeShapeType="1" noCrop="1"/>
-          </p:cNvPicPr>
-          <p:nvPr>
-            <p:extLst>
-              <p:ext uri="{386F3935-93C4-4BCD-93E2-E3B085C9AB24}">
-                <p16:designElem xmlns:p16="http://schemas.microsoft.com/office/powerpoint/2015/main" val="1"/>
-              </p:ext>
-            </p:extLst>
-          </p:nvPr>
-        </p:nvPicPr>
-        <p:blipFill rotWithShape="1">
-          <a:blip r:embed="rId4">
-            <a:extLst>
-              <a:ext uri="{28A0092B-C50C-407E-A947-70E740481C1C}">
-                <a14:useLocalDpi xmlns:a14="http://schemas.microsoft.com/office/drawing/2010/main" val="0"/>
-              </a:ext>
-            </a:extLst>
-          </a:blip>
-          <a:srcRect t="28813"/>
-          <a:stretch/>
-        </p:blipFill>
-        <p:spPr>
-          <a:xfrm>
-            <a:off x="7999412" y="0"/>
-            <a:ext cx="1603387" cy="1141407"/>
-          </a:xfrm>
-          <a:prstGeom prst="rect">
-            <a:avLst/>
-          </a:prstGeom>
-        </p:spPr>
-      </p:pic>
-      <p:pic>
-        <p:nvPicPr>
-          <p:cNvPr id="79" name="Picture 78">
-            <a:extLst>
-              <a:ext uri="{FF2B5EF4-FFF2-40B4-BE49-F238E27FC236}">
-                <a16:creationId xmlns:a16="http://schemas.microsoft.com/office/drawing/2014/main" id="{94AAE3AA-3759-4D28-B0EF-575F25A5146C}"/>
-              </a:ext>
-              <a:ext uri="{C183D7F6-B498-43B3-948B-1728B52AA6E4}">
-                <adec:decorative xmlns:adec="http://schemas.microsoft.com/office/drawing/2017/decorative" val="1"/>
-              </a:ext>
-            </a:extLst>
-          </p:cNvPr>
-          <p:cNvPicPr>
-            <a:picLocks noGrp="1" noRot="1" noChangeAspect="1" noMove="1" noResize="1" noEditPoints="1" noAdjustHandles="1" noChangeArrowheads="1" noChangeShapeType="1" noCrop="1"/>
-          </p:cNvPicPr>
-          <p:nvPr>
-            <p:extLst>
-              <p:ext uri="{386F3935-93C4-4BCD-93E2-E3B085C9AB24}">
-                <p16:designElem xmlns:p16="http://schemas.microsoft.com/office/powerpoint/2015/main" val="1"/>
-              </p:ext>
-            </p:extLst>
-          </p:nvPr>
-        </p:nvPicPr>
-        <p:blipFill rotWithShape="1">
-          <a:blip r:embed="rId5">
-            <a:extLst>
-              <a:ext uri="{28A0092B-C50C-407E-A947-70E740481C1C}">
-                <a14:useLocalDpi xmlns:a14="http://schemas.microsoft.com/office/drawing/2010/main" val="0"/>
-              </a:ext>
-            </a:extLst>
-          </a:blip>
-          <a:srcRect b="23320"/>
-          <a:stretch/>
-        </p:blipFill>
-        <p:spPr>
-          <a:xfrm>
-            <a:off x="8605878" y="6096000"/>
-            <a:ext cx="993734" cy="762000"/>
-          </a:xfrm>
-          <a:prstGeom prst="rect">
-            <a:avLst/>
-          </a:prstGeom>
-        </p:spPr>
-      </p:pic>
-      <p:sp>
-        <p:nvSpPr>
-          <p:cNvPr id="81" name="Rectangle 80">
-            <a:extLst>
-              <a:ext uri="{FF2B5EF4-FFF2-40B4-BE49-F238E27FC236}">
-                <a16:creationId xmlns:a16="http://schemas.microsoft.com/office/drawing/2014/main" id="{D28BE0C3-2102-4820-B88B-A448B1840D14}"/>
-              </a:ext>
-              <a:ext uri="{C183D7F6-B498-43B3-948B-1728B52AA6E4}">
-                <adec:decorative xmlns:adec="http://schemas.microsoft.com/office/drawing/2017/decorative" val="1"/>
-              </a:ext>
-            </a:extLst>
-          </p:cNvPr>
-          <p:cNvSpPr>
-            <a:spLocks noGrp="1" noRot="1" noChangeAspect="1" noMove="1" noResize="1" noEditPoints="1" noAdjustHandles="1" noChangeArrowheads="1" noChangeShapeType="1" noTextEdit="1"/>
-          </p:cNvSpPr>
-          <p:nvPr>
-            <p:extLst>
-              <p:ext uri="{386F3935-93C4-4BCD-93E2-E3B085C9AB24}">
-                <p16:designElem xmlns:p16="http://schemas.microsoft.com/office/powerpoint/2015/main" val="1"/>
-              </p:ext>
-            </p:extLst>
-          </p:nvPr>
-        </p:nvSpPr>
-        <p:spPr>
-          <a:xfrm>
-            <a:off x="10437812" y="0"/>
-            <a:ext cx="685800" cy="1143000"/>
-          </a:xfrm>
-          <a:prstGeom prst="rect">
-            <a:avLst/>
-          </a:prstGeom>
-          <a:solidFill>
-            <a:schemeClr val="accent1"/>
-          </a:solidFill>
-          <a:ln>
-            <a:noFill/>
-          </a:ln>
-        </p:spPr>
-        <p:style>
-          <a:lnRef idx="1">
-            <a:schemeClr val="accent1"/>
-          </a:lnRef>
-          <a:fillRef idx="3">
-            <a:schemeClr val="accent1"/>
-          </a:fillRef>
-          <a:effectRef idx="2">
-            <a:schemeClr val="accent1"/>
-          </a:effectRef>
-          <a:fontRef idx="minor">
-            <a:schemeClr val="lt1"/>
-          </a:fontRef>
-        </p:style>
-      </p:sp>
-      <p:sp useBgFill="1">
-        <p:nvSpPr>
-          <p:cNvPr id="83" name="Rectangle 82">
-            <a:extLst>
-              <a:ext uri="{FF2B5EF4-FFF2-40B4-BE49-F238E27FC236}">
-                <a16:creationId xmlns:a16="http://schemas.microsoft.com/office/drawing/2014/main" id="{A4322390-8B58-46BE-88EB-D9FD30C08743}"/>
-              </a:ext>
-              <a:ext uri="{C183D7F6-B498-43B3-948B-1728B52AA6E4}">
-                <adec:decorative xmlns:adec="http://schemas.microsoft.com/office/drawing/2017/decorative" val="1"/>
-              </a:ext>
-            </a:extLst>
-          </p:cNvPr>
-          <p:cNvSpPr>
-            <a:spLocks noGrp="1" noRot="1" noChangeAspect="1" noMove="1" noResize="1" noEditPoints="1" noAdjustHandles="1" noChangeArrowheads="1" noChangeShapeType="1" noTextEdit="1"/>
-          </p:cNvSpPr>
-          <p:nvPr>
-            <p:extLst>
-              <p:ext uri="{386F3935-93C4-4BCD-93E2-E3B085C9AB24}">
-                <p16:designElem xmlns:p16="http://schemas.microsoft.com/office/powerpoint/2015/main" val="1"/>
-              </p:ext>
-            </p:extLst>
-          </p:nvPr>
-        </p:nvSpPr>
-        <p:spPr>
-          <a:xfrm>
-            <a:off x="0" y="0"/>
-            <a:ext cx="12192000" cy="6858000"/>
-          </a:xfrm>
-          <a:prstGeom prst="rect">
-            <a:avLst/>
-          </a:prstGeom>
-          <a:ln>
-            <a:noFill/>
-          </a:ln>
-        </p:spPr>
-        <p:style>
-          <a:lnRef idx="2">
-            <a:schemeClr val="accent1">
-              <a:shade val="50000"/>
-            </a:schemeClr>
-          </a:lnRef>
-          <a:fillRef idx="1">
-            <a:schemeClr val="accent1"/>
-          </a:fillRef>
-          <a:effectRef idx="0">
-            <a:schemeClr val="accent1"/>
-          </a:effectRef>
-          <a:fontRef idx="minor">
-            <a:schemeClr val="lt1"/>
-          </a:fontRef>
-        </p:style>
-        <p:txBody>
-          <a:bodyPr rtlCol="0" anchor="ctr"/>
-          <a:lstStyle/>
-          <a:p>
-            <a:pPr algn="ctr"/>
-            <a:endParaRPr lang="en-US"/>
-          </a:p>
-        </p:txBody>
-      </p:sp>
-      <p:pic>
-        <p:nvPicPr>
-          <p:cNvPr id="1026" name="Picture 2">
-            <a:extLst>
-              <a:ext uri="{FF2B5EF4-FFF2-40B4-BE49-F238E27FC236}">
-                <a16:creationId xmlns:a16="http://schemas.microsoft.com/office/drawing/2014/main" id="{7BF7480A-F9B7-4830-9D9F-27413886C07E}"/>
-              </a:ext>
-            </a:extLst>
-          </p:cNvPr>
-          <p:cNvPicPr>
-            <a:picLocks noChangeAspect="1" noChangeArrowheads="1"/>
-          </p:cNvPicPr>
-          <p:nvPr/>
-        </p:nvPicPr>
-        <p:blipFill rotWithShape="1">
-          <a:blip r:embed="rId6">
-            <a:alphaModFix amt="40000"/>
-            <a:extLst>
-              <a:ext uri="{28A0092B-C50C-407E-A947-70E740481C1C}">
-                <a14:useLocalDpi xmlns:a14="http://schemas.microsoft.com/office/drawing/2010/main" val="0"/>
-              </a:ext>
-            </a:extLst>
-          </a:blip>
-          <a:srcRect t="34814" b="12452"/>
-          <a:stretch/>
-        </p:blipFill>
-        <p:spPr bwMode="auto">
-          <a:xfrm>
-            <a:off x="20" y="10"/>
-            <a:ext cx="12191980" cy="6857990"/>
-          </a:xfrm>
-          <a:prstGeom prst="rect">
-            <a:avLst/>
-          </a:prstGeom>
-          <a:noFill/>
-          <a:extLst>
-            <a:ext uri="{909E8E84-426E-40DD-AFC4-6F175D3DCCD1}">
-              <a14:hiddenFill xmlns:a14="http://schemas.microsoft.com/office/drawing/2010/main">
-                <a:solidFill>
-                  <a:srgbClr val="FFFFFF"/>
-                </a:solidFill>
-              </a14:hiddenFill>
-            </a:ext>
-          </a:extLst>
-        </p:spPr>
-      </p:pic>
-      <p:sp>
-        <p:nvSpPr>
-          <p:cNvPr id="2" name="Title 1">
-            <a:extLst>
-              <a:ext uri="{FF2B5EF4-FFF2-40B4-BE49-F238E27FC236}">
-                <a16:creationId xmlns:a16="http://schemas.microsoft.com/office/drawing/2014/main" id="{549EB712-B07E-4594-9F07-880A6D797D6E}"/>
-              </a:ext>
-            </a:extLst>
-          </p:cNvPr>
-          <p:cNvSpPr>
-            <a:spLocks noGrp="1"/>
-          </p:cNvSpPr>
-          <p:nvPr>
-            <p:ph type="title"/>
-          </p:nvPr>
-        </p:nvSpPr>
-        <p:spPr>
-          <a:xfrm>
-            <a:off x="1154955" y="3635974"/>
-            <a:ext cx="9436846" cy="1141407"/>
-          </a:xfrm>
-        </p:spPr>
-        <p:txBody>
-          <a:bodyPr vert="horz" lIns="91440" tIns="45720" rIns="91440" bIns="45720" rtlCol="0" anchor="b">
-            <a:normAutofit fontScale="90000"/>
-          </a:bodyPr>
-          <a:lstStyle/>
-          <a:p>
-            <a:r>
-              <a:rPr lang="en-US" sz="7200" dirty="0" err="1">
-                <a:solidFill>
-                  <a:schemeClr val="tx1"/>
-                </a:solidFill>
-              </a:rPr>
-              <a:t>Dziękujemy</a:t>
-            </a:r>
-            <a:r>
-              <a:rPr lang="en-US" sz="7200" dirty="0">
-                <a:solidFill>
-                  <a:schemeClr val="tx1"/>
-                </a:solidFill>
-              </a:rPr>
-              <a:t> za </a:t>
-            </a:r>
-            <a:r>
-              <a:rPr lang="en-US" sz="7200" dirty="0" err="1">
-                <a:solidFill>
-                  <a:schemeClr val="tx1"/>
-                </a:solidFill>
-              </a:rPr>
-              <a:t>uwagę</a:t>
-            </a:r>
-            <a:endParaRPr lang="en-US" sz="7200" dirty="0">
-              <a:solidFill>
-                <a:schemeClr val="tx1"/>
-              </a:solidFill>
-            </a:endParaRPr>
-          </a:p>
-        </p:txBody>
-      </p:sp>
-    </p:spTree>
-    <p:extLst>
-      <p:ext uri="{BB962C8B-B14F-4D97-AF65-F5344CB8AC3E}">
-        <p14:creationId xmlns:p14="http://schemas.microsoft.com/office/powerpoint/2010/main" val="2367042064"/>
       </p:ext>
     </p:extLst>
   </p:cSld>
